--- a/report/Mid-term check.pptx
+++ b/report/Mid-term check.pptx
@@ -7,10 +7,21 @@
   <p:sldIdLst>
     <p:sldId id="256" r:id="rId2"/>
     <p:sldId id="257" r:id="rId3"/>
-    <p:sldId id="259" r:id="rId4"/>
-    <p:sldId id="260" r:id="rId5"/>
-    <p:sldId id="261" r:id="rId6"/>
-    <p:sldId id="258" r:id="rId7"/>
+    <p:sldId id="262" r:id="rId4"/>
+    <p:sldId id="263" r:id="rId5"/>
+    <p:sldId id="259" r:id="rId6"/>
+    <p:sldId id="264" r:id="rId7"/>
+    <p:sldId id="265" r:id="rId8"/>
+    <p:sldId id="266" r:id="rId9"/>
+    <p:sldId id="267" r:id="rId10"/>
+    <p:sldId id="269" r:id="rId11"/>
+    <p:sldId id="270" r:id="rId12"/>
+    <p:sldId id="271" r:id="rId13"/>
+    <p:sldId id="268" r:id="rId14"/>
+    <p:sldId id="260" r:id="rId15"/>
+    <p:sldId id="261" r:id="rId16"/>
+    <p:sldId id="272" r:id="rId17"/>
+    <p:sldId id="258" r:id="rId18"/>
   </p:sldIdLst>
   <p:sldSz cx="12192000" cy="6858000"/>
   <p:notesSz cx="6858000" cy="9144000"/>
@@ -120,11 +131,21 @@
         <p14:section name="顶层设计" id="{5335EE08-E2CC-4DF9-9EA7-DF8D12FF7109}">
           <p14:sldIdLst>
             <p14:sldId id="257"/>
+            <p14:sldId id="262"/>
+            <p14:sldId id="263"/>
           </p14:sldIdLst>
         </p14:section>
         <p14:section name="课程管理系统进度汇报" id="{D849E4EC-6772-4F15-A28A-C9F6718BB1F8}">
           <p14:sldIdLst>
             <p14:sldId id="259"/>
+            <p14:sldId id="264"/>
+            <p14:sldId id="265"/>
+            <p14:sldId id="266"/>
+            <p14:sldId id="267"/>
+            <p14:sldId id="269"/>
+            <p14:sldId id="270"/>
+            <p14:sldId id="271"/>
+            <p14:sldId id="268"/>
           </p14:sldIdLst>
         </p14:section>
         <p14:section name="活动管理系统进度汇报" id="{0D3017F9-FD82-40DC-A4CD-8ED55FF02D5E}">
@@ -135,6 +156,11 @@
         <p14:section name="导航系统进度汇报" id="{E60B3320-F30E-4834-950C-159CE2D953AF}">
           <p14:sldIdLst>
             <p14:sldId id="261"/>
+          </p14:sldIdLst>
+        </p14:section>
+        <p14:section name="实机演示" id="{F6DD2D8D-B924-487B-BE00-934E9356610B}">
+          <p14:sldIdLst>
+            <p14:sldId id="272"/>
           </p14:sldIdLst>
         </p14:section>
         <p14:section name="end" id="{26F525BD-DBC5-431C-A208-70BA11B5DCA0}">
@@ -5476,6 +5502,649 @@
 </p:sld>
 </file>
 
+<file path=ppt/slides/slide10.xml><?xml version="1.0" encoding="utf-8"?>
+<p:sld xmlns:a="http://schemas.openxmlformats.org/drawingml/2006/main" xmlns:r="http://schemas.openxmlformats.org/officeDocument/2006/relationships" xmlns:p="http://schemas.openxmlformats.org/presentationml/2006/main">
+  <p:cSld>
+    <p:spTree>
+      <p:nvGrpSpPr>
+        <p:cNvPr id="1" name=""/>
+        <p:cNvGrpSpPr/>
+        <p:nvPr/>
+      </p:nvGrpSpPr>
+      <p:grpSpPr>
+        <a:xfrm>
+          <a:off x="0" y="0"/>
+          <a:ext cx="0" cy="0"/>
+          <a:chOff x="0" y="0"/>
+          <a:chExt cx="0" cy="0"/>
+        </a:xfrm>
+      </p:grpSpPr>
+      <p:sp>
+        <p:nvSpPr>
+          <p:cNvPr id="2" name="标题 1">
+            <a:extLst>
+              <a:ext uri="{FF2B5EF4-FFF2-40B4-BE49-F238E27FC236}">
+                <a16:creationId xmlns:a16="http://schemas.microsoft.com/office/drawing/2014/main" id="{28F5D540-5DC6-462E-8494-79E8B8A39528}"/>
+              </a:ext>
+            </a:extLst>
+          </p:cNvPr>
+          <p:cNvSpPr>
+            <a:spLocks noGrp="1"/>
+          </p:cNvSpPr>
+          <p:nvPr>
+            <p:ph type="title"/>
+          </p:nvPr>
+        </p:nvSpPr>
+        <p:spPr/>
+        <p:txBody>
+          <a:bodyPr/>
+          <a:lstStyle/>
+          <a:p>
+            <a:r>
+              <a:rPr lang="zh-CN" altLang="en-US" dirty="0"/>
+              <a:t>文件系统的一系列功能</a:t>
+            </a:r>
+          </a:p>
+        </p:txBody>
+      </p:sp>
+      <p:sp>
+        <p:nvSpPr>
+          <p:cNvPr id="3" name="内容占位符 2">
+            <a:extLst>
+              <a:ext uri="{FF2B5EF4-FFF2-40B4-BE49-F238E27FC236}">
+                <a16:creationId xmlns:a16="http://schemas.microsoft.com/office/drawing/2014/main" id="{8669DF50-283C-4A3F-B067-7302596D480A}"/>
+              </a:ext>
+            </a:extLst>
+          </p:cNvPr>
+          <p:cNvSpPr>
+            <a:spLocks noGrp="1"/>
+          </p:cNvSpPr>
+          <p:nvPr>
+            <p:ph idx="1"/>
+          </p:nvPr>
+        </p:nvSpPr>
+        <p:spPr/>
+        <p:txBody>
+          <a:bodyPr/>
+          <a:lstStyle/>
+          <a:p>
+            <a:r>
+              <a:rPr lang="zh-CN" altLang="en-US" dirty="0"/>
+              <a:t>使用</a:t>
+            </a:r>
+            <a:r>
+              <a:rPr lang="en-US" altLang="zh-CN" dirty="0" err="1"/>
+              <a:t>c++</a:t>
+            </a:r>
+            <a:r>
+              <a:rPr lang="zh-CN" altLang="en-US" dirty="0"/>
+              <a:t>自带的调用系统函数来完成。</a:t>
+            </a:r>
+          </a:p>
+        </p:txBody>
+      </p:sp>
+    </p:spTree>
+    <p:extLst>
+      <p:ext uri="{BB962C8B-B14F-4D97-AF65-F5344CB8AC3E}">
+        <p14:creationId xmlns:p14="http://schemas.microsoft.com/office/powerpoint/2010/main" val="274338532"/>
+      </p:ext>
+    </p:extLst>
+  </p:cSld>
+  <p:clrMapOvr>
+    <a:masterClrMapping/>
+  </p:clrMapOvr>
+</p:sld>
+</file>
+
+<file path=ppt/slides/slide11.xml><?xml version="1.0" encoding="utf-8"?>
+<p:sld xmlns:a="http://schemas.openxmlformats.org/drawingml/2006/main" xmlns:r="http://schemas.openxmlformats.org/officeDocument/2006/relationships" xmlns:p="http://schemas.openxmlformats.org/presentationml/2006/main">
+  <p:cSld>
+    <p:spTree>
+      <p:nvGrpSpPr>
+        <p:cNvPr id="1" name=""/>
+        <p:cNvGrpSpPr/>
+        <p:nvPr/>
+      </p:nvGrpSpPr>
+      <p:grpSpPr>
+        <a:xfrm>
+          <a:off x="0" y="0"/>
+          <a:ext cx="0" cy="0"/>
+          <a:chOff x="0" y="0"/>
+          <a:chExt cx="0" cy="0"/>
+        </a:xfrm>
+      </p:grpSpPr>
+      <p:sp>
+        <p:nvSpPr>
+          <p:cNvPr id="2" name="标题 1">
+            <a:extLst>
+              <a:ext uri="{FF2B5EF4-FFF2-40B4-BE49-F238E27FC236}">
+                <a16:creationId xmlns:a16="http://schemas.microsoft.com/office/drawing/2014/main" id="{F02F9582-F520-46F6-A62F-7B670864334F}"/>
+              </a:ext>
+            </a:extLst>
+          </p:cNvPr>
+          <p:cNvSpPr>
+            <a:spLocks noGrp="1"/>
+          </p:cNvSpPr>
+          <p:nvPr>
+            <p:ph type="title"/>
+          </p:nvPr>
+        </p:nvSpPr>
+        <p:spPr/>
+        <p:txBody>
+          <a:bodyPr/>
+          <a:lstStyle/>
+          <a:p>
+            <a:r>
+              <a:rPr lang="en-US" altLang="zh-CN" dirty="0"/>
+              <a:t>1.</a:t>
+            </a:r>
+            <a:r>
+              <a:rPr lang="zh-CN" altLang="en-US" dirty="0"/>
+              <a:t>注册用户成功后创建文件夹及文件</a:t>
+            </a:r>
+          </a:p>
+        </p:txBody>
+      </p:sp>
+      <p:pic>
+        <p:nvPicPr>
+          <p:cNvPr id="5" name="图片 4">
+            <a:extLst>
+              <a:ext uri="{FF2B5EF4-FFF2-40B4-BE49-F238E27FC236}">
+                <a16:creationId xmlns:a16="http://schemas.microsoft.com/office/drawing/2014/main" id="{439D1C66-B77B-405C-8D87-CD1F177F57D6}"/>
+              </a:ext>
+            </a:extLst>
+          </p:cNvPr>
+          <p:cNvPicPr>
+            <a:picLocks noChangeAspect="1"/>
+          </p:cNvPicPr>
+          <p:nvPr/>
+        </p:nvPicPr>
+        <p:blipFill>
+          <a:blip r:embed="rId2"/>
+          <a:stretch>
+            <a:fillRect/>
+          </a:stretch>
+        </p:blipFill>
+        <p:spPr>
+          <a:xfrm>
+            <a:off x="1055497" y="1292087"/>
+            <a:ext cx="8660445" cy="1982204"/>
+          </a:xfrm>
+          <a:prstGeom prst="rect">
+            <a:avLst/>
+          </a:prstGeom>
+        </p:spPr>
+      </p:pic>
+    </p:spTree>
+    <p:extLst>
+      <p:ext uri="{BB962C8B-B14F-4D97-AF65-F5344CB8AC3E}">
+        <p14:creationId xmlns:p14="http://schemas.microsoft.com/office/powerpoint/2010/main" val="1983157929"/>
+      </p:ext>
+    </p:extLst>
+  </p:cSld>
+  <p:clrMapOvr>
+    <a:masterClrMapping/>
+  </p:clrMapOvr>
+</p:sld>
+</file>
+
+<file path=ppt/slides/slide12.xml><?xml version="1.0" encoding="utf-8"?>
+<p:sld xmlns:a="http://schemas.openxmlformats.org/drawingml/2006/main" xmlns:r="http://schemas.openxmlformats.org/officeDocument/2006/relationships" xmlns:p="http://schemas.openxmlformats.org/presentationml/2006/main">
+  <p:cSld>
+    <p:spTree>
+      <p:nvGrpSpPr>
+        <p:cNvPr id="1" name=""/>
+        <p:cNvGrpSpPr/>
+        <p:nvPr/>
+      </p:nvGrpSpPr>
+      <p:grpSpPr>
+        <a:xfrm>
+          <a:off x="0" y="0"/>
+          <a:ext cx="0" cy="0"/>
+          <a:chOff x="0" y="0"/>
+          <a:chExt cx="0" cy="0"/>
+        </a:xfrm>
+      </p:grpSpPr>
+      <p:sp>
+        <p:nvSpPr>
+          <p:cNvPr id="2" name="标题 1">
+            <a:extLst>
+              <a:ext uri="{FF2B5EF4-FFF2-40B4-BE49-F238E27FC236}">
+                <a16:creationId xmlns:a16="http://schemas.microsoft.com/office/drawing/2014/main" id="{9291C2D7-1F7C-4399-901B-EAB717E023FB}"/>
+              </a:ext>
+            </a:extLst>
+          </p:cNvPr>
+          <p:cNvSpPr>
+            <a:spLocks noGrp="1"/>
+          </p:cNvSpPr>
+          <p:nvPr>
+            <p:ph type="title"/>
+          </p:nvPr>
+        </p:nvSpPr>
+        <p:spPr>
+          <a:xfrm>
+            <a:off x="219092" y="4507211"/>
+            <a:ext cx="11753816" cy="1507067"/>
+          </a:xfrm>
+        </p:spPr>
+        <p:txBody>
+          <a:bodyPr/>
+          <a:lstStyle/>
+          <a:p>
+            <a:r>
+              <a:rPr lang="en-US" altLang="zh-CN" dirty="0"/>
+              <a:t>2.</a:t>
+            </a:r>
+            <a:r>
+              <a:rPr lang="zh-CN" altLang="en-US" dirty="0"/>
+              <a:t>学生上传作业时输入文件路径即可将文件复制到系统中</a:t>
+            </a:r>
+          </a:p>
+        </p:txBody>
+      </p:sp>
+      <p:pic>
+        <p:nvPicPr>
+          <p:cNvPr id="5" name="图片 4">
+            <a:extLst>
+              <a:ext uri="{FF2B5EF4-FFF2-40B4-BE49-F238E27FC236}">
+                <a16:creationId xmlns:a16="http://schemas.microsoft.com/office/drawing/2014/main" id="{956C3466-23A1-41B5-B400-7CCB74F93D5A}"/>
+              </a:ext>
+            </a:extLst>
+          </p:cNvPr>
+          <p:cNvPicPr>
+            <a:picLocks noChangeAspect="1"/>
+          </p:cNvPicPr>
+          <p:nvPr/>
+        </p:nvPicPr>
+        <p:blipFill>
+          <a:blip r:embed="rId2"/>
+          <a:stretch>
+            <a:fillRect/>
+          </a:stretch>
+        </p:blipFill>
+        <p:spPr>
+          <a:xfrm>
+            <a:off x="977900" y="2160843"/>
+            <a:ext cx="10236200" cy="2536314"/>
+          </a:xfrm>
+          <a:prstGeom prst="rect">
+            <a:avLst/>
+          </a:prstGeom>
+        </p:spPr>
+      </p:pic>
+    </p:spTree>
+    <p:extLst>
+      <p:ext uri="{BB962C8B-B14F-4D97-AF65-F5344CB8AC3E}">
+        <p14:creationId xmlns:p14="http://schemas.microsoft.com/office/powerpoint/2010/main" val="897224779"/>
+      </p:ext>
+    </p:extLst>
+  </p:cSld>
+  <p:clrMapOvr>
+    <a:masterClrMapping/>
+  </p:clrMapOvr>
+</p:sld>
+</file>
+
+<file path=ppt/slides/slide13.xml><?xml version="1.0" encoding="utf-8"?>
+<p:sld xmlns:a="http://schemas.openxmlformats.org/drawingml/2006/main" xmlns:r="http://schemas.openxmlformats.org/officeDocument/2006/relationships" xmlns:p="http://schemas.openxmlformats.org/presentationml/2006/main">
+  <p:cSld>
+    <p:spTree>
+      <p:nvGrpSpPr>
+        <p:cNvPr id="1" name=""/>
+        <p:cNvGrpSpPr/>
+        <p:nvPr/>
+      </p:nvGrpSpPr>
+      <p:grpSpPr>
+        <a:xfrm>
+          <a:off x="0" y="0"/>
+          <a:ext cx="0" cy="0"/>
+          <a:chOff x="0" y="0"/>
+          <a:chExt cx="0" cy="0"/>
+        </a:xfrm>
+      </p:grpSpPr>
+      <p:sp>
+        <p:nvSpPr>
+          <p:cNvPr id="2" name="标题 1">
+            <a:extLst>
+              <a:ext uri="{FF2B5EF4-FFF2-40B4-BE49-F238E27FC236}">
+                <a16:creationId xmlns:a16="http://schemas.microsoft.com/office/drawing/2014/main" id="{26568A6B-6191-4B71-9491-9938875FCCED}"/>
+              </a:ext>
+            </a:extLst>
+          </p:cNvPr>
+          <p:cNvSpPr>
+            <a:spLocks noGrp="1"/>
+          </p:cNvSpPr>
+          <p:nvPr>
+            <p:ph type="title"/>
+          </p:nvPr>
+        </p:nvSpPr>
+        <p:spPr/>
+        <p:txBody>
+          <a:bodyPr/>
+          <a:lstStyle/>
+          <a:p>
+            <a:r>
+              <a:rPr lang="zh-CN" altLang="en-US" dirty="0"/>
+              <a:t>接下来的工作</a:t>
+            </a:r>
+          </a:p>
+        </p:txBody>
+      </p:sp>
+      <p:sp>
+        <p:nvSpPr>
+          <p:cNvPr id="3" name="内容占位符 2">
+            <a:extLst>
+              <a:ext uri="{FF2B5EF4-FFF2-40B4-BE49-F238E27FC236}">
+                <a16:creationId xmlns:a16="http://schemas.microsoft.com/office/drawing/2014/main" id="{79D6071D-5EC6-47F1-9024-382514D0937B}"/>
+              </a:ext>
+            </a:extLst>
+          </p:cNvPr>
+          <p:cNvSpPr>
+            <a:spLocks noGrp="1"/>
+          </p:cNvSpPr>
+          <p:nvPr>
+            <p:ph idx="1"/>
+          </p:nvPr>
+        </p:nvSpPr>
+        <p:spPr>
+          <a:xfrm>
+            <a:off x="684212" y="685800"/>
+            <a:ext cx="11024084" cy="4174435"/>
+          </a:xfrm>
+        </p:spPr>
+        <p:txBody>
+          <a:bodyPr>
+            <a:normAutofit/>
+          </a:bodyPr>
+          <a:lstStyle/>
+          <a:p>
+            <a:r>
+              <a:rPr lang="zh-CN" altLang="en-US" sz="3600" dirty="0"/>
+              <a:t>完善现有功能，开发出文件压缩功能以及冲突检测功能，并与活动管理系统联动；将输出功能完善，做得更美观，并增加输出课程表的功能；尝试使用</a:t>
+            </a:r>
+            <a:r>
+              <a:rPr lang="en-US" altLang="zh-CN" sz="3600" dirty="0"/>
+              <a:t>qt</a:t>
+            </a:r>
+            <a:r>
+              <a:rPr lang="zh-CN" altLang="en-US" sz="3600" dirty="0"/>
+              <a:t>进行可视化。</a:t>
+            </a:r>
+          </a:p>
+        </p:txBody>
+      </p:sp>
+    </p:spTree>
+    <p:extLst>
+      <p:ext uri="{BB962C8B-B14F-4D97-AF65-F5344CB8AC3E}">
+        <p14:creationId xmlns:p14="http://schemas.microsoft.com/office/powerpoint/2010/main" val="2678168168"/>
+      </p:ext>
+    </p:extLst>
+  </p:cSld>
+  <p:clrMapOvr>
+    <a:masterClrMapping/>
+  </p:clrMapOvr>
+</p:sld>
+</file>
+
+<file path=ppt/slides/slide14.xml><?xml version="1.0" encoding="utf-8"?>
+<p:sld xmlns:a="http://schemas.openxmlformats.org/drawingml/2006/main" xmlns:r="http://schemas.openxmlformats.org/officeDocument/2006/relationships" xmlns:p="http://schemas.openxmlformats.org/presentationml/2006/main">
+  <p:cSld>
+    <p:spTree>
+      <p:nvGrpSpPr>
+        <p:cNvPr id="1" name=""/>
+        <p:cNvGrpSpPr/>
+        <p:nvPr/>
+      </p:nvGrpSpPr>
+      <p:grpSpPr>
+        <a:xfrm>
+          <a:off x="0" y="0"/>
+          <a:ext cx="0" cy="0"/>
+          <a:chOff x="0" y="0"/>
+          <a:chExt cx="0" cy="0"/>
+        </a:xfrm>
+      </p:grpSpPr>
+      <p:sp>
+        <p:nvSpPr>
+          <p:cNvPr id="2" name="标题 1">
+            <a:extLst>
+              <a:ext uri="{FF2B5EF4-FFF2-40B4-BE49-F238E27FC236}">
+                <a16:creationId xmlns:a16="http://schemas.microsoft.com/office/drawing/2014/main" id="{AB0482B1-7516-41F7-9695-2D201B410237}"/>
+              </a:ext>
+            </a:extLst>
+          </p:cNvPr>
+          <p:cNvSpPr>
+            <a:spLocks noGrp="1"/>
+          </p:cNvSpPr>
+          <p:nvPr>
+            <p:ph type="title"/>
+          </p:nvPr>
+        </p:nvSpPr>
+        <p:spPr>
+          <a:xfrm>
+            <a:off x="1828800" y="2675466"/>
+            <a:ext cx="8534400" cy="1507067"/>
+          </a:xfrm>
+        </p:spPr>
+        <p:txBody>
+          <a:bodyPr/>
+          <a:lstStyle/>
+          <a:p>
+            <a:pPr algn="ctr"/>
+            <a:r>
+              <a:rPr lang="zh-CN" altLang="en-US" dirty="0"/>
+              <a:t>活动管理系统进度汇报</a:t>
+            </a:r>
+          </a:p>
+        </p:txBody>
+      </p:sp>
+    </p:spTree>
+    <p:extLst>
+      <p:ext uri="{BB962C8B-B14F-4D97-AF65-F5344CB8AC3E}">
+        <p14:creationId xmlns:p14="http://schemas.microsoft.com/office/powerpoint/2010/main" val="2739671691"/>
+      </p:ext>
+    </p:extLst>
+  </p:cSld>
+  <p:clrMapOvr>
+    <a:masterClrMapping/>
+  </p:clrMapOvr>
+</p:sld>
+</file>
+
+<file path=ppt/slides/slide15.xml><?xml version="1.0" encoding="utf-8"?>
+<p:sld xmlns:a="http://schemas.openxmlformats.org/drawingml/2006/main" xmlns:r="http://schemas.openxmlformats.org/officeDocument/2006/relationships" xmlns:p="http://schemas.openxmlformats.org/presentationml/2006/main">
+  <p:cSld>
+    <p:spTree>
+      <p:nvGrpSpPr>
+        <p:cNvPr id="1" name=""/>
+        <p:cNvGrpSpPr/>
+        <p:nvPr/>
+      </p:nvGrpSpPr>
+      <p:grpSpPr>
+        <a:xfrm>
+          <a:off x="0" y="0"/>
+          <a:ext cx="0" cy="0"/>
+          <a:chOff x="0" y="0"/>
+          <a:chExt cx="0" cy="0"/>
+        </a:xfrm>
+      </p:grpSpPr>
+      <p:sp>
+        <p:nvSpPr>
+          <p:cNvPr id="2" name="标题 1">
+            <a:extLst>
+              <a:ext uri="{FF2B5EF4-FFF2-40B4-BE49-F238E27FC236}">
+                <a16:creationId xmlns:a16="http://schemas.microsoft.com/office/drawing/2014/main" id="{8435E023-9447-4AAB-AA60-B705B383EC5F}"/>
+              </a:ext>
+            </a:extLst>
+          </p:cNvPr>
+          <p:cNvSpPr>
+            <a:spLocks noGrp="1"/>
+          </p:cNvSpPr>
+          <p:nvPr>
+            <p:ph type="title"/>
+          </p:nvPr>
+        </p:nvSpPr>
+        <p:spPr>
+          <a:xfrm>
+            <a:off x="1828800" y="2675466"/>
+            <a:ext cx="8534400" cy="1507067"/>
+          </a:xfrm>
+        </p:spPr>
+        <p:txBody>
+          <a:bodyPr/>
+          <a:lstStyle/>
+          <a:p>
+            <a:pPr algn="ctr"/>
+            <a:r>
+              <a:rPr lang="zh-CN" altLang="en-US" dirty="0"/>
+              <a:t>导航系统进度汇报</a:t>
+            </a:r>
+          </a:p>
+        </p:txBody>
+      </p:sp>
+    </p:spTree>
+    <p:extLst>
+      <p:ext uri="{BB962C8B-B14F-4D97-AF65-F5344CB8AC3E}">
+        <p14:creationId xmlns:p14="http://schemas.microsoft.com/office/powerpoint/2010/main" val="210254709"/>
+      </p:ext>
+    </p:extLst>
+  </p:cSld>
+  <p:clrMapOvr>
+    <a:masterClrMapping/>
+  </p:clrMapOvr>
+</p:sld>
+</file>
+
+<file path=ppt/slides/slide16.xml><?xml version="1.0" encoding="utf-8"?>
+<p:sld xmlns:a="http://schemas.openxmlformats.org/drawingml/2006/main" xmlns:r="http://schemas.openxmlformats.org/officeDocument/2006/relationships" xmlns:p="http://schemas.openxmlformats.org/presentationml/2006/main">
+  <p:cSld>
+    <p:spTree>
+      <p:nvGrpSpPr>
+        <p:cNvPr id="1" name=""/>
+        <p:cNvGrpSpPr/>
+        <p:nvPr/>
+      </p:nvGrpSpPr>
+      <p:grpSpPr>
+        <a:xfrm>
+          <a:off x="0" y="0"/>
+          <a:ext cx="0" cy="0"/>
+          <a:chOff x="0" y="0"/>
+          <a:chExt cx="0" cy="0"/>
+        </a:xfrm>
+      </p:grpSpPr>
+      <p:sp>
+        <p:nvSpPr>
+          <p:cNvPr id="2" name="标题 1">
+            <a:extLst>
+              <a:ext uri="{FF2B5EF4-FFF2-40B4-BE49-F238E27FC236}">
+                <a16:creationId xmlns:a16="http://schemas.microsoft.com/office/drawing/2014/main" id="{88B751DC-AC7B-453E-996C-D7ECEC3A0EFB}"/>
+              </a:ext>
+            </a:extLst>
+          </p:cNvPr>
+          <p:cNvSpPr>
+            <a:spLocks noGrp="1"/>
+          </p:cNvSpPr>
+          <p:nvPr>
+            <p:ph type="title"/>
+          </p:nvPr>
+        </p:nvSpPr>
+        <p:spPr>
+          <a:xfrm>
+            <a:off x="1828800" y="2675466"/>
+            <a:ext cx="8534400" cy="1507067"/>
+          </a:xfrm>
+        </p:spPr>
+        <p:txBody>
+          <a:bodyPr>
+            <a:normAutofit/>
+          </a:bodyPr>
+          <a:lstStyle/>
+          <a:p>
+            <a:pPr algn="ctr"/>
+            <a:r>
+              <a:rPr lang="zh-CN" altLang="en-US" dirty="0"/>
+              <a:t>实机演示</a:t>
+            </a:r>
+          </a:p>
+        </p:txBody>
+      </p:sp>
+    </p:spTree>
+    <p:extLst>
+      <p:ext uri="{BB962C8B-B14F-4D97-AF65-F5344CB8AC3E}">
+        <p14:creationId xmlns:p14="http://schemas.microsoft.com/office/powerpoint/2010/main" val="2862554187"/>
+      </p:ext>
+    </p:extLst>
+  </p:cSld>
+  <p:clrMapOvr>
+    <a:masterClrMapping/>
+  </p:clrMapOvr>
+</p:sld>
+</file>
+
+<file path=ppt/slides/slide17.xml><?xml version="1.0" encoding="utf-8"?>
+<p:sld xmlns:a="http://schemas.openxmlformats.org/drawingml/2006/main" xmlns:r="http://schemas.openxmlformats.org/officeDocument/2006/relationships" xmlns:p="http://schemas.openxmlformats.org/presentationml/2006/main">
+  <p:cSld>
+    <p:spTree>
+      <p:nvGrpSpPr>
+        <p:cNvPr id="1" name=""/>
+        <p:cNvGrpSpPr/>
+        <p:nvPr/>
+      </p:nvGrpSpPr>
+      <p:grpSpPr>
+        <a:xfrm>
+          <a:off x="0" y="0"/>
+          <a:ext cx="0" cy="0"/>
+          <a:chOff x="0" y="0"/>
+          <a:chExt cx="0" cy="0"/>
+        </a:xfrm>
+      </p:grpSpPr>
+      <p:sp>
+        <p:nvSpPr>
+          <p:cNvPr id="2" name="标题 1">
+            <a:extLst>
+              <a:ext uri="{FF2B5EF4-FFF2-40B4-BE49-F238E27FC236}">
+                <a16:creationId xmlns:a16="http://schemas.microsoft.com/office/drawing/2014/main" id="{742AC59A-B0FC-48AB-BEB0-B191F8AB92A2}"/>
+              </a:ext>
+            </a:extLst>
+          </p:cNvPr>
+          <p:cNvSpPr>
+            <a:spLocks noGrp="1"/>
+          </p:cNvSpPr>
+          <p:nvPr>
+            <p:ph type="title"/>
+          </p:nvPr>
+        </p:nvSpPr>
+        <p:spPr>
+          <a:xfrm>
+            <a:off x="1828800" y="2675466"/>
+            <a:ext cx="8534400" cy="1507067"/>
+          </a:xfrm>
+        </p:spPr>
+        <p:txBody>
+          <a:bodyPr/>
+          <a:lstStyle/>
+          <a:p>
+            <a:pPr algn="ctr"/>
+            <a:r>
+              <a:rPr lang="en-US" altLang="zh-CN" dirty="0"/>
+              <a:t>Thanks for listening!</a:t>
+            </a:r>
+            <a:endParaRPr lang="zh-CN" altLang="en-US" dirty="0"/>
+          </a:p>
+        </p:txBody>
+      </p:sp>
+    </p:spTree>
+    <p:extLst>
+      <p:ext uri="{BB962C8B-B14F-4D97-AF65-F5344CB8AC3E}">
+        <p14:creationId xmlns:p14="http://schemas.microsoft.com/office/powerpoint/2010/main" val="808797277"/>
+      </p:ext>
+    </p:extLst>
+  </p:cSld>
+  <p:clrMapOvr>
+    <a:masterClrMapping/>
+  </p:clrMapOvr>
+</p:sld>
+</file>
+
 <file path=ppt/slides/slide2.xml><?xml version="1.0" encoding="utf-8"?>
 <p:sld xmlns:a="http://schemas.openxmlformats.org/drawingml/2006/main" xmlns:r="http://schemas.openxmlformats.org/officeDocument/2006/relationships" xmlns:p="http://schemas.openxmlformats.org/presentationml/2006/main">
   <p:cSld>
@@ -5562,7 +6231,7 @@
           <p:cNvPr id="2" name="标题 1">
             <a:extLst>
               <a:ext uri="{FF2B5EF4-FFF2-40B4-BE49-F238E27FC236}">
-                <a16:creationId xmlns:a16="http://schemas.microsoft.com/office/drawing/2014/main" id="{BCEA3106-0BD1-4187-B4E4-303BADB183DF}"/>
+                <a16:creationId xmlns:a16="http://schemas.microsoft.com/office/drawing/2014/main" id="{4C0879E1-C12E-4134-BF9E-F04A78A72BD0}"/>
               </a:ext>
             </a:extLst>
           </p:cNvPr>
@@ -5575,26 +6244,55 @@
         </p:nvSpPr>
         <p:spPr>
           <a:xfrm>
-            <a:off x="1828800" y="2675466"/>
-            <a:ext cx="8534400" cy="1507067"/>
+            <a:off x="0" y="0"/>
+            <a:ext cx="3133898" cy="1507067"/>
           </a:xfrm>
         </p:spPr>
         <p:txBody>
           <a:bodyPr/>
           <a:lstStyle/>
           <a:p>
-            <a:pPr algn="ctr"/>
             <a:r>
               <a:rPr lang="zh-CN" altLang="en-US" dirty="0"/>
-              <a:t>课程管理系统进度汇报</a:t>
-            </a:r>
-          </a:p>
-        </p:txBody>
-      </p:sp>
+              <a:t>程序设计框图</a:t>
+            </a:r>
+          </a:p>
+        </p:txBody>
+      </p:sp>
+      <p:pic>
+        <p:nvPicPr>
+          <p:cNvPr id="5" name="图片 4">
+            <a:extLst>
+              <a:ext uri="{FF2B5EF4-FFF2-40B4-BE49-F238E27FC236}">
+                <a16:creationId xmlns:a16="http://schemas.microsoft.com/office/drawing/2014/main" id="{CBD7798F-3E56-4B9D-B47C-3CC5DE49209E}"/>
+              </a:ext>
+            </a:extLst>
+          </p:cNvPr>
+          <p:cNvPicPr>
+            <a:picLocks noChangeAspect="1"/>
+          </p:cNvPicPr>
+          <p:nvPr/>
+        </p:nvPicPr>
+        <p:blipFill>
+          <a:blip r:embed="rId2"/>
+          <a:stretch>
+            <a:fillRect/>
+          </a:stretch>
+        </p:blipFill>
+        <p:spPr>
+          <a:xfrm>
+            <a:off x="1259094" y="1507067"/>
+            <a:ext cx="9673811" cy="5026737"/>
+          </a:xfrm>
+          <a:prstGeom prst="rect">
+            <a:avLst/>
+          </a:prstGeom>
+        </p:spPr>
+      </p:pic>
     </p:spTree>
     <p:extLst>
       <p:ext uri="{BB962C8B-B14F-4D97-AF65-F5344CB8AC3E}">
-        <p14:creationId xmlns:p14="http://schemas.microsoft.com/office/powerpoint/2010/main" val="181722683"/>
+        <p14:creationId xmlns:p14="http://schemas.microsoft.com/office/powerpoint/2010/main" val="1729878715"/>
       </p:ext>
     </p:extLst>
   </p:cSld>
@@ -5623,10 +6321,10 @@
       </p:grpSpPr>
       <p:sp>
         <p:nvSpPr>
-          <p:cNvPr id="2" name="标题 1">
+          <p:cNvPr id="3" name="内容占位符 2">
             <a:extLst>
               <a:ext uri="{FF2B5EF4-FFF2-40B4-BE49-F238E27FC236}">
-                <a16:creationId xmlns:a16="http://schemas.microsoft.com/office/drawing/2014/main" id="{AB0482B1-7516-41F7-9695-2D201B410237}"/>
+                <a16:creationId xmlns:a16="http://schemas.microsoft.com/office/drawing/2014/main" id="{639E5167-431B-4F98-AF11-F49B04C12FCD}"/>
               </a:ext>
             </a:extLst>
           </p:cNvPr>
@@ -5634,23 +6332,304 @@
             <a:spLocks noGrp="1"/>
           </p:cNvSpPr>
           <p:nvPr>
-            <p:ph type="title"/>
+            <p:ph idx="1"/>
           </p:nvPr>
         </p:nvSpPr>
         <p:spPr>
           <a:xfrm>
-            <a:off x="1828800" y="2675466"/>
-            <a:ext cx="8534400" cy="1507067"/>
+            <a:off x="777138" y="384463"/>
+            <a:ext cx="10637723" cy="6089073"/>
           </a:xfrm>
         </p:spPr>
         <p:txBody>
-          <a:bodyPr/>
-          <a:lstStyle/>
-          <a:p>
-            <a:pPr algn="ctr"/>
-            <a:r>
-              <a:rPr lang="zh-CN" altLang="en-US" dirty="0"/>
-              <a:t>活动管理系统进度汇报</a:t>
+          <a:bodyPr>
+            <a:normAutofit/>
+          </a:bodyPr>
+          <a:lstStyle/>
+          <a:p>
+            <a:r>
+              <a:rPr lang="zh-CN" altLang="en-US" dirty="0">
+                <a:solidFill>
+                  <a:schemeClr val="tx1"/>
+                </a:solidFill>
+              </a:rPr>
+              <a:t>程序使用语言：</a:t>
+            </a:r>
+            <a:r>
+              <a:rPr lang="en-US" altLang="zh-CN" dirty="0" err="1">
+                <a:solidFill>
+                  <a:schemeClr val="tx1"/>
+                </a:solidFill>
+              </a:rPr>
+              <a:t>c++</a:t>
+            </a:r>
+            <a:endParaRPr lang="en-US" altLang="zh-CN" dirty="0">
+              <a:solidFill>
+                <a:schemeClr val="tx1"/>
+              </a:solidFill>
+            </a:endParaRPr>
+          </a:p>
+          <a:p>
+            <a:r>
+              <a:rPr lang="zh-CN" altLang="en-US" dirty="0">
+                <a:solidFill>
+                  <a:schemeClr val="tx1"/>
+                </a:solidFill>
+              </a:rPr>
+              <a:t>主进程：</a:t>
+            </a:r>
+            <a:r>
+              <a:rPr lang="en-US" altLang="zh-CN" dirty="0">
+                <a:solidFill>
+                  <a:schemeClr val="tx1"/>
+                </a:solidFill>
+              </a:rPr>
+              <a:t>【</a:t>
+            </a:r>
+            <a:r>
+              <a:rPr lang="zh-CN" altLang="en-US" dirty="0">
+                <a:solidFill>
+                  <a:schemeClr val="tx1"/>
+                </a:solidFill>
+              </a:rPr>
+              <a:t>时间轴</a:t>
+            </a:r>
+            <a:r>
+              <a:rPr lang="en-US" altLang="zh-CN" dirty="0">
+                <a:solidFill>
+                  <a:schemeClr val="tx1"/>
+                </a:solidFill>
+              </a:rPr>
+              <a:t>】</a:t>
+            </a:r>
+            <a:r>
+              <a:rPr lang="zh-CN" altLang="en-US" dirty="0">
+                <a:solidFill>
+                  <a:schemeClr val="tx1"/>
+                </a:solidFill>
+              </a:rPr>
+              <a:t>，先确定</a:t>
+            </a:r>
+            <a:r>
+              <a:rPr lang="en-US" altLang="zh-CN" dirty="0">
+                <a:solidFill>
+                  <a:schemeClr val="tx1"/>
+                </a:solidFill>
+              </a:rPr>
+              <a:t>【</a:t>
+            </a:r>
+            <a:r>
+              <a:rPr lang="zh-CN" altLang="en-US" dirty="0">
+                <a:solidFill>
+                  <a:schemeClr val="tx1"/>
+                </a:solidFill>
+              </a:rPr>
+              <a:t>用户状态</a:t>
+            </a:r>
+            <a:r>
+              <a:rPr lang="en-US" altLang="zh-CN" dirty="0">
+                <a:solidFill>
+                  <a:schemeClr val="tx1"/>
+                </a:solidFill>
+              </a:rPr>
+              <a:t>】</a:t>
+            </a:r>
+            <a:r>
+              <a:rPr lang="zh-CN" altLang="en-US" dirty="0">
+                <a:solidFill>
+                  <a:schemeClr val="tx1"/>
+                </a:solidFill>
+              </a:rPr>
+              <a:t>，据</a:t>
+            </a:r>
+            <a:r>
+              <a:rPr lang="en-US" altLang="zh-CN" dirty="0">
+                <a:solidFill>
+                  <a:schemeClr val="tx1"/>
+                </a:solidFill>
+              </a:rPr>
+              <a:t>【</a:t>
+            </a:r>
+            <a:r>
+              <a:rPr lang="zh-CN" altLang="en-US" dirty="0">
+                <a:solidFill>
+                  <a:schemeClr val="tx1"/>
+                </a:solidFill>
+              </a:rPr>
+              <a:t>用户状态</a:t>
+            </a:r>
+            <a:r>
+              <a:rPr lang="en-US" altLang="zh-CN" dirty="0">
+                <a:solidFill>
+                  <a:schemeClr val="tx1"/>
+                </a:solidFill>
+              </a:rPr>
+              <a:t>】</a:t>
+            </a:r>
+            <a:r>
+              <a:rPr lang="zh-CN" altLang="en-US" dirty="0">
+                <a:solidFill>
+                  <a:schemeClr val="tx1"/>
+                </a:solidFill>
+              </a:rPr>
+              <a:t>设置功能入口可见性。 </a:t>
+            </a:r>
+            <a:endParaRPr lang="en-US" altLang="zh-CN" dirty="0">
+              <a:solidFill>
+                <a:schemeClr val="tx1"/>
+              </a:solidFill>
+            </a:endParaRPr>
+          </a:p>
+          <a:p>
+            <a:r>
+              <a:rPr lang="zh-CN" altLang="en-US" dirty="0">
+                <a:solidFill>
+                  <a:schemeClr val="tx1"/>
+                </a:solidFill>
+              </a:rPr>
+              <a:t>课内信息。 </a:t>
+            </a:r>
+            <a:endParaRPr lang="en-US" altLang="zh-CN" dirty="0">
+              <a:solidFill>
+                <a:schemeClr val="tx1"/>
+              </a:solidFill>
+            </a:endParaRPr>
+          </a:p>
+          <a:p>
+            <a:pPr lvl="1"/>
+            <a:r>
+              <a:rPr lang="zh-CN" altLang="en-US" dirty="0">
+                <a:solidFill>
+                  <a:schemeClr val="tx1"/>
+                </a:solidFill>
+              </a:rPr>
+              <a:t>课程相关信息：输入课程名称，或者通过课程表能查询。 可以上传和更新课程资料、上传完成的作业内容。对于课程资料和作业可以进行查询、压缩和去 重。 系统管理员可以发布考试和上课的时间和地点。 </a:t>
+            </a:r>
+            <a:endParaRPr lang="en-US" altLang="zh-CN" dirty="0">
+              <a:solidFill>
+                <a:schemeClr val="tx1"/>
+              </a:solidFill>
+            </a:endParaRPr>
+          </a:p>
+          <a:p>
+            <a:pPr lvl="1"/>
+            <a:r>
+              <a:rPr lang="zh-CN" altLang="en-US" dirty="0">
+                <a:solidFill>
+                  <a:schemeClr val="tx1"/>
+                </a:solidFill>
+              </a:rPr>
+              <a:t>涉及用户态：学生、管理员。</a:t>
+            </a:r>
+            <a:endParaRPr lang="en-US" altLang="zh-CN" dirty="0">
+              <a:solidFill>
+                <a:schemeClr val="tx1"/>
+              </a:solidFill>
+            </a:endParaRPr>
+          </a:p>
+          <a:p>
+            <a:r>
+              <a:rPr lang="zh-CN" altLang="en-US" dirty="0">
+                <a:solidFill>
+                  <a:schemeClr val="tx1"/>
+                </a:solidFill>
+              </a:rPr>
+              <a:t> 课外活动信息。 </a:t>
+            </a:r>
+            <a:endParaRPr lang="en-US" altLang="zh-CN" dirty="0">
+              <a:solidFill>
+                <a:schemeClr val="tx1"/>
+              </a:solidFill>
+            </a:endParaRPr>
+          </a:p>
+          <a:p>
+            <a:pPr lvl="1"/>
+            <a:r>
+              <a:rPr lang="zh-CN" altLang="en-US" dirty="0">
+                <a:solidFill>
+                  <a:schemeClr val="tx1"/>
+                </a:solidFill>
+              </a:rPr>
+              <a:t>课外活动包括个人活动和集体活动。 设定活动闹钟，完成活动提醒。 系统可以检测时间冲突，并给出提示。 </a:t>
+            </a:r>
+            <a:endParaRPr lang="en-US" altLang="zh-CN" dirty="0">
+              <a:solidFill>
+                <a:schemeClr val="tx1"/>
+              </a:solidFill>
+            </a:endParaRPr>
+          </a:p>
+          <a:p>
+            <a:pPr lvl="1"/>
+            <a:r>
+              <a:rPr lang="zh-CN" altLang="en-US" dirty="0">
+                <a:solidFill>
+                  <a:schemeClr val="tx1"/>
+                </a:solidFill>
+              </a:rPr>
+              <a:t>涉及用户态：学生。注意：一个学生可以更改其他学生的信息。 </a:t>
+            </a:r>
+            <a:endParaRPr lang="en-US" altLang="zh-CN" dirty="0">
+              <a:solidFill>
+                <a:schemeClr val="tx1"/>
+              </a:solidFill>
+            </a:endParaRPr>
+          </a:p>
+          <a:p>
+            <a:r>
+              <a:rPr lang="zh-CN" altLang="en-US" dirty="0">
+                <a:solidFill>
+                  <a:schemeClr val="tx1"/>
+                </a:solidFill>
+              </a:rPr>
+              <a:t>导览系统。</a:t>
+            </a:r>
+            <a:endParaRPr lang="en-US" altLang="zh-CN" dirty="0">
+              <a:solidFill>
+                <a:schemeClr val="tx1"/>
+              </a:solidFill>
+            </a:endParaRPr>
+          </a:p>
+          <a:p>
+            <a:pPr lvl="1"/>
+            <a:r>
+              <a:rPr lang="zh-CN" altLang="en-US" dirty="0">
+                <a:solidFill>
+                  <a:schemeClr val="tx1"/>
+                </a:solidFill>
+              </a:rPr>
+              <a:t> 通过逻辑名对应实际地点坐标进行搜索导航。 可以根据用户输入的起点和终点规划并显示最短</a:t>
+            </a:r>
+            <a:r>
+              <a:rPr lang="en-US" altLang="zh-CN" dirty="0">
+                <a:solidFill>
+                  <a:schemeClr val="tx1"/>
+                </a:solidFill>
+              </a:rPr>
+              <a:t>/</a:t>
+            </a:r>
+            <a:r>
+              <a:rPr lang="zh-CN" altLang="en-US" dirty="0">
+                <a:solidFill>
+                  <a:schemeClr val="tx1"/>
+                </a:solidFill>
+              </a:rPr>
+              <a:t>最快路程，实时推进用户行进线路。 用户可以查询一定距离内的建筑物及其导航信息。 允许用户在行程中途更改目标和导航策略，并建立日志文件记录。 </a:t>
+            </a:r>
+            <a:endParaRPr lang="en-US" altLang="zh-CN" dirty="0">
+              <a:solidFill>
+                <a:schemeClr val="tx1"/>
+              </a:solidFill>
+            </a:endParaRPr>
+          </a:p>
+          <a:p>
+            <a:pPr lvl="1"/>
+            <a:r>
+              <a:rPr lang="zh-CN" altLang="en-US" dirty="0">
+                <a:solidFill>
+                  <a:schemeClr val="tx1"/>
+                </a:solidFill>
+              </a:rPr>
+              <a:t>涉及用户态：学生。</a:t>
             </a:r>
           </a:p>
         </p:txBody>
@@ -5658,7 +6637,7 @@
     </p:spTree>
     <p:extLst>
       <p:ext uri="{BB962C8B-B14F-4D97-AF65-F5344CB8AC3E}">
-        <p14:creationId xmlns:p14="http://schemas.microsoft.com/office/powerpoint/2010/main" val="2739671691"/>
+        <p14:creationId xmlns:p14="http://schemas.microsoft.com/office/powerpoint/2010/main" val="1285287436"/>
       </p:ext>
     </p:extLst>
   </p:cSld>
@@ -5690,7 +6669,7 @@
           <p:cNvPr id="2" name="标题 1">
             <a:extLst>
               <a:ext uri="{FF2B5EF4-FFF2-40B4-BE49-F238E27FC236}">
-                <a16:creationId xmlns:a16="http://schemas.microsoft.com/office/drawing/2014/main" id="{8435E023-9447-4AAB-AA60-B705B383EC5F}"/>
+                <a16:creationId xmlns:a16="http://schemas.microsoft.com/office/drawing/2014/main" id="{BCEA3106-0BD1-4187-B4E4-303BADB183DF}"/>
               </a:ext>
             </a:extLst>
           </p:cNvPr>
@@ -5714,7 +6693,7 @@
             <a:pPr algn="ctr"/>
             <a:r>
               <a:rPr lang="zh-CN" altLang="en-US" dirty="0"/>
-              <a:t>导航系统进度汇报</a:t>
+              <a:t>课程管理系统进度汇报</a:t>
             </a:r>
           </a:p>
         </p:txBody>
@@ -5722,7 +6701,7 @@
     </p:spTree>
     <p:extLst>
       <p:ext uri="{BB962C8B-B14F-4D97-AF65-F5344CB8AC3E}">
-        <p14:creationId xmlns:p14="http://schemas.microsoft.com/office/powerpoint/2010/main" val="210254709"/>
+        <p14:creationId xmlns:p14="http://schemas.microsoft.com/office/powerpoint/2010/main" val="181722683"/>
       </p:ext>
     </p:extLst>
   </p:cSld>
@@ -5754,7 +6733,7 @@
           <p:cNvPr id="2" name="标题 1">
             <a:extLst>
               <a:ext uri="{FF2B5EF4-FFF2-40B4-BE49-F238E27FC236}">
-                <a16:creationId xmlns:a16="http://schemas.microsoft.com/office/drawing/2014/main" id="{742AC59A-B0FC-48AB-BEB0-B191F8AB92A2}"/>
+                <a16:creationId xmlns:a16="http://schemas.microsoft.com/office/drawing/2014/main" id="{E46546BB-2CFB-4307-B76D-C05326951B41}"/>
               </a:ext>
             </a:extLst>
           </p:cNvPr>
@@ -5767,27 +6746,413 @@
         </p:nvSpPr>
         <p:spPr>
           <a:xfrm>
-            <a:off x="1828800" y="2675466"/>
-            <a:ext cx="8534400" cy="1507067"/>
+            <a:off x="-1" y="0"/>
+            <a:ext cx="10933043" cy="1507067"/>
           </a:xfrm>
         </p:spPr>
         <p:txBody>
           <a:bodyPr/>
           <a:lstStyle/>
           <a:p>
-            <a:pPr algn="ctr"/>
-            <a:r>
-              <a:rPr lang="en-US" altLang="zh-CN" dirty="0"/>
-              <a:t>Thanks for listening!</a:t>
-            </a:r>
-            <a:endParaRPr lang="zh-CN" altLang="en-US" dirty="0"/>
+            <a:r>
+              <a:rPr lang="zh-CN" altLang="en-US" dirty="0"/>
+              <a:t>目前已完成的内容：文件结构形成，完成初始化</a:t>
+            </a:r>
+          </a:p>
+        </p:txBody>
+      </p:sp>
+      <p:sp>
+        <p:nvSpPr>
+          <p:cNvPr id="4" name="文本框 3">
+            <a:extLst>
+              <a:ext uri="{FF2B5EF4-FFF2-40B4-BE49-F238E27FC236}">
+                <a16:creationId xmlns:a16="http://schemas.microsoft.com/office/drawing/2014/main" id="{194EC6E6-87FC-49C2-933B-CD68FA7BC6F9}"/>
+              </a:ext>
+            </a:extLst>
+          </p:cNvPr>
+          <p:cNvSpPr txBox="1"/>
+          <p:nvPr/>
+        </p:nvSpPr>
+        <p:spPr>
+          <a:xfrm>
+            <a:off x="516835" y="1322401"/>
+            <a:ext cx="8263801" cy="369332"/>
+          </a:xfrm>
+          <a:prstGeom prst="rect">
+            <a:avLst/>
+          </a:prstGeom>
+          <a:noFill/>
+        </p:spPr>
+        <p:txBody>
+          <a:bodyPr wrap="none" rtlCol="0">
+            <a:spAutoFit/>
+          </a:bodyPr>
+          <a:lstStyle/>
+          <a:p>
+            <a:r>
+              <a:rPr lang="zh-CN" altLang="en-US" dirty="0"/>
+              <a:t>内存管理方面：对象的赋值，创建方面采用了深拷贝，避免了内存泄漏的问题。</a:t>
+            </a:r>
+          </a:p>
+        </p:txBody>
+      </p:sp>
+      <p:pic>
+        <p:nvPicPr>
+          <p:cNvPr id="6" name="图片 5">
+            <a:extLst>
+              <a:ext uri="{FF2B5EF4-FFF2-40B4-BE49-F238E27FC236}">
+                <a16:creationId xmlns:a16="http://schemas.microsoft.com/office/drawing/2014/main" id="{CED00960-B5DA-4548-8623-7ADDC4DA584F}"/>
+              </a:ext>
+            </a:extLst>
+          </p:cNvPr>
+          <p:cNvPicPr>
+            <a:picLocks noChangeAspect="1"/>
+          </p:cNvPicPr>
+          <p:nvPr/>
+        </p:nvPicPr>
+        <p:blipFill>
+          <a:blip r:embed="rId2"/>
+          <a:stretch>
+            <a:fillRect/>
+          </a:stretch>
+        </p:blipFill>
+        <p:spPr>
+          <a:xfrm>
+            <a:off x="2245606" y="1691733"/>
+            <a:ext cx="7700787" cy="4852323"/>
+          </a:xfrm>
+          <a:prstGeom prst="rect">
+            <a:avLst/>
+          </a:prstGeom>
+        </p:spPr>
+      </p:pic>
+      <p:sp>
+        <p:nvSpPr>
+          <p:cNvPr id="8" name="文本框 7">
+            <a:extLst>
+              <a:ext uri="{FF2B5EF4-FFF2-40B4-BE49-F238E27FC236}">
+                <a16:creationId xmlns:a16="http://schemas.microsoft.com/office/drawing/2014/main" id="{41ADC0F4-60CE-4296-9E2A-4465C91D38BA}"/>
+              </a:ext>
+            </a:extLst>
+          </p:cNvPr>
+          <p:cNvSpPr txBox="1"/>
+          <p:nvPr/>
+        </p:nvSpPr>
+        <p:spPr>
+          <a:xfrm>
+            <a:off x="1675248" y="2459504"/>
+            <a:ext cx="461665" cy="1938992"/>
+          </a:xfrm>
+          <a:prstGeom prst="rect">
+            <a:avLst/>
+          </a:prstGeom>
+          <a:noFill/>
+        </p:spPr>
+        <p:txBody>
+          <a:bodyPr vert="eaVert" wrap="none" rtlCol="0">
+            <a:spAutoFit/>
+          </a:bodyPr>
+          <a:lstStyle/>
+          <a:p>
+            <a:r>
+              <a:rPr lang="zh-CN" altLang="en-US" dirty="0"/>
+              <a:t>构造函数的深拷贝</a:t>
+            </a:r>
+            <a:endParaRPr lang="en-US" altLang="zh-CN" dirty="0"/>
           </a:p>
         </p:txBody>
       </p:sp>
     </p:spTree>
     <p:extLst>
       <p:ext uri="{BB962C8B-B14F-4D97-AF65-F5344CB8AC3E}">
-        <p14:creationId xmlns:p14="http://schemas.microsoft.com/office/powerpoint/2010/main" val="808797277"/>
+        <p14:creationId xmlns:p14="http://schemas.microsoft.com/office/powerpoint/2010/main" val="846193492"/>
+      </p:ext>
+    </p:extLst>
+  </p:cSld>
+  <p:clrMapOvr>
+    <a:masterClrMapping/>
+  </p:clrMapOvr>
+</p:sld>
+</file>
+
+<file path=ppt/slides/slide7.xml><?xml version="1.0" encoding="utf-8"?>
+<p:sld xmlns:a="http://schemas.openxmlformats.org/drawingml/2006/main" xmlns:r="http://schemas.openxmlformats.org/officeDocument/2006/relationships" xmlns:p="http://schemas.openxmlformats.org/presentationml/2006/main">
+  <p:cSld>
+    <p:spTree>
+      <p:nvGrpSpPr>
+        <p:cNvPr id="1" name=""/>
+        <p:cNvGrpSpPr/>
+        <p:nvPr/>
+      </p:nvGrpSpPr>
+      <p:grpSpPr>
+        <a:xfrm>
+          <a:off x="0" y="0"/>
+          <a:ext cx="0" cy="0"/>
+          <a:chOff x="0" y="0"/>
+          <a:chExt cx="0" cy="0"/>
+        </a:xfrm>
+      </p:grpSpPr>
+      <p:pic>
+        <p:nvPicPr>
+          <p:cNvPr id="5" name="图片 4">
+            <a:extLst>
+              <a:ext uri="{FF2B5EF4-FFF2-40B4-BE49-F238E27FC236}">
+                <a16:creationId xmlns:a16="http://schemas.microsoft.com/office/drawing/2014/main" id="{E93963A3-11DB-43E4-8CD9-B5630DFD9729}"/>
+              </a:ext>
+            </a:extLst>
+          </p:cNvPr>
+          <p:cNvPicPr>
+            <a:picLocks noChangeAspect="1"/>
+          </p:cNvPicPr>
+          <p:nvPr/>
+        </p:nvPicPr>
+        <p:blipFill>
+          <a:blip r:embed="rId2"/>
+          <a:stretch>
+            <a:fillRect/>
+          </a:stretch>
+        </p:blipFill>
+        <p:spPr>
+          <a:xfrm>
+            <a:off x="3447374" y="2987423"/>
+            <a:ext cx="5297252" cy="3696305"/>
+          </a:xfrm>
+          <a:prstGeom prst="rect">
+            <a:avLst/>
+          </a:prstGeom>
+        </p:spPr>
+      </p:pic>
+      <p:sp>
+        <p:nvSpPr>
+          <p:cNvPr id="6" name="文本框 5">
+            <a:extLst>
+              <a:ext uri="{FF2B5EF4-FFF2-40B4-BE49-F238E27FC236}">
+                <a16:creationId xmlns:a16="http://schemas.microsoft.com/office/drawing/2014/main" id="{C9E2A984-6014-488B-8636-67C750C2F69D}"/>
+              </a:ext>
+            </a:extLst>
+          </p:cNvPr>
+          <p:cNvSpPr txBox="1"/>
+          <p:nvPr/>
+        </p:nvSpPr>
+        <p:spPr>
+          <a:xfrm>
+            <a:off x="834887" y="1073426"/>
+            <a:ext cx="7667484" cy="369332"/>
+          </a:xfrm>
+          <a:prstGeom prst="rect">
+            <a:avLst/>
+          </a:prstGeom>
+          <a:noFill/>
+        </p:spPr>
+        <p:txBody>
+          <a:bodyPr wrap="none" rtlCol="0">
+            <a:spAutoFit/>
+          </a:bodyPr>
+          <a:lstStyle/>
+          <a:p>
+            <a:r>
+              <a:rPr lang="en-US" altLang="zh-CN" dirty="0"/>
+              <a:t>Course</a:t>
+            </a:r>
+            <a:r>
+              <a:rPr lang="zh-CN" altLang="en-US" dirty="0"/>
+              <a:t>类的赋值运算符重载，其中的指针类型变量也全部使用了深拷贝。</a:t>
+            </a:r>
+          </a:p>
+        </p:txBody>
+      </p:sp>
+    </p:spTree>
+    <p:extLst>
+      <p:ext uri="{BB962C8B-B14F-4D97-AF65-F5344CB8AC3E}">
+        <p14:creationId xmlns:p14="http://schemas.microsoft.com/office/powerpoint/2010/main" val="3207034142"/>
+      </p:ext>
+    </p:extLst>
+  </p:cSld>
+  <p:clrMapOvr>
+    <a:masterClrMapping/>
+  </p:clrMapOvr>
+</p:sld>
+</file>
+
+<file path=ppt/slides/slide8.xml><?xml version="1.0" encoding="utf-8"?>
+<p:sld xmlns:a="http://schemas.openxmlformats.org/drawingml/2006/main" xmlns:r="http://schemas.openxmlformats.org/officeDocument/2006/relationships" xmlns:p="http://schemas.openxmlformats.org/presentationml/2006/main">
+  <p:cSld>
+    <p:spTree>
+      <p:nvGrpSpPr>
+        <p:cNvPr id="1" name=""/>
+        <p:cNvGrpSpPr/>
+        <p:nvPr/>
+      </p:nvGrpSpPr>
+      <p:grpSpPr>
+        <a:xfrm>
+          <a:off x="0" y="0"/>
+          <a:ext cx="0" cy="0"/>
+          <a:chOff x="0" y="0"/>
+          <a:chExt cx="0" cy="0"/>
+        </a:xfrm>
+      </p:grpSpPr>
+      <p:sp>
+        <p:nvSpPr>
+          <p:cNvPr id="3" name="内容占位符 2">
+            <a:extLst>
+              <a:ext uri="{FF2B5EF4-FFF2-40B4-BE49-F238E27FC236}">
+                <a16:creationId xmlns:a16="http://schemas.microsoft.com/office/drawing/2014/main" id="{88139513-6BBC-4046-AF57-C80E9919DD11}"/>
+              </a:ext>
+            </a:extLst>
+          </p:cNvPr>
+          <p:cNvSpPr>
+            <a:spLocks noGrp="1"/>
+          </p:cNvSpPr>
+          <p:nvPr>
+            <p:ph idx="1"/>
+          </p:nvPr>
+        </p:nvSpPr>
+        <p:spPr>
+          <a:xfrm>
+            <a:off x="684211" y="685801"/>
+            <a:ext cx="10646397" cy="1013790"/>
+          </a:xfrm>
+        </p:spPr>
+        <p:txBody>
+          <a:bodyPr/>
+          <a:lstStyle/>
+          <a:p>
+            <a:r>
+              <a:rPr lang="zh-CN" altLang="en-US" dirty="0"/>
+              <a:t>输入方面：所有的操作数均采用非阻塞式输入，做到输入数字立马反应的效果</a:t>
+            </a:r>
+          </a:p>
+        </p:txBody>
+      </p:sp>
+      <p:pic>
+        <p:nvPicPr>
+          <p:cNvPr id="7" name="图片 6">
+            <a:extLst>
+              <a:ext uri="{FF2B5EF4-FFF2-40B4-BE49-F238E27FC236}">
+                <a16:creationId xmlns:a16="http://schemas.microsoft.com/office/drawing/2014/main" id="{E49BB993-D5F5-4B7B-9846-CF72E1F02B56}"/>
+              </a:ext>
+            </a:extLst>
+          </p:cNvPr>
+          <p:cNvPicPr>
+            <a:picLocks noChangeAspect="1"/>
+          </p:cNvPicPr>
+          <p:nvPr/>
+        </p:nvPicPr>
+        <p:blipFill>
+          <a:blip r:embed="rId2">
+            <a:extLst>
+              <a:ext uri="{28A0092B-C50C-407E-A947-70E740481C1C}">
+                <a14:useLocalDpi xmlns:a14="http://schemas.microsoft.com/office/drawing/2010/main" val="0"/>
+              </a:ext>
+            </a:extLst>
+          </a:blip>
+          <a:stretch>
+            <a:fillRect/>
+          </a:stretch>
+        </p:blipFill>
+        <p:spPr>
+          <a:xfrm>
+            <a:off x="2249763" y="1699591"/>
+            <a:ext cx="7692473" cy="4596910"/>
+          </a:xfrm>
+          <a:prstGeom prst="rect">
+            <a:avLst/>
+          </a:prstGeom>
+        </p:spPr>
+      </p:pic>
+    </p:spTree>
+    <p:extLst>
+      <p:ext uri="{BB962C8B-B14F-4D97-AF65-F5344CB8AC3E}">
+        <p14:creationId xmlns:p14="http://schemas.microsoft.com/office/powerpoint/2010/main" val="4068588306"/>
+      </p:ext>
+    </p:extLst>
+  </p:cSld>
+  <p:clrMapOvr>
+    <a:masterClrMapping/>
+  </p:clrMapOvr>
+</p:sld>
+</file>
+
+<file path=ppt/slides/slide9.xml><?xml version="1.0" encoding="utf-8"?>
+<p:sld xmlns:a="http://schemas.openxmlformats.org/drawingml/2006/main" xmlns:r="http://schemas.openxmlformats.org/officeDocument/2006/relationships" xmlns:p="http://schemas.openxmlformats.org/presentationml/2006/main">
+  <p:cSld>
+    <p:spTree>
+      <p:nvGrpSpPr>
+        <p:cNvPr id="1" name=""/>
+        <p:cNvGrpSpPr/>
+        <p:nvPr/>
+      </p:nvGrpSpPr>
+      <p:grpSpPr>
+        <a:xfrm>
+          <a:off x="0" y="0"/>
+          <a:ext cx="0" cy="0"/>
+          <a:chOff x="0" y="0"/>
+          <a:chExt cx="0" cy="0"/>
+        </a:xfrm>
+      </p:grpSpPr>
+      <p:sp>
+        <p:nvSpPr>
+          <p:cNvPr id="3" name="内容占位符 2">
+            <a:extLst>
+              <a:ext uri="{FF2B5EF4-FFF2-40B4-BE49-F238E27FC236}">
+                <a16:creationId xmlns:a16="http://schemas.microsoft.com/office/drawing/2014/main" id="{85AE4CCC-CE9D-4F0F-92F1-2F001629F892}"/>
+              </a:ext>
+            </a:extLst>
+          </p:cNvPr>
+          <p:cNvSpPr>
+            <a:spLocks noGrp="1"/>
+          </p:cNvSpPr>
+          <p:nvPr>
+            <p:ph idx="1"/>
+          </p:nvPr>
+        </p:nvSpPr>
+        <p:spPr>
+          <a:xfrm>
+            <a:off x="684212" y="685800"/>
+            <a:ext cx="10566884" cy="5476461"/>
+          </a:xfrm>
+        </p:spPr>
+        <p:txBody>
+          <a:bodyPr>
+            <a:normAutofit/>
+          </a:bodyPr>
+          <a:lstStyle/>
+          <a:p>
+            <a:r>
+              <a:rPr lang="zh-CN" altLang="en-US" sz="3200" dirty="0"/>
+              <a:t>底层逻辑：在输入用户名和密码之后，如果与</a:t>
+            </a:r>
+            <a:r>
+              <a:rPr lang="en-US" altLang="zh-CN" sz="3200" dirty="0" err="1"/>
+              <a:t>users.data</a:t>
+            </a:r>
+            <a:r>
+              <a:rPr lang="zh-CN" altLang="en-US" sz="3200" dirty="0"/>
+              <a:t>中的数据匹配则登陆成功，加载用户</a:t>
+            </a:r>
+            <a:r>
+              <a:rPr lang="en-US" altLang="zh-CN" sz="3200" dirty="0"/>
+              <a:t>.data</a:t>
+            </a:r>
+            <a:r>
+              <a:rPr lang="zh-CN" altLang="en-US" sz="3200" dirty="0"/>
+              <a:t>中的所有课程名字，通过课程名字在</a:t>
+            </a:r>
+            <a:r>
+              <a:rPr lang="en-US" altLang="zh-CN" sz="3200" dirty="0" err="1"/>
+              <a:t>courses.data</a:t>
+            </a:r>
+            <a:r>
+              <a:rPr lang="zh-CN" altLang="en-US" sz="3200" dirty="0"/>
+              <a:t>中搜索该课程，搜索成功则录入该课程的所有信息。</a:t>
+            </a:r>
+          </a:p>
+        </p:txBody>
+      </p:sp>
+    </p:spTree>
+    <p:extLst>
+      <p:ext uri="{BB962C8B-B14F-4D97-AF65-F5344CB8AC3E}">
+        <p14:creationId xmlns:p14="http://schemas.microsoft.com/office/powerpoint/2010/main" val="982653761"/>
       </p:ext>
     </p:extLst>
   </p:cSld>

--- a/report/Mid-term check.pptx
+++ b/report/Mid-term check.pptx
@@ -19,9 +19,13 @@
     <p:sldId id="271" r:id="rId13"/>
     <p:sldId id="268" r:id="rId14"/>
     <p:sldId id="260" r:id="rId15"/>
-    <p:sldId id="261" r:id="rId16"/>
-    <p:sldId id="272" r:id="rId17"/>
-    <p:sldId id="258" r:id="rId18"/>
+    <p:sldId id="273" r:id="rId16"/>
+    <p:sldId id="274" r:id="rId17"/>
+    <p:sldId id="275" r:id="rId18"/>
+    <p:sldId id="261" r:id="rId19"/>
+    <p:sldId id="272" r:id="rId20"/>
+    <p:sldId id="276" r:id="rId21"/>
+    <p:sldId id="258" r:id="rId22"/>
   </p:sldIdLst>
   <p:sldSz cx="12192000" cy="6858000"/>
   <p:notesSz cx="6858000" cy="9144000"/>
@@ -151,6 +155,9 @@
         <p14:section name="活动管理系统进度汇报" id="{0D3017F9-FD82-40DC-A4CD-8ED55FF02D5E}">
           <p14:sldIdLst>
             <p14:sldId id="260"/>
+            <p14:sldId id="273"/>
+            <p14:sldId id="274"/>
+            <p14:sldId id="275"/>
           </p14:sldIdLst>
         </p14:section>
         <p14:section name="导航系统进度汇报" id="{E60B3320-F30E-4834-950C-159CE2D953AF}">
@@ -165,6 +172,7 @@
         </p14:section>
         <p14:section name="end" id="{26F525BD-DBC5-431C-A208-70BA11B5DCA0}">
           <p14:sldIdLst>
+            <p14:sldId id="276"/>
             <p14:sldId id="258"/>
           </p14:sldIdLst>
         </p14:section>
@@ -368,7 +376,7 @@
           <a:p>
             <a:fld id="{76FF717D-8E31-4E2C-B968-E8567F519D4A}" type="datetimeFigureOut">
               <a:rPr lang="zh-CN" altLang="en-US" smtClean="0"/>
-              <a:t>2022/4/20</a:t>
+              <a:t>2022/4/27</a:t>
             </a:fld>
             <a:endParaRPr lang="zh-CN" altLang="en-US"/>
           </a:p>
@@ -804,7 +812,7 @@
           <a:p>
             <a:fld id="{76FF717D-8E31-4E2C-B968-E8567F519D4A}" type="datetimeFigureOut">
               <a:rPr lang="zh-CN" altLang="en-US" smtClean="0"/>
-              <a:t>2022/4/20</a:t>
+              <a:t>2022/4/27</a:t>
             </a:fld>
             <a:endParaRPr lang="zh-CN" altLang="en-US"/>
           </a:p>
@@ -1054,7 +1062,7 @@
           <a:p>
             <a:fld id="{76FF717D-8E31-4E2C-B968-E8567F519D4A}" type="datetimeFigureOut">
               <a:rPr lang="zh-CN" altLang="en-US" smtClean="0"/>
-              <a:t>2022/4/20</a:t>
+              <a:t>2022/4/27</a:t>
             </a:fld>
             <a:endParaRPr lang="zh-CN" altLang="en-US"/>
           </a:p>
@@ -1362,7 +1370,7 @@
           <a:p>
             <a:fld id="{76FF717D-8E31-4E2C-B968-E8567F519D4A}" type="datetimeFigureOut">
               <a:rPr lang="zh-CN" altLang="en-US" smtClean="0"/>
-              <a:t>2022/4/20</a:t>
+              <a:t>2022/4/27</a:t>
             </a:fld>
             <a:endParaRPr lang="zh-CN" altLang="en-US"/>
           </a:p>
@@ -1680,7 +1688,7 @@
           <a:p>
             <a:fld id="{76FF717D-8E31-4E2C-B968-E8567F519D4A}" type="datetimeFigureOut">
               <a:rPr lang="zh-CN" altLang="en-US" smtClean="0"/>
-              <a:t>2022/4/20</a:t>
+              <a:t>2022/4/27</a:t>
             </a:fld>
             <a:endParaRPr lang="zh-CN" altLang="en-US"/>
           </a:p>
@@ -1982,7 +1990,7 @@
           <a:p>
             <a:fld id="{76FF717D-8E31-4E2C-B968-E8567F519D4A}" type="datetimeFigureOut">
               <a:rPr lang="zh-CN" altLang="en-US" smtClean="0"/>
-              <a:t>2022/4/20</a:t>
+              <a:t>2022/4/27</a:t>
             </a:fld>
             <a:endParaRPr lang="zh-CN" altLang="en-US"/>
           </a:p>
@@ -2349,7 +2357,7 @@
           <a:p>
             <a:fld id="{76FF717D-8E31-4E2C-B968-E8567F519D4A}" type="datetimeFigureOut">
               <a:rPr lang="zh-CN" altLang="en-US" smtClean="0"/>
-              <a:t>2022/4/20</a:t>
+              <a:t>2022/4/27</a:t>
             </a:fld>
             <a:endParaRPr lang="zh-CN" altLang="en-US"/>
           </a:p>
@@ -2523,7 +2531,7 @@
           <a:p>
             <a:fld id="{76FF717D-8E31-4E2C-B968-E8567F519D4A}" type="datetimeFigureOut">
               <a:rPr lang="zh-CN" altLang="en-US" smtClean="0"/>
-              <a:t>2022/4/20</a:t>
+              <a:t>2022/4/27</a:t>
             </a:fld>
             <a:endParaRPr lang="zh-CN" altLang="en-US"/>
           </a:p>
@@ -2703,7 +2711,7 @@
           <a:p>
             <a:fld id="{76FF717D-8E31-4E2C-B968-E8567F519D4A}" type="datetimeFigureOut">
               <a:rPr lang="zh-CN" altLang="en-US" smtClean="0"/>
-              <a:t>2022/4/20</a:t>
+              <a:t>2022/4/27</a:t>
             </a:fld>
             <a:endParaRPr lang="zh-CN" altLang="en-US"/>
           </a:p>
@@ -2873,7 +2881,7 @@
           <a:p>
             <a:fld id="{76FF717D-8E31-4E2C-B968-E8567F519D4A}" type="datetimeFigureOut">
               <a:rPr lang="zh-CN" altLang="en-US" smtClean="0"/>
-              <a:t>2022/4/20</a:t>
+              <a:t>2022/4/27</a:t>
             </a:fld>
             <a:endParaRPr lang="zh-CN" altLang="en-US"/>
           </a:p>
@@ -3123,7 +3131,7 @@
           <a:p>
             <a:fld id="{76FF717D-8E31-4E2C-B968-E8567F519D4A}" type="datetimeFigureOut">
               <a:rPr lang="zh-CN" altLang="en-US" smtClean="0"/>
-              <a:t>2022/4/20</a:t>
+              <a:t>2022/4/27</a:t>
             </a:fld>
             <a:endParaRPr lang="zh-CN" altLang="en-US"/>
           </a:p>
@@ -3359,7 +3367,7 @@
           <a:p>
             <a:fld id="{76FF717D-8E31-4E2C-B968-E8567F519D4A}" type="datetimeFigureOut">
               <a:rPr lang="zh-CN" altLang="en-US" smtClean="0"/>
-              <a:t>2022/4/20</a:t>
+              <a:t>2022/4/27</a:t>
             </a:fld>
             <a:endParaRPr lang="zh-CN" altLang="en-US"/>
           </a:p>
@@ -3741,7 +3749,7 @@
           <a:p>
             <a:fld id="{76FF717D-8E31-4E2C-B968-E8567F519D4A}" type="datetimeFigureOut">
               <a:rPr lang="zh-CN" altLang="en-US" smtClean="0"/>
-              <a:t>2022/4/20</a:t>
+              <a:t>2022/4/27</a:t>
             </a:fld>
             <a:endParaRPr lang="zh-CN" altLang="en-US"/>
           </a:p>
@@ -3859,7 +3867,7 @@
           <a:p>
             <a:fld id="{76FF717D-8E31-4E2C-B968-E8567F519D4A}" type="datetimeFigureOut">
               <a:rPr lang="zh-CN" altLang="en-US" smtClean="0"/>
-              <a:t>2022/4/20</a:t>
+              <a:t>2022/4/27</a:t>
             </a:fld>
             <a:endParaRPr lang="zh-CN" altLang="en-US"/>
           </a:p>
@@ -3954,7 +3962,7 @@
           <a:p>
             <a:fld id="{76FF717D-8E31-4E2C-B968-E8567F519D4A}" type="datetimeFigureOut">
               <a:rPr lang="zh-CN" altLang="en-US" smtClean="0"/>
-              <a:t>2022/4/20</a:t>
+              <a:t>2022/4/27</a:t>
             </a:fld>
             <a:endParaRPr lang="zh-CN" altLang="en-US"/>
           </a:p>
@@ -4209,7 +4217,7 @@
           <a:p>
             <a:fld id="{76FF717D-8E31-4E2C-B968-E8567F519D4A}" type="datetimeFigureOut">
               <a:rPr lang="zh-CN" altLang="en-US" smtClean="0"/>
-              <a:t>2022/4/20</a:t>
+              <a:t>2022/4/27</a:t>
             </a:fld>
             <a:endParaRPr lang="zh-CN" altLang="en-US"/>
           </a:p>
@@ -4492,7 +4500,7 @@
           <a:p>
             <a:fld id="{76FF717D-8E31-4E2C-B968-E8567F519D4A}" type="datetimeFigureOut">
               <a:rPr lang="zh-CN" altLang="en-US" smtClean="0"/>
-              <a:t>2022/4/20</a:t>
+              <a:t>2022/4/27</a:t>
             </a:fld>
             <a:endParaRPr lang="zh-CN" altLang="en-US"/>
           </a:p>
@@ -4898,7 +4906,7 @@
           <a:p>
             <a:fld id="{76FF717D-8E31-4E2C-B968-E8567F519D4A}" type="datetimeFigureOut">
               <a:rPr lang="zh-CN" altLang="en-US" smtClean="0"/>
-              <a:t>2022/4/20</a:t>
+              <a:t>2022/4/27</a:t>
             </a:fld>
             <a:endParaRPr lang="zh-CN" altLang="en-US"/>
           </a:p>
@@ -5972,7 +5980,7 @@
           <p:cNvPr id="2" name="标题 1">
             <a:extLst>
               <a:ext uri="{FF2B5EF4-FFF2-40B4-BE49-F238E27FC236}">
-                <a16:creationId xmlns:a16="http://schemas.microsoft.com/office/drawing/2014/main" id="{8435E023-9447-4AAB-AA60-B705B383EC5F}"/>
+                <a16:creationId xmlns:a16="http://schemas.microsoft.com/office/drawing/2014/main" id="{C416872A-00CE-4B31-A593-044EE021A1A5}"/>
               </a:ext>
             </a:extLst>
           </p:cNvPr>
@@ -5980,31 +5988,156 @@
             <a:spLocks noGrp="1"/>
           </p:cNvSpPr>
           <p:nvPr>
-            <p:ph type="title"/>
+            <p:ph type="ctrTitle"/>
           </p:nvPr>
         </p:nvSpPr>
         <p:spPr>
           <a:xfrm>
-            <a:off x="1828800" y="2675466"/>
-            <a:ext cx="8534400" cy="1507067"/>
+            <a:off x="684212" y="685799"/>
+            <a:ext cx="8001000" cy="1046019"/>
           </a:xfrm>
         </p:spPr>
         <p:txBody>
           <a:bodyPr/>
           <a:lstStyle/>
           <a:p>
-            <a:pPr algn="ctr"/>
             <a:r>
               <a:rPr lang="zh-CN" altLang="en-US" dirty="0"/>
-              <a:t>导航系统进度汇报</a:t>
-            </a:r>
-          </a:p>
-        </p:txBody>
-      </p:sp>
+              <a:t>进度</a:t>
+            </a:r>
+          </a:p>
+        </p:txBody>
+      </p:sp>
+      <p:sp>
+        <p:nvSpPr>
+          <p:cNvPr id="3" name="副标题 2">
+            <a:extLst>
+              <a:ext uri="{FF2B5EF4-FFF2-40B4-BE49-F238E27FC236}">
+                <a16:creationId xmlns:a16="http://schemas.microsoft.com/office/drawing/2014/main" id="{55BAF856-1CAD-4F65-B553-A200BDF5B8A4}"/>
+              </a:ext>
+            </a:extLst>
+          </p:cNvPr>
+          <p:cNvSpPr>
+            <a:spLocks noGrp="1"/>
+          </p:cNvSpPr>
+          <p:nvPr>
+            <p:ph type="subTitle" idx="1"/>
+          </p:nvPr>
+        </p:nvSpPr>
+        <p:spPr>
+          <a:xfrm>
+            <a:off x="102321" y="1918856"/>
+            <a:ext cx="11147570" cy="4253345"/>
+          </a:xfrm>
+        </p:spPr>
+        <p:txBody>
+          <a:bodyPr/>
+          <a:lstStyle/>
+          <a:p>
+            <a:pPr marL="342900" indent="-342900">
+              <a:buFontTx/>
+              <a:buChar char="-"/>
+            </a:pPr>
+            <a:r>
+              <a:rPr lang="zh-CN" altLang="en-US" dirty="0"/>
+              <a:t>完成了持久化存储</a:t>
+            </a:r>
+            <a:r>
+              <a:rPr lang="en-US" altLang="zh-CN" dirty="0"/>
+              <a:t>【</a:t>
+            </a:r>
+            <a:r>
+              <a:rPr lang="zh-CN" altLang="en-US" dirty="0"/>
+              <a:t>流式文件读取活动列表</a:t>
+            </a:r>
+            <a:r>
+              <a:rPr lang="en-US" altLang="zh-CN" dirty="0"/>
+              <a:t>】</a:t>
+            </a:r>
+          </a:p>
+          <a:p>
+            <a:pPr marL="342900" indent="-342900">
+              <a:buFontTx/>
+              <a:buChar char="-"/>
+            </a:pPr>
+            <a:r>
+              <a:rPr lang="zh-CN" altLang="en-US" dirty="0"/>
+              <a:t>完成了基本的增、查功能</a:t>
+            </a:r>
+            <a:endParaRPr lang="en-US" altLang="zh-CN" dirty="0"/>
+          </a:p>
+          <a:p>
+            <a:pPr marL="342900" indent="-342900">
+              <a:buFontTx/>
+              <a:buChar char="-"/>
+            </a:pPr>
+            <a:r>
+              <a:rPr lang="zh-CN" altLang="en-US" dirty="0"/>
+              <a:t>设计了基本的闹钟类、</a:t>
+            </a:r>
+            <a:r>
+              <a:rPr lang="en-US" altLang="zh-CN" dirty="0"/>
+              <a:t>HashMap</a:t>
+            </a:r>
+            <a:r>
+              <a:rPr lang="zh-CN" altLang="en-US" dirty="0"/>
+              <a:t>结构，正在调试</a:t>
+            </a:r>
+            <a:endParaRPr lang="en-US" altLang="zh-CN" dirty="0"/>
+          </a:p>
+          <a:p>
+            <a:endParaRPr lang="en-US" altLang="zh-CN" dirty="0"/>
+          </a:p>
+          <a:p>
+            <a:endParaRPr lang="en-US" altLang="zh-CN" dirty="0"/>
+          </a:p>
+          <a:p>
+            <a:r>
+              <a:rPr lang="en-US" altLang="zh-CN" dirty="0"/>
+              <a:t>								</a:t>
+            </a:r>
+            <a:r>
+              <a:rPr lang="zh-CN" altLang="en-US" dirty="0"/>
+              <a:t>活动类设计如右图：</a:t>
+            </a:r>
+            <a:endParaRPr lang="en-US" altLang="zh-CN" dirty="0"/>
+          </a:p>
+        </p:txBody>
+      </p:sp>
+      <p:pic>
+        <p:nvPicPr>
+          <p:cNvPr id="5" name="图片 4">
+            <a:extLst>
+              <a:ext uri="{FF2B5EF4-FFF2-40B4-BE49-F238E27FC236}">
+                <a16:creationId xmlns:a16="http://schemas.microsoft.com/office/drawing/2014/main" id="{D3C3705C-D042-4170-8CF3-C53804FBE047}"/>
+              </a:ext>
+            </a:extLst>
+          </p:cNvPr>
+          <p:cNvPicPr>
+            <a:picLocks noChangeAspect="1"/>
+          </p:cNvPicPr>
+          <p:nvPr/>
+        </p:nvPicPr>
+        <p:blipFill>
+          <a:blip r:embed="rId2"/>
+          <a:stretch>
+            <a:fillRect/>
+          </a:stretch>
+        </p:blipFill>
+        <p:spPr>
+          <a:xfrm>
+            <a:off x="6996025" y="1731818"/>
+            <a:ext cx="4433054" cy="4024746"/>
+          </a:xfrm>
+          <a:prstGeom prst="rect">
+            <a:avLst/>
+          </a:prstGeom>
+        </p:spPr>
+      </p:pic>
     </p:spTree>
     <p:extLst>
       <p:ext uri="{BB962C8B-B14F-4D97-AF65-F5344CB8AC3E}">
-        <p14:creationId xmlns:p14="http://schemas.microsoft.com/office/powerpoint/2010/main" val="210254709"/>
+        <p14:creationId xmlns:p14="http://schemas.microsoft.com/office/powerpoint/2010/main" val="1641114051"/>
       </p:ext>
     </p:extLst>
   </p:cSld>
@@ -6036,7 +6169,7 @@
           <p:cNvPr id="2" name="标题 1">
             <a:extLst>
               <a:ext uri="{FF2B5EF4-FFF2-40B4-BE49-F238E27FC236}">
-                <a16:creationId xmlns:a16="http://schemas.microsoft.com/office/drawing/2014/main" id="{88B751DC-AC7B-453E-996C-D7ECEC3A0EFB}"/>
+                <a16:creationId xmlns:a16="http://schemas.microsoft.com/office/drawing/2014/main" id="{F24ABE9B-21D5-4DD5-A3F8-44EDB7B89E7D}"/>
               </a:ext>
             </a:extLst>
           </p:cNvPr>
@@ -6049,28 +6182,72 @@
         </p:nvSpPr>
         <p:spPr>
           <a:xfrm>
-            <a:off x="1828800" y="2675466"/>
+            <a:off x="781194" y="3150368"/>
             <a:ext cx="8534400" cy="1507067"/>
           </a:xfrm>
         </p:spPr>
         <p:txBody>
           <a:bodyPr>
-            <a:normAutofit/>
+            <a:normAutofit fontScale="90000"/>
           </a:bodyPr>
           <a:lstStyle/>
           <a:p>
-            <a:pPr algn="ctr"/>
             <a:r>
               <a:rPr lang="zh-CN" altLang="en-US" dirty="0"/>
-              <a:t>实机演示</a:t>
-            </a:r>
-          </a:p>
-        </p:txBody>
-      </p:sp>
+              <a:t>活动文件读取</a:t>
+            </a:r>
+            <a:br>
+              <a:rPr lang="en-US" altLang="zh-CN" dirty="0"/>
+            </a:br>
+            <a:br>
+              <a:rPr lang="en-US" altLang="zh-CN" dirty="0"/>
+            </a:br>
+            <a:r>
+              <a:rPr lang="zh-CN" altLang="en-US" dirty="0"/>
+              <a:t>功能演示</a:t>
+            </a:r>
+          </a:p>
+        </p:txBody>
+      </p:sp>
+      <p:pic>
+        <p:nvPicPr>
+          <p:cNvPr id="5" name="内容占位符 4">
+            <a:extLst>
+              <a:ext uri="{FF2B5EF4-FFF2-40B4-BE49-F238E27FC236}">
+                <a16:creationId xmlns:a16="http://schemas.microsoft.com/office/drawing/2014/main" id="{70E4F388-C6C6-4BCC-A873-E7CB32C54453}"/>
+              </a:ext>
+            </a:extLst>
+          </p:cNvPr>
+          <p:cNvPicPr>
+            <a:picLocks noGrp="1" noChangeAspect="1"/>
+          </p:cNvPicPr>
+          <p:nvPr>
+            <p:ph idx="1"/>
+          </p:nvPr>
+        </p:nvPicPr>
+        <p:blipFill>
+          <a:blip r:embed="rId2">
+            <a:extLst>
+              <a:ext uri="{28A0092B-C50C-407E-A947-70E740481C1C}">
+                <a14:useLocalDpi xmlns:a14="http://schemas.microsoft.com/office/drawing/2010/main" val="0"/>
+              </a:ext>
+            </a:extLst>
+          </a:blip>
+          <a:stretch>
+            <a:fillRect/>
+          </a:stretch>
+        </p:blipFill>
+        <p:spPr>
+          <a:xfrm>
+            <a:off x="4213788" y="397287"/>
+            <a:ext cx="7680339" cy="6063426"/>
+          </a:xfrm>
+        </p:spPr>
+      </p:pic>
     </p:spTree>
     <p:extLst>
       <p:ext uri="{BB962C8B-B14F-4D97-AF65-F5344CB8AC3E}">
-        <p14:creationId xmlns:p14="http://schemas.microsoft.com/office/powerpoint/2010/main" val="2862554187"/>
+        <p14:creationId xmlns:p14="http://schemas.microsoft.com/office/powerpoint/2010/main" val="2196803834"/>
       </p:ext>
     </p:extLst>
   </p:cSld>
@@ -6102,7 +6279,117 @@
           <p:cNvPr id="2" name="标题 1">
             <a:extLst>
               <a:ext uri="{FF2B5EF4-FFF2-40B4-BE49-F238E27FC236}">
-                <a16:creationId xmlns:a16="http://schemas.microsoft.com/office/drawing/2014/main" id="{742AC59A-B0FC-48AB-BEB0-B191F8AB92A2}"/>
+                <a16:creationId xmlns:a16="http://schemas.microsoft.com/office/drawing/2014/main" id="{F24ABE9B-21D5-4DD5-A3F8-44EDB7B89E7D}"/>
+              </a:ext>
+            </a:extLst>
+          </p:cNvPr>
+          <p:cNvSpPr>
+            <a:spLocks noGrp="1"/>
+          </p:cNvSpPr>
+          <p:nvPr>
+            <p:ph type="title"/>
+          </p:nvPr>
+        </p:nvSpPr>
+        <p:spPr>
+          <a:xfrm>
+            <a:off x="781194" y="3150368"/>
+            <a:ext cx="8534400" cy="1507067"/>
+          </a:xfrm>
+        </p:spPr>
+        <p:txBody>
+          <a:bodyPr>
+            <a:normAutofit fontScale="90000"/>
+          </a:bodyPr>
+          <a:lstStyle/>
+          <a:p>
+            <a:r>
+              <a:rPr lang="zh-CN" altLang="en-US" dirty="0"/>
+              <a:t>活动添加</a:t>
+            </a:r>
+            <a:br>
+              <a:rPr lang="en-US" altLang="zh-CN" dirty="0"/>
+            </a:br>
+            <a:br>
+              <a:rPr lang="en-US" altLang="zh-CN" dirty="0"/>
+            </a:br>
+            <a:r>
+              <a:rPr lang="zh-CN" altLang="en-US" dirty="0"/>
+              <a:t>功能演示</a:t>
+            </a:r>
+          </a:p>
+        </p:txBody>
+      </p:sp>
+      <p:pic>
+        <p:nvPicPr>
+          <p:cNvPr id="7" name="内容占位符 6">
+            <a:extLst>
+              <a:ext uri="{FF2B5EF4-FFF2-40B4-BE49-F238E27FC236}">
+                <a16:creationId xmlns:a16="http://schemas.microsoft.com/office/drawing/2014/main" id="{BEA40B67-A52D-4160-B334-90AAF57C0B13}"/>
+              </a:ext>
+            </a:extLst>
+          </p:cNvPr>
+          <p:cNvPicPr>
+            <a:picLocks noGrp="1" noChangeAspect="1"/>
+          </p:cNvPicPr>
+          <p:nvPr>
+            <p:ph idx="1"/>
+          </p:nvPr>
+        </p:nvPicPr>
+        <p:blipFill>
+          <a:blip r:embed="rId2">
+            <a:extLst>
+              <a:ext uri="{28A0092B-C50C-407E-A947-70E740481C1C}">
+                <a14:useLocalDpi xmlns:a14="http://schemas.microsoft.com/office/drawing/2010/main" val="0"/>
+              </a:ext>
+            </a:extLst>
+          </a:blip>
+          <a:stretch>
+            <a:fillRect/>
+          </a:stretch>
+        </p:blipFill>
+        <p:spPr>
+          <a:xfrm>
+            <a:off x="4485540" y="695342"/>
+            <a:ext cx="6925266" cy="5467315"/>
+          </a:xfrm>
+        </p:spPr>
+      </p:pic>
+    </p:spTree>
+    <p:extLst>
+      <p:ext uri="{BB962C8B-B14F-4D97-AF65-F5344CB8AC3E}">
+        <p14:creationId xmlns:p14="http://schemas.microsoft.com/office/powerpoint/2010/main" val="420532448"/>
+      </p:ext>
+    </p:extLst>
+  </p:cSld>
+  <p:clrMapOvr>
+    <a:masterClrMapping/>
+  </p:clrMapOvr>
+</p:sld>
+</file>
+
+<file path=ppt/slides/slide18.xml><?xml version="1.0" encoding="utf-8"?>
+<p:sld xmlns:a="http://schemas.openxmlformats.org/drawingml/2006/main" xmlns:r="http://schemas.openxmlformats.org/officeDocument/2006/relationships" xmlns:p="http://schemas.openxmlformats.org/presentationml/2006/main">
+  <p:cSld>
+    <p:spTree>
+      <p:nvGrpSpPr>
+        <p:cNvPr id="1" name=""/>
+        <p:cNvGrpSpPr/>
+        <p:nvPr/>
+      </p:nvGrpSpPr>
+      <p:grpSpPr>
+        <a:xfrm>
+          <a:off x="0" y="0"/>
+          <a:ext cx="0" cy="0"/>
+          <a:chOff x="0" y="0"/>
+          <a:chExt cx="0" cy="0"/>
+        </a:xfrm>
+      </p:grpSpPr>
+      <p:sp>
+        <p:nvSpPr>
+          <p:cNvPr id="2" name="标题 1">
+            <a:extLst>
+              <a:ext uri="{FF2B5EF4-FFF2-40B4-BE49-F238E27FC236}">
+                <a16:creationId xmlns:a16="http://schemas.microsoft.com/office/drawing/2014/main" id="{8435E023-9447-4AAB-AA60-B705B383EC5F}"/>
               </a:ext>
             </a:extLst>
           </p:cNvPr>
@@ -6125,17 +6412,82 @@
           <a:p>
             <a:pPr algn="ctr"/>
             <a:r>
-              <a:rPr lang="en-US" altLang="zh-CN" dirty="0"/>
-              <a:t>Thanks for listening!</a:t>
-            </a:r>
-            <a:endParaRPr lang="zh-CN" altLang="en-US" dirty="0"/>
+              <a:rPr lang="zh-CN" altLang="en-US" dirty="0"/>
+              <a:t>导航系统进度汇报</a:t>
+            </a:r>
           </a:p>
         </p:txBody>
       </p:sp>
     </p:spTree>
     <p:extLst>
       <p:ext uri="{BB962C8B-B14F-4D97-AF65-F5344CB8AC3E}">
-        <p14:creationId xmlns:p14="http://schemas.microsoft.com/office/powerpoint/2010/main" val="808797277"/>
+        <p14:creationId xmlns:p14="http://schemas.microsoft.com/office/powerpoint/2010/main" val="210254709"/>
+      </p:ext>
+    </p:extLst>
+  </p:cSld>
+  <p:clrMapOvr>
+    <a:masterClrMapping/>
+  </p:clrMapOvr>
+</p:sld>
+</file>
+
+<file path=ppt/slides/slide19.xml><?xml version="1.0" encoding="utf-8"?>
+<p:sld xmlns:a="http://schemas.openxmlformats.org/drawingml/2006/main" xmlns:r="http://schemas.openxmlformats.org/officeDocument/2006/relationships" xmlns:p="http://schemas.openxmlformats.org/presentationml/2006/main">
+  <p:cSld>
+    <p:spTree>
+      <p:nvGrpSpPr>
+        <p:cNvPr id="1" name=""/>
+        <p:cNvGrpSpPr/>
+        <p:nvPr/>
+      </p:nvGrpSpPr>
+      <p:grpSpPr>
+        <a:xfrm>
+          <a:off x="0" y="0"/>
+          <a:ext cx="0" cy="0"/>
+          <a:chOff x="0" y="0"/>
+          <a:chExt cx="0" cy="0"/>
+        </a:xfrm>
+      </p:grpSpPr>
+      <p:sp>
+        <p:nvSpPr>
+          <p:cNvPr id="2" name="标题 1">
+            <a:extLst>
+              <a:ext uri="{FF2B5EF4-FFF2-40B4-BE49-F238E27FC236}">
+                <a16:creationId xmlns:a16="http://schemas.microsoft.com/office/drawing/2014/main" id="{88B751DC-AC7B-453E-996C-D7ECEC3A0EFB}"/>
+              </a:ext>
+            </a:extLst>
+          </p:cNvPr>
+          <p:cNvSpPr>
+            <a:spLocks noGrp="1"/>
+          </p:cNvSpPr>
+          <p:nvPr>
+            <p:ph type="title"/>
+          </p:nvPr>
+        </p:nvSpPr>
+        <p:spPr>
+          <a:xfrm>
+            <a:off x="1828800" y="2675466"/>
+            <a:ext cx="8534400" cy="1507067"/>
+          </a:xfrm>
+        </p:spPr>
+        <p:txBody>
+          <a:bodyPr>
+            <a:normAutofit/>
+          </a:bodyPr>
+          <a:lstStyle/>
+          <a:p>
+            <a:pPr algn="ctr"/>
+            <a:r>
+              <a:rPr lang="zh-CN" altLang="en-US" dirty="0"/>
+              <a:t>实机演示</a:t>
+            </a:r>
+          </a:p>
+        </p:txBody>
+      </p:sp>
+    </p:spTree>
+    <p:extLst>
+      <p:ext uri="{BB962C8B-B14F-4D97-AF65-F5344CB8AC3E}">
+        <p14:creationId xmlns:p14="http://schemas.microsoft.com/office/powerpoint/2010/main" val="2862554187"/>
       </p:ext>
     </p:extLst>
   </p:cSld>
@@ -6206,6 +6558,413 @@
   <p:clrMapOvr>
     <a:masterClrMapping/>
   </p:clrMapOvr>
+</p:sld>
+</file>
+
+<file path=ppt/slides/slide20.xml><?xml version="1.0" encoding="utf-8"?>
+<p:sld xmlns:a="http://schemas.openxmlformats.org/drawingml/2006/main" xmlns:r="http://schemas.openxmlformats.org/officeDocument/2006/relationships" xmlns:p="http://schemas.openxmlformats.org/presentationml/2006/main">
+  <p:cSld>
+    <p:spTree>
+      <p:nvGrpSpPr>
+        <p:cNvPr id="1" name=""/>
+        <p:cNvGrpSpPr/>
+        <p:nvPr/>
+      </p:nvGrpSpPr>
+      <p:grpSpPr>
+        <a:xfrm>
+          <a:off x="0" y="0"/>
+          <a:ext cx="0" cy="0"/>
+          <a:chOff x="0" y="0"/>
+          <a:chExt cx="0" cy="0"/>
+        </a:xfrm>
+      </p:grpSpPr>
+      <p:sp>
+        <p:nvSpPr>
+          <p:cNvPr id="2" name="标题 1">
+            <a:extLst>
+              <a:ext uri="{FF2B5EF4-FFF2-40B4-BE49-F238E27FC236}">
+                <a16:creationId xmlns:a16="http://schemas.microsoft.com/office/drawing/2014/main" id="{30D13977-8907-4519-8774-7A8865EFF23F}"/>
+              </a:ext>
+            </a:extLst>
+          </p:cNvPr>
+          <p:cNvSpPr>
+            <a:spLocks noGrp="1"/>
+          </p:cNvSpPr>
+          <p:nvPr>
+            <p:ph type="title"/>
+          </p:nvPr>
+        </p:nvSpPr>
+        <p:spPr>
+          <a:xfrm>
+            <a:off x="684212" y="3539836"/>
+            <a:ext cx="8534400" cy="2454563"/>
+          </a:xfrm>
+        </p:spPr>
+        <p:txBody>
+          <a:bodyPr/>
+          <a:lstStyle/>
+          <a:p>
+            <a:r>
+              <a:rPr lang="zh-CN" altLang="en-US" dirty="0"/>
+              <a:t>我们的</a:t>
+            </a:r>
+            <a:r>
+              <a:rPr lang="en-US" altLang="zh-CN" dirty="0"/>
+              <a:t>Git-commits</a:t>
+            </a:r>
+            <a:br>
+              <a:rPr lang="en-US" altLang="zh-CN" dirty="0"/>
+            </a:br>
+            <a:r>
+              <a:rPr lang="en-US" altLang="zh-CN" dirty="0"/>
+              <a:t>…</a:t>
+            </a:r>
+            <a:endParaRPr lang="zh-CN" altLang="en-US" dirty="0"/>
+          </a:p>
+        </p:txBody>
+      </p:sp>
+      <p:pic>
+        <p:nvPicPr>
+          <p:cNvPr id="4" name="图片 3">
+            <a:extLst>
+              <a:ext uri="{FF2B5EF4-FFF2-40B4-BE49-F238E27FC236}">
+                <a16:creationId xmlns:a16="http://schemas.microsoft.com/office/drawing/2014/main" id="{2E1DB595-0085-4CEE-96B7-8003472448F3}"/>
+              </a:ext>
+            </a:extLst>
+          </p:cNvPr>
+          <p:cNvPicPr>
+            <a:picLocks noChangeAspect="1"/>
+          </p:cNvPicPr>
+          <p:nvPr/>
+        </p:nvPicPr>
+        <p:blipFill>
+          <a:blip r:embed="rId2"/>
+          <a:stretch>
+            <a:fillRect/>
+          </a:stretch>
+        </p:blipFill>
+        <p:spPr>
+          <a:xfrm>
+            <a:off x="5636617" y="0"/>
+            <a:ext cx="6280473" cy="6852002"/>
+          </a:xfrm>
+          <a:prstGeom prst="rect">
+            <a:avLst/>
+          </a:prstGeom>
+        </p:spPr>
+      </p:pic>
+    </p:spTree>
+    <p:extLst>
+      <p:ext uri="{BB962C8B-B14F-4D97-AF65-F5344CB8AC3E}">
+        <p14:creationId xmlns:p14="http://schemas.microsoft.com/office/powerpoint/2010/main" val="4222347124"/>
+      </p:ext>
+    </p:extLst>
+  </p:cSld>
+  <p:clrMapOvr>
+    <a:masterClrMapping/>
+  </p:clrMapOvr>
+  <p:timing>
+    <p:tnLst>
+      <p:par>
+        <p:cTn id="1" dur="indefinite" restart="never" nodeType="tmRoot">
+          <p:childTnLst>
+            <p:seq concurrent="1" nextAc="seek">
+              <p:cTn id="2" dur="indefinite" nodeType="mainSeq">
+                <p:childTnLst>
+                  <p:par>
+                    <p:cTn id="3" fill="hold">
+                      <p:stCondLst>
+                        <p:cond delay="indefinite"/>
+                      </p:stCondLst>
+                      <p:childTnLst>
+                        <p:par>
+                          <p:cTn id="4" fill="hold">
+                            <p:stCondLst>
+                              <p:cond delay="0"/>
+                            </p:stCondLst>
+                            <p:childTnLst>
+                              <p:par>
+                                <p:cTn id="5" presetID="2" presetClass="entr" presetSubtype="4" fill="hold" nodeType="clickEffect">
+                                  <p:stCondLst>
+                                    <p:cond delay="0"/>
+                                  </p:stCondLst>
+                                  <p:childTnLst>
+                                    <p:set>
+                                      <p:cBhvr>
+                                        <p:cTn id="6" dur="1" fill="hold">
+                                          <p:stCondLst>
+                                            <p:cond delay="0"/>
+                                          </p:stCondLst>
+                                        </p:cTn>
+                                        <p:tgtEl>
+                                          <p:spTgt spid="4"/>
+                                        </p:tgtEl>
+                                        <p:attrNameLst>
+                                          <p:attrName>style.visibility</p:attrName>
+                                        </p:attrNameLst>
+                                      </p:cBhvr>
+                                      <p:to>
+                                        <p:strVal val="visible"/>
+                                      </p:to>
+                                    </p:set>
+                                    <p:anim calcmode="lin" valueType="num">
+                                      <p:cBhvr additive="base">
+                                        <p:cTn id="7" dur="500" fill="hold"/>
+                                        <p:tgtEl>
+                                          <p:spTgt spid="4"/>
+                                        </p:tgtEl>
+                                        <p:attrNameLst>
+                                          <p:attrName>ppt_x</p:attrName>
+                                        </p:attrNameLst>
+                                      </p:cBhvr>
+                                      <p:tavLst>
+                                        <p:tav tm="0">
+                                          <p:val>
+                                            <p:strVal val="#ppt_x"/>
+                                          </p:val>
+                                        </p:tav>
+                                        <p:tav tm="100000">
+                                          <p:val>
+                                            <p:strVal val="#ppt_x"/>
+                                          </p:val>
+                                        </p:tav>
+                                      </p:tavLst>
+                                    </p:anim>
+                                    <p:anim calcmode="lin" valueType="num">
+                                      <p:cBhvr additive="base">
+                                        <p:cTn id="8" dur="500" fill="hold"/>
+                                        <p:tgtEl>
+                                          <p:spTgt spid="4"/>
+                                        </p:tgtEl>
+                                        <p:attrNameLst>
+                                          <p:attrName>ppt_y</p:attrName>
+                                        </p:attrNameLst>
+                                      </p:cBhvr>
+                                      <p:tavLst>
+                                        <p:tav tm="0">
+                                          <p:val>
+                                            <p:strVal val="1+#ppt_h/2"/>
+                                          </p:val>
+                                        </p:tav>
+                                        <p:tav tm="100000">
+                                          <p:val>
+                                            <p:strVal val="#ppt_y"/>
+                                          </p:val>
+                                        </p:tav>
+                                      </p:tavLst>
+                                    </p:anim>
+                                  </p:childTnLst>
+                                </p:cTn>
+                              </p:par>
+                            </p:childTnLst>
+                          </p:cTn>
+                        </p:par>
+                      </p:childTnLst>
+                    </p:cTn>
+                  </p:par>
+                </p:childTnLst>
+              </p:cTn>
+              <p:prevCondLst>
+                <p:cond evt="onPrev" delay="0">
+                  <p:tgtEl>
+                    <p:sldTgt/>
+                  </p:tgtEl>
+                </p:cond>
+              </p:prevCondLst>
+              <p:nextCondLst>
+                <p:cond evt="onNext" delay="0">
+                  <p:tgtEl>
+                    <p:sldTgt/>
+                  </p:tgtEl>
+                </p:cond>
+              </p:nextCondLst>
+            </p:seq>
+          </p:childTnLst>
+        </p:cTn>
+      </p:par>
+    </p:tnLst>
+  </p:timing>
+</p:sld>
+</file>
+
+<file path=ppt/slides/slide21.xml><?xml version="1.0" encoding="utf-8"?>
+<p:sld xmlns:a="http://schemas.openxmlformats.org/drawingml/2006/main" xmlns:r="http://schemas.openxmlformats.org/officeDocument/2006/relationships" xmlns:p="http://schemas.openxmlformats.org/presentationml/2006/main">
+  <p:cSld>
+    <p:spTree>
+      <p:nvGrpSpPr>
+        <p:cNvPr id="1" name=""/>
+        <p:cNvGrpSpPr/>
+        <p:nvPr/>
+      </p:nvGrpSpPr>
+      <p:grpSpPr>
+        <a:xfrm>
+          <a:off x="0" y="0"/>
+          <a:ext cx="0" cy="0"/>
+          <a:chOff x="0" y="0"/>
+          <a:chExt cx="0" cy="0"/>
+        </a:xfrm>
+      </p:grpSpPr>
+      <p:sp>
+        <p:nvSpPr>
+          <p:cNvPr id="2" name="标题 1">
+            <a:extLst>
+              <a:ext uri="{FF2B5EF4-FFF2-40B4-BE49-F238E27FC236}">
+                <a16:creationId xmlns:a16="http://schemas.microsoft.com/office/drawing/2014/main" id="{742AC59A-B0FC-48AB-BEB0-B191F8AB92A2}"/>
+              </a:ext>
+            </a:extLst>
+          </p:cNvPr>
+          <p:cNvSpPr>
+            <a:spLocks noGrp="1"/>
+          </p:cNvSpPr>
+          <p:nvPr>
+            <p:ph type="title"/>
+          </p:nvPr>
+        </p:nvSpPr>
+        <p:spPr>
+          <a:xfrm>
+            <a:off x="1828800" y="2675466"/>
+            <a:ext cx="8534400" cy="1507067"/>
+          </a:xfrm>
+        </p:spPr>
+        <p:txBody>
+          <a:bodyPr/>
+          <a:lstStyle/>
+          <a:p>
+            <a:pPr algn="ctr"/>
+            <a:r>
+              <a:rPr lang="en-US" altLang="zh-CN" dirty="0"/>
+              <a:t>Thanks for listening!</a:t>
+            </a:r>
+            <a:endParaRPr lang="zh-CN" altLang="en-US" dirty="0"/>
+          </a:p>
+        </p:txBody>
+      </p:sp>
+    </p:spTree>
+    <p:extLst>
+      <p:ext uri="{BB962C8B-B14F-4D97-AF65-F5344CB8AC3E}">
+        <p14:creationId xmlns:p14="http://schemas.microsoft.com/office/powerpoint/2010/main" val="808797277"/>
+      </p:ext>
+    </p:extLst>
+  </p:cSld>
+  <p:clrMapOvr>
+    <a:masterClrMapping/>
+  </p:clrMapOvr>
+  <p:timing>
+    <p:tnLst>
+      <p:par>
+        <p:cTn id="1" dur="indefinite" restart="never" nodeType="tmRoot">
+          <p:childTnLst>
+            <p:seq concurrent="1" nextAc="seek">
+              <p:cTn id="2" dur="indefinite" nodeType="mainSeq">
+                <p:childTnLst>
+                  <p:par>
+                    <p:cTn id="3" fill="hold">
+                      <p:stCondLst>
+                        <p:cond delay="indefinite"/>
+                      </p:stCondLst>
+                      <p:childTnLst>
+                        <p:par>
+                          <p:cTn id="4" fill="hold">
+                            <p:stCondLst>
+                              <p:cond delay="0"/>
+                            </p:stCondLst>
+                            <p:childTnLst>
+                              <p:par>
+                                <p:cTn id="5" presetID="27" presetClass="emph" presetSubtype="0" fill="remove" grpId="0" nodeType="clickEffect">
+                                  <p:stCondLst>
+                                    <p:cond delay="0"/>
+                                  </p:stCondLst>
+                                  <p:childTnLst>
+                                    <p:animClr clrSpc="rgb" dir="cw">
+                                      <p:cBhvr override="childStyle">
+                                        <p:cTn id="6" dur="250" autoRev="1" fill="remove"/>
+                                        <p:tgtEl>
+                                          <p:spTgt spid="2"/>
+                                        </p:tgtEl>
+                                        <p:attrNameLst>
+                                          <p:attrName>style.color</p:attrName>
+                                        </p:attrNameLst>
+                                      </p:cBhvr>
+                                      <p:to>
+                                        <a:schemeClr val="bg1"/>
+                                      </p:to>
+                                    </p:animClr>
+                                    <p:animClr clrSpc="rgb" dir="cw">
+                                      <p:cBhvr>
+                                        <p:cTn id="7" dur="250" autoRev="1" fill="remove"/>
+                                        <p:tgtEl>
+                                          <p:spTgt spid="2"/>
+                                        </p:tgtEl>
+                                        <p:attrNameLst>
+                                          <p:attrName>fillcolor</p:attrName>
+                                        </p:attrNameLst>
+                                      </p:cBhvr>
+                                      <p:to>
+                                        <a:schemeClr val="bg1"/>
+                                      </p:to>
+                                    </p:animClr>
+                                    <p:set>
+                                      <p:cBhvr>
+                                        <p:cTn id="8" dur="250" autoRev="1" fill="remove"/>
+                                        <p:tgtEl>
+                                          <p:spTgt spid="2"/>
+                                        </p:tgtEl>
+                                        <p:attrNameLst>
+                                          <p:attrName>fill.type</p:attrName>
+                                        </p:attrNameLst>
+                                      </p:cBhvr>
+                                      <p:to>
+                                        <p:strVal val="solid"/>
+                                      </p:to>
+                                    </p:set>
+                                    <p:set>
+                                      <p:cBhvr>
+                                        <p:cTn id="9" dur="250" autoRev="1" fill="remove"/>
+                                        <p:tgtEl>
+                                          <p:spTgt spid="2"/>
+                                        </p:tgtEl>
+                                        <p:attrNameLst>
+                                          <p:attrName>fill.on</p:attrName>
+                                        </p:attrNameLst>
+                                      </p:cBhvr>
+                                      <p:to>
+                                        <p:strVal val="true"/>
+                                      </p:to>
+                                    </p:set>
+                                  </p:childTnLst>
+                                </p:cTn>
+                              </p:par>
+                            </p:childTnLst>
+                          </p:cTn>
+                        </p:par>
+                      </p:childTnLst>
+                    </p:cTn>
+                  </p:par>
+                </p:childTnLst>
+              </p:cTn>
+              <p:prevCondLst>
+                <p:cond evt="onPrev" delay="0">
+                  <p:tgtEl>
+                    <p:sldTgt/>
+                  </p:tgtEl>
+                </p:cond>
+              </p:prevCondLst>
+              <p:nextCondLst>
+                <p:cond evt="onNext" delay="0">
+                  <p:tgtEl>
+                    <p:sldTgt/>
+                  </p:tgtEl>
+                </p:cond>
+              </p:nextCondLst>
+            </p:seq>
+          </p:childTnLst>
+        </p:cTn>
+      </p:par>
+    </p:tnLst>
+    <p:bldLst>
+      <p:bldP spid="2" grpId="0"/>
+    </p:bldLst>
+  </p:timing>
 </p:sld>
 </file>
 

--- a/report/Mid-term check.pptx
+++ b/report/Mid-term check.pptx
@@ -17,15 +17,20 @@
     <p:sldId id="269" r:id="rId11"/>
     <p:sldId id="270" r:id="rId12"/>
     <p:sldId id="271" r:id="rId13"/>
-    <p:sldId id="268" r:id="rId14"/>
-    <p:sldId id="260" r:id="rId15"/>
-    <p:sldId id="273" r:id="rId16"/>
-    <p:sldId id="274" r:id="rId17"/>
-    <p:sldId id="275" r:id="rId18"/>
-    <p:sldId id="261" r:id="rId19"/>
-    <p:sldId id="272" r:id="rId20"/>
-    <p:sldId id="276" r:id="rId21"/>
-    <p:sldId id="258" r:id="rId22"/>
+    <p:sldId id="282" r:id="rId14"/>
+    <p:sldId id="268" r:id="rId15"/>
+    <p:sldId id="260" r:id="rId16"/>
+    <p:sldId id="273" r:id="rId17"/>
+    <p:sldId id="274" r:id="rId18"/>
+    <p:sldId id="275" r:id="rId19"/>
+    <p:sldId id="261" r:id="rId20"/>
+    <p:sldId id="277" r:id="rId21"/>
+    <p:sldId id="278" r:id="rId22"/>
+    <p:sldId id="279" r:id="rId23"/>
+    <p:sldId id="280" r:id="rId24"/>
+    <p:sldId id="281" r:id="rId25"/>
+    <p:sldId id="276" r:id="rId26"/>
+    <p:sldId id="258" r:id="rId27"/>
   </p:sldIdLst>
   <p:sldSz cx="12192000" cy="6858000"/>
   <p:notesSz cx="6858000" cy="9144000"/>
@@ -149,6 +154,7 @@
             <p14:sldId id="269"/>
             <p14:sldId id="270"/>
             <p14:sldId id="271"/>
+            <p14:sldId id="282"/>
             <p14:sldId id="268"/>
           </p14:sldIdLst>
         </p14:section>
@@ -163,11 +169,11 @@
         <p14:section name="导航系统进度汇报" id="{E60B3320-F30E-4834-950C-159CE2D953AF}">
           <p14:sldIdLst>
             <p14:sldId id="261"/>
-          </p14:sldIdLst>
-        </p14:section>
-        <p14:section name="实机演示" id="{F6DD2D8D-B924-487B-BE00-934E9356610B}">
-          <p14:sldIdLst>
-            <p14:sldId id="272"/>
+            <p14:sldId id="277"/>
+            <p14:sldId id="278"/>
+            <p14:sldId id="279"/>
+            <p14:sldId id="280"/>
+            <p14:sldId id="281"/>
           </p14:sldIdLst>
         </p14:section>
         <p14:section name="end" id="{26F525BD-DBC5-431C-A208-70BA11B5DCA0}">
@@ -376,7 +382,7 @@
           <a:p>
             <a:fld id="{76FF717D-8E31-4E2C-B968-E8567F519D4A}" type="datetimeFigureOut">
               <a:rPr lang="zh-CN" altLang="en-US" smtClean="0"/>
-              <a:t>2022/4/27</a:t>
+              <a:t>2022/4/28</a:t>
             </a:fld>
             <a:endParaRPr lang="zh-CN" altLang="en-US"/>
           </a:p>
@@ -812,7 +818,7 @@
           <a:p>
             <a:fld id="{76FF717D-8E31-4E2C-B968-E8567F519D4A}" type="datetimeFigureOut">
               <a:rPr lang="zh-CN" altLang="en-US" smtClean="0"/>
-              <a:t>2022/4/27</a:t>
+              <a:t>2022/4/28</a:t>
             </a:fld>
             <a:endParaRPr lang="zh-CN" altLang="en-US"/>
           </a:p>
@@ -1062,7 +1068,7 @@
           <a:p>
             <a:fld id="{76FF717D-8E31-4E2C-B968-E8567F519D4A}" type="datetimeFigureOut">
               <a:rPr lang="zh-CN" altLang="en-US" smtClean="0"/>
-              <a:t>2022/4/27</a:t>
+              <a:t>2022/4/28</a:t>
             </a:fld>
             <a:endParaRPr lang="zh-CN" altLang="en-US"/>
           </a:p>
@@ -1370,7 +1376,7 @@
           <a:p>
             <a:fld id="{76FF717D-8E31-4E2C-B968-E8567F519D4A}" type="datetimeFigureOut">
               <a:rPr lang="zh-CN" altLang="en-US" smtClean="0"/>
-              <a:t>2022/4/27</a:t>
+              <a:t>2022/4/28</a:t>
             </a:fld>
             <a:endParaRPr lang="zh-CN" altLang="en-US"/>
           </a:p>
@@ -1688,7 +1694,7 @@
           <a:p>
             <a:fld id="{76FF717D-8E31-4E2C-B968-E8567F519D4A}" type="datetimeFigureOut">
               <a:rPr lang="zh-CN" altLang="en-US" smtClean="0"/>
-              <a:t>2022/4/27</a:t>
+              <a:t>2022/4/28</a:t>
             </a:fld>
             <a:endParaRPr lang="zh-CN" altLang="en-US"/>
           </a:p>
@@ -1990,7 +1996,7 @@
           <a:p>
             <a:fld id="{76FF717D-8E31-4E2C-B968-E8567F519D4A}" type="datetimeFigureOut">
               <a:rPr lang="zh-CN" altLang="en-US" smtClean="0"/>
-              <a:t>2022/4/27</a:t>
+              <a:t>2022/4/28</a:t>
             </a:fld>
             <a:endParaRPr lang="zh-CN" altLang="en-US"/>
           </a:p>
@@ -2357,7 +2363,7 @@
           <a:p>
             <a:fld id="{76FF717D-8E31-4E2C-B968-E8567F519D4A}" type="datetimeFigureOut">
               <a:rPr lang="zh-CN" altLang="en-US" smtClean="0"/>
-              <a:t>2022/4/27</a:t>
+              <a:t>2022/4/28</a:t>
             </a:fld>
             <a:endParaRPr lang="zh-CN" altLang="en-US"/>
           </a:p>
@@ -2531,7 +2537,7 @@
           <a:p>
             <a:fld id="{76FF717D-8E31-4E2C-B968-E8567F519D4A}" type="datetimeFigureOut">
               <a:rPr lang="zh-CN" altLang="en-US" smtClean="0"/>
-              <a:t>2022/4/27</a:t>
+              <a:t>2022/4/28</a:t>
             </a:fld>
             <a:endParaRPr lang="zh-CN" altLang="en-US"/>
           </a:p>
@@ -2711,7 +2717,7 @@
           <a:p>
             <a:fld id="{76FF717D-8E31-4E2C-B968-E8567F519D4A}" type="datetimeFigureOut">
               <a:rPr lang="zh-CN" altLang="en-US" smtClean="0"/>
-              <a:t>2022/4/27</a:t>
+              <a:t>2022/4/28</a:t>
             </a:fld>
             <a:endParaRPr lang="zh-CN" altLang="en-US"/>
           </a:p>
@@ -2881,7 +2887,7 @@
           <a:p>
             <a:fld id="{76FF717D-8E31-4E2C-B968-E8567F519D4A}" type="datetimeFigureOut">
               <a:rPr lang="zh-CN" altLang="en-US" smtClean="0"/>
-              <a:t>2022/4/27</a:t>
+              <a:t>2022/4/28</a:t>
             </a:fld>
             <a:endParaRPr lang="zh-CN" altLang="en-US"/>
           </a:p>
@@ -3131,7 +3137,7 @@
           <a:p>
             <a:fld id="{76FF717D-8E31-4E2C-B968-E8567F519D4A}" type="datetimeFigureOut">
               <a:rPr lang="zh-CN" altLang="en-US" smtClean="0"/>
-              <a:t>2022/4/27</a:t>
+              <a:t>2022/4/28</a:t>
             </a:fld>
             <a:endParaRPr lang="zh-CN" altLang="en-US"/>
           </a:p>
@@ -3367,7 +3373,7 @@
           <a:p>
             <a:fld id="{76FF717D-8E31-4E2C-B968-E8567F519D4A}" type="datetimeFigureOut">
               <a:rPr lang="zh-CN" altLang="en-US" smtClean="0"/>
-              <a:t>2022/4/27</a:t>
+              <a:t>2022/4/28</a:t>
             </a:fld>
             <a:endParaRPr lang="zh-CN" altLang="en-US"/>
           </a:p>
@@ -3749,7 +3755,7 @@
           <a:p>
             <a:fld id="{76FF717D-8E31-4E2C-B968-E8567F519D4A}" type="datetimeFigureOut">
               <a:rPr lang="zh-CN" altLang="en-US" smtClean="0"/>
-              <a:t>2022/4/27</a:t>
+              <a:t>2022/4/28</a:t>
             </a:fld>
             <a:endParaRPr lang="zh-CN" altLang="en-US"/>
           </a:p>
@@ -3867,7 +3873,7 @@
           <a:p>
             <a:fld id="{76FF717D-8E31-4E2C-B968-E8567F519D4A}" type="datetimeFigureOut">
               <a:rPr lang="zh-CN" altLang="en-US" smtClean="0"/>
-              <a:t>2022/4/27</a:t>
+              <a:t>2022/4/28</a:t>
             </a:fld>
             <a:endParaRPr lang="zh-CN" altLang="en-US"/>
           </a:p>
@@ -3962,7 +3968,7 @@
           <a:p>
             <a:fld id="{76FF717D-8E31-4E2C-B968-E8567F519D4A}" type="datetimeFigureOut">
               <a:rPr lang="zh-CN" altLang="en-US" smtClean="0"/>
-              <a:t>2022/4/27</a:t>
+              <a:t>2022/4/28</a:t>
             </a:fld>
             <a:endParaRPr lang="zh-CN" altLang="en-US"/>
           </a:p>
@@ -4217,7 +4223,7 @@
           <a:p>
             <a:fld id="{76FF717D-8E31-4E2C-B968-E8567F519D4A}" type="datetimeFigureOut">
               <a:rPr lang="zh-CN" altLang="en-US" smtClean="0"/>
-              <a:t>2022/4/27</a:t>
+              <a:t>2022/4/28</a:t>
             </a:fld>
             <a:endParaRPr lang="zh-CN" altLang="en-US"/>
           </a:p>
@@ -4500,7 +4506,7 @@
           <a:p>
             <a:fld id="{76FF717D-8E31-4E2C-B968-E8567F519D4A}" type="datetimeFigureOut">
               <a:rPr lang="zh-CN" altLang="en-US" smtClean="0"/>
-              <a:t>2022/4/27</a:t>
+              <a:t>2022/4/28</a:t>
             </a:fld>
             <a:endParaRPr lang="zh-CN" altLang="en-US"/>
           </a:p>
@@ -4906,7 +4912,7 @@
           <a:p>
             <a:fld id="{76FF717D-8E31-4E2C-B968-E8567F519D4A}" type="datetimeFigureOut">
               <a:rPr lang="zh-CN" altLang="en-US" smtClean="0"/>
-              <a:t>2022/4/27</a:t>
+              <a:t>2022/4/28</a:t>
             </a:fld>
             <a:endParaRPr lang="zh-CN" altLang="en-US"/>
           </a:p>
@@ -5815,7 +5821,7 @@
           <p:cNvPr id="2" name="标题 1">
             <a:extLst>
               <a:ext uri="{FF2B5EF4-FFF2-40B4-BE49-F238E27FC236}">
-                <a16:creationId xmlns:a16="http://schemas.microsoft.com/office/drawing/2014/main" id="{26568A6B-6191-4B71-9491-9938875FCCED}"/>
+                <a16:creationId xmlns:a16="http://schemas.microsoft.com/office/drawing/2014/main" id="{0E2091A3-B0E5-4C13-B508-AD0BFA3D83E2}"/>
               </a:ext>
             </a:extLst>
           </p:cNvPr>
@@ -5826,14 +5832,23 @@
             <p:ph type="title"/>
           </p:nvPr>
         </p:nvSpPr>
-        <p:spPr/>
+        <p:spPr>
+          <a:xfrm>
+            <a:off x="684212" y="5227982"/>
+            <a:ext cx="8534400" cy="1507067"/>
+          </a:xfrm>
+        </p:spPr>
         <p:txBody>
           <a:bodyPr/>
           <a:lstStyle/>
           <a:p>
             <a:r>
+              <a:rPr lang="en-US" altLang="zh-CN" dirty="0"/>
+              <a:t>3.</a:t>
+            </a:r>
+            <a:r>
               <a:rPr lang="zh-CN" altLang="en-US" dirty="0"/>
-              <a:t>接下来的工作</a:t>
+              <a:t>导出课程表功能</a:t>
             </a:r>
           </a:p>
         </p:txBody>
@@ -5843,7 +5858,7 @@
           <p:cNvPr id="3" name="内容占位符 2">
             <a:extLst>
               <a:ext uri="{FF2B5EF4-FFF2-40B4-BE49-F238E27FC236}">
-                <a16:creationId xmlns:a16="http://schemas.microsoft.com/office/drawing/2014/main" id="{79D6071D-5EC6-47F1-9024-382514D0937B}"/>
+                <a16:creationId xmlns:a16="http://schemas.microsoft.com/office/drawing/2014/main" id="{9A6474BC-0499-436F-A3F8-7E1421365DDA}"/>
               </a:ext>
             </a:extLst>
           </p:cNvPr>
@@ -5857,34 +5872,68 @@
         <p:spPr>
           <a:xfrm>
             <a:off x="684212" y="685800"/>
-            <a:ext cx="11024084" cy="4174435"/>
-          </a:xfrm>
-        </p:spPr>
-        <p:txBody>
-          <a:bodyPr>
-            <a:normAutofit/>
-          </a:bodyPr>
-          <a:lstStyle/>
-          <a:p>
-            <a:r>
-              <a:rPr lang="zh-CN" altLang="en-US" sz="3600" dirty="0"/>
-              <a:t>完善现有功能，开发出文件压缩功能以及冲突检测功能，并与活动管理系统联动；将输出功能完善，做得更美观，并增加输出课程表的功能；尝试使用</a:t>
-            </a:r>
-            <a:r>
-              <a:rPr lang="en-US" altLang="zh-CN" sz="3600" dirty="0"/>
-              <a:t>qt</a:t>
-            </a:r>
-            <a:r>
-              <a:rPr lang="zh-CN" altLang="en-US" sz="3600" dirty="0"/>
-              <a:t>进行可视化。</a:t>
-            </a:r>
-          </a:p>
-        </p:txBody>
-      </p:sp>
+            <a:ext cx="8534400" cy="944217"/>
+          </a:xfrm>
+        </p:spPr>
+        <p:txBody>
+          <a:bodyPr/>
+          <a:lstStyle/>
+          <a:p>
+            <a:r>
+              <a:rPr lang="zh-CN" altLang="en-US" dirty="0"/>
+              <a:t>利用</a:t>
+            </a:r>
+            <a:r>
+              <a:rPr lang="en-US" altLang="zh-CN" dirty="0"/>
+              <a:t>.csv</a:t>
+            </a:r>
+            <a:r>
+              <a:rPr lang="zh-CN" altLang="en-US" dirty="0"/>
+              <a:t>文件简易的格式将课程数据导出为课程表并将其展示出来</a:t>
+            </a:r>
+          </a:p>
+        </p:txBody>
+      </p:sp>
+      <p:pic>
+        <p:nvPicPr>
+          <p:cNvPr id="5" name="图片 4">
+            <a:extLst>
+              <a:ext uri="{FF2B5EF4-FFF2-40B4-BE49-F238E27FC236}">
+                <a16:creationId xmlns:a16="http://schemas.microsoft.com/office/drawing/2014/main" id="{003C48D1-3366-47EF-8E25-8CF4221BA4AC}"/>
+              </a:ext>
+            </a:extLst>
+          </p:cNvPr>
+          <p:cNvPicPr>
+            <a:picLocks noChangeAspect="1"/>
+          </p:cNvPicPr>
+          <p:nvPr/>
+        </p:nvPicPr>
+        <p:blipFill>
+          <a:blip r:embed="rId2">
+            <a:extLst>
+              <a:ext uri="{28A0092B-C50C-407E-A947-70E740481C1C}">
+                <a14:useLocalDpi xmlns:a14="http://schemas.microsoft.com/office/drawing/2010/main" val="0"/>
+              </a:ext>
+            </a:extLst>
+          </a:blip>
+          <a:stretch>
+            <a:fillRect/>
+          </a:stretch>
+        </p:blipFill>
+        <p:spPr>
+          <a:xfrm>
+            <a:off x="3098424" y="1692427"/>
+            <a:ext cx="5995152" cy="3473145"/>
+          </a:xfrm>
+          <a:prstGeom prst="rect">
+            <a:avLst/>
+          </a:prstGeom>
+        </p:spPr>
+      </p:pic>
     </p:spTree>
     <p:extLst>
       <p:ext uri="{BB962C8B-B14F-4D97-AF65-F5344CB8AC3E}">
-        <p14:creationId xmlns:p14="http://schemas.microsoft.com/office/powerpoint/2010/main" val="2678168168"/>
+        <p14:creationId xmlns:p14="http://schemas.microsoft.com/office/powerpoint/2010/main" val="2136780617"/>
       </p:ext>
     </p:extLst>
   </p:cSld>
@@ -5916,7 +5965,7 @@
           <p:cNvPr id="2" name="标题 1">
             <a:extLst>
               <a:ext uri="{FF2B5EF4-FFF2-40B4-BE49-F238E27FC236}">
-                <a16:creationId xmlns:a16="http://schemas.microsoft.com/office/drawing/2014/main" id="{AB0482B1-7516-41F7-9695-2D201B410237}"/>
+                <a16:creationId xmlns:a16="http://schemas.microsoft.com/office/drawing/2014/main" id="{26568A6B-6191-4B71-9491-9938875FCCED}"/>
               </a:ext>
             </a:extLst>
           </p:cNvPr>
@@ -5927,20 +5976,57 @@
             <p:ph type="title"/>
           </p:nvPr>
         </p:nvSpPr>
+        <p:spPr/>
+        <p:txBody>
+          <a:bodyPr/>
+          <a:lstStyle/>
+          <a:p>
+            <a:r>
+              <a:rPr lang="zh-CN" altLang="en-US" dirty="0"/>
+              <a:t>接下来的工作</a:t>
+            </a:r>
+          </a:p>
+        </p:txBody>
+      </p:sp>
+      <p:sp>
+        <p:nvSpPr>
+          <p:cNvPr id="3" name="内容占位符 2">
+            <a:extLst>
+              <a:ext uri="{FF2B5EF4-FFF2-40B4-BE49-F238E27FC236}">
+                <a16:creationId xmlns:a16="http://schemas.microsoft.com/office/drawing/2014/main" id="{79D6071D-5EC6-47F1-9024-382514D0937B}"/>
+              </a:ext>
+            </a:extLst>
+          </p:cNvPr>
+          <p:cNvSpPr>
+            <a:spLocks noGrp="1"/>
+          </p:cNvSpPr>
+          <p:nvPr>
+            <p:ph idx="1"/>
+          </p:nvPr>
+        </p:nvSpPr>
         <p:spPr>
           <a:xfrm>
-            <a:off x="1828800" y="2675466"/>
-            <a:ext cx="8534400" cy="1507067"/>
-          </a:xfrm>
-        </p:spPr>
-        <p:txBody>
-          <a:bodyPr/>
-          <a:lstStyle/>
-          <a:p>
-            <a:pPr algn="ctr"/>
-            <a:r>
-              <a:rPr lang="zh-CN" altLang="en-US" dirty="0"/>
-              <a:t>活动管理系统进度汇报</a:t>
+            <a:off x="684212" y="685800"/>
+            <a:ext cx="11024084" cy="4174435"/>
+          </a:xfrm>
+        </p:spPr>
+        <p:txBody>
+          <a:bodyPr>
+            <a:normAutofit/>
+          </a:bodyPr>
+          <a:lstStyle/>
+          <a:p>
+            <a:r>
+              <a:rPr lang="zh-CN" altLang="en-US" sz="3600" dirty="0"/>
+              <a:t>完善现有功能，开发出文件压缩功能以及冲突检测功能，并与活动管理系统联动；将输出功能完善，做得更美观，并增加输出课程表的功能；尝试使用</a:t>
+            </a:r>
+            <a:r>
+              <a:rPr lang="en-US" altLang="zh-CN" sz="3600" dirty="0"/>
+              <a:t>qt</a:t>
+            </a:r>
+            <a:r>
+              <a:rPr lang="zh-CN" altLang="en-US" sz="3600" dirty="0"/>
+              <a:t>进行可视化。</a:t>
             </a:r>
           </a:p>
         </p:txBody>
@@ -5948,7 +6034,7 @@
     </p:spTree>
     <p:extLst>
       <p:ext uri="{BB962C8B-B14F-4D97-AF65-F5344CB8AC3E}">
-        <p14:creationId xmlns:p14="http://schemas.microsoft.com/office/powerpoint/2010/main" val="2739671691"/>
+        <p14:creationId xmlns:p14="http://schemas.microsoft.com/office/powerpoint/2010/main" val="2678168168"/>
       </p:ext>
     </p:extLst>
   </p:cSld>
@@ -5980,7 +6066,7 @@
           <p:cNvPr id="2" name="标题 1">
             <a:extLst>
               <a:ext uri="{FF2B5EF4-FFF2-40B4-BE49-F238E27FC236}">
-                <a16:creationId xmlns:a16="http://schemas.microsoft.com/office/drawing/2014/main" id="{C416872A-00CE-4B31-A593-044EE021A1A5}"/>
+                <a16:creationId xmlns:a16="http://schemas.microsoft.com/office/drawing/2014/main" id="{AB0482B1-7516-41F7-9695-2D201B410237}"/>
               </a:ext>
             </a:extLst>
           </p:cNvPr>
@@ -5988,156 +6074,31 @@
             <a:spLocks noGrp="1"/>
           </p:cNvSpPr>
           <p:nvPr>
-            <p:ph type="ctrTitle"/>
+            <p:ph type="title"/>
           </p:nvPr>
         </p:nvSpPr>
         <p:spPr>
           <a:xfrm>
-            <a:off x="684212" y="685799"/>
-            <a:ext cx="8001000" cy="1046019"/>
+            <a:off x="1828800" y="2675466"/>
+            <a:ext cx="8534400" cy="1507067"/>
           </a:xfrm>
         </p:spPr>
         <p:txBody>
           <a:bodyPr/>
           <a:lstStyle/>
           <a:p>
+            <a:pPr algn="ctr"/>
             <a:r>
               <a:rPr lang="zh-CN" altLang="en-US" dirty="0"/>
-              <a:t>进度</a:t>
-            </a:r>
-          </a:p>
-        </p:txBody>
-      </p:sp>
-      <p:sp>
-        <p:nvSpPr>
-          <p:cNvPr id="3" name="副标题 2">
-            <a:extLst>
-              <a:ext uri="{FF2B5EF4-FFF2-40B4-BE49-F238E27FC236}">
-                <a16:creationId xmlns:a16="http://schemas.microsoft.com/office/drawing/2014/main" id="{55BAF856-1CAD-4F65-B553-A200BDF5B8A4}"/>
-              </a:ext>
-            </a:extLst>
-          </p:cNvPr>
-          <p:cNvSpPr>
-            <a:spLocks noGrp="1"/>
-          </p:cNvSpPr>
-          <p:nvPr>
-            <p:ph type="subTitle" idx="1"/>
-          </p:nvPr>
-        </p:nvSpPr>
-        <p:spPr>
-          <a:xfrm>
-            <a:off x="102321" y="1918856"/>
-            <a:ext cx="11147570" cy="4253345"/>
-          </a:xfrm>
-        </p:spPr>
-        <p:txBody>
-          <a:bodyPr/>
-          <a:lstStyle/>
-          <a:p>
-            <a:pPr marL="342900" indent="-342900">
-              <a:buFontTx/>
-              <a:buChar char="-"/>
-            </a:pPr>
-            <a:r>
-              <a:rPr lang="zh-CN" altLang="en-US" dirty="0"/>
-              <a:t>完成了持久化存储</a:t>
-            </a:r>
-            <a:r>
-              <a:rPr lang="en-US" altLang="zh-CN" dirty="0"/>
-              <a:t>【</a:t>
-            </a:r>
-            <a:r>
-              <a:rPr lang="zh-CN" altLang="en-US" dirty="0"/>
-              <a:t>流式文件读取活动列表</a:t>
-            </a:r>
-            <a:r>
-              <a:rPr lang="en-US" altLang="zh-CN" dirty="0"/>
-              <a:t>】</a:t>
-            </a:r>
-          </a:p>
-          <a:p>
-            <a:pPr marL="342900" indent="-342900">
-              <a:buFontTx/>
-              <a:buChar char="-"/>
-            </a:pPr>
-            <a:r>
-              <a:rPr lang="zh-CN" altLang="en-US" dirty="0"/>
-              <a:t>完成了基本的增、查功能</a:t>
-            </a:r>
-            <a:endParaRPr lang="en-US" altLang="zh-CN" dirty="0"/>
-          </a:p>
-          <a:p>
-            <a:pPr marL="342900" indent="-342900">
-              <a:buFontTx/>
-              <a:buChar char="-"/>
-            </a:pPr>
-            <a:r>
-              <a:rPr lang="zh-CN" altLang="en-US" dirty="0"/>
-              <a:t>设计了基本的闹钟类、</a:t>
-            </a:r>
-            <a:r>
-              <a:rPr lang="en-US" altLang="zh-CN" dirty="0"/>
-              <a:t>HashMap</a:t>
-            </a:r>
-            <a:r>
-              <a:rPr lang="zh-CN" altLang="en-US" dirty="0"/>
-              <a:t>结构，正在调试</a:t>
-            </a:r>
-            <a:endParaRPr lang="en-US" altLang="zh-CN" dirty="0"/>
-          </a:p>
-          <a:p>
-            <a:endParaRPr lang="en-US" altLang="zh-CN" dirty="0"/>
-          </a:p>
-          <a:p>
-            <a:endParaRPr lang="en-US" altLang="zh-CN" dirty="0"/>
-          </a:p>
-          <a:p>
-            <a:r>
-              <a:rPr lang="en-US" altLang="zh-CN" dirty="0"/>
-              <a:t>								</a:t>
-            </a:r>
-            <a:r>
-              <a:rPr lang="zh-CN" altLang="en-US" dirty="0"/>
-              <a:t>活动类设计如右图：</a:t>
-            </a:r>
-            <a:endParaRPr lang="en-US" altLang="zh-CN" dirty="0"/>
-          </a:p>
-        </p:txBody>
-      </p:sp>
-      <p:pic>
-        <p:nvPicPr>
-          <p:cNvPr id="5" name="图片 4">
-            <a:extLst>
-              <a:ext uri="{FF2B5EF4-FFF2-40B4-BE49-F238E27FC236}">
-                <a16:creationId xmlns:a16="http://schemas.microsoft.com/office/drawing/2014/main" id="{D3C3705C-D042-4170-8CF3-C53804FBE047}"/>
-              </a:ext>
-            </a:extLst>
-          </p:cNvPr>
-          <p:cNvPicPr>
-            <a:picLocks noChangeAspect="1"/>
-          </p:cNvPicPr>
-          <p:nvPr/>
-        </p:nvPicPr>
-        <p:blipFill>
-          <a:blip r:embed="rId2"/>
-          <a:stretch>
-            <a:fillRect/>
-          </a:stretch>
-        </p:blipFill>
-        <p:spPr>
-          <a:xfrm>
-            <a:off x="6996025" y="1731818"/>
-            <a:ext cx="4433054" cy="4024746"/>
-          </a:xfrm>
-          <a:prstGeom prst="rect">
-            <a:avLst/>
-          </a:prstGeom>
-        </p:spPr>
-      </p:pic>
+              <a:t>活动管理系统进度汇报</a:t>
+            </a:r>
+          </a:p>
+        </p:txBody>
+      </p:sp>
     </p:spTree>
     <p:extLst>
       <p:ext uri="{BB962C8B-B14F-4D97-AF65-F5344CB8AC3E}">
-        <p14:creationId xmlns:p14="http://schemas.microsoft.com/office/powerpoint/2010/main" val="1641114051"/>
+        <p14:creationId xmlns:p14="http://schemas.microsoft.com/office/powerpoint/2010/main" val="2739671691"/>
       </p:ext>
     </p:extLst>
   </p:cSld>
@@ -6169,7 +6130,7 @@
           <p:cNvPr id="2" name="标题 1">
             <a:extLst>
               <a:ext uri="{FF2B5EF4-FFF2-40B4-BE49-F238E27FC236}">
-                <a16:creationId xmlns:a16="http://schemas.microsoft.com/office/drawing/2014/main" id="{F24ABE9B-21D5-4DD5-A3F8-44EDB7B89E7D}"/>
+                <a16:creationId xmlns:a16="http://schemas.microsoft.com/office/drawing/2014/main" id="{C416872A-00CE-4B31-A593-044EE021A1A5}"/>
               </a:ext>
             </a:extLst>
           </p:cNvPr>
@@ -6177,77 +6138,156 @@
             <a:spLocks noGrp="1"/>
           </p:cNvSpPr>
           <p:nvPr>
-            <p:ph type="title"/>
+            <p:ph type="ctrTitle"/>
           </p:nvPr>
         </p:nvSpPr>
         <p:spPr>
           <a:xfrm>
-            <a:off x="781194" y="3150368"/>
-            <a:ext cx="8534400" cy="1507067"/>
-          </a:xfrm>
-        </p:spPr>
-        <p:txBody>
-          <a:bodyPr>
-            <a:normAutofit fontScale="90000"/>
-          </a:bodyPr>
+            <a:off x="684212" y="685799"/>
+            <a:ext cx="8001000" cy="1046019"/>
+          </a:xfrm>
+        </p:spPr>
+        <p:txBody>
+          <a:bodyPr/>
           <a:lstStyle/>
           <a:p>
             <a:r>
               <a:rPr lang="zh-CN" altLang="en-US" dirty="0"/>
-              <a:t>活动文件读取</a:t>
-            </a:r>
-            <a:br>
+              <a:t>进度</a:t>
+            </a:r>
+          </a:p>
+        </p:txBody>
+      </p:sp>
+      <p:sp>
+        <p:nvSpPr>
+          <p:cNvPr id="3" name="副标题 2">
+            <a:extLst>
+              <a:ext uri="{FF2B5EF4-FFF2-40B4-BE49-F238E27FC236}">
+                <a16:creationId xmlns:a16="http://schemas.microsoft.com/office/drawing/2014/main" id="{55BAF856-1CAD-4F65-B553-A200BDF5B8A4}"/>
+              </a:ext>
+            </a:extLst>
+          </p:cNvPr>
+          <p:cNvSpPr>
+            <a:spLocks noGrp="1"/>
+          </p:cNvSpPr>
+          <p:nvPr>
+            <p:ph type="subTitle" idx="1"/>
+          </p:nvPr>
+        </p:nvSpPr>
+        <p:spPr>
+          <a:xfrm>
+            <a:off x="102321" y="1918856"/>
+            <a:ext cx="11147570" cy="4253345"/>
+          </a:xfrm>
+        </p:spPr>
+        <p:txBody>
+          <a:bodyPr/>
+          <a:lstStyle/>
+          <a:p>
+            <a:pPr marL="342900" indent="-342900">
+              <a:buFontTx/>
+              <a:buChar char="-"/>
+            </a:pPr>
+            <a:r>
+              <a:rPr lang="zh-CN" altLang="en-US" dirty="0"/>
+              <a:t>完成了持久化存储</a:t>
+            </a:r>
+            <a:r>
               <a:rPr lang="en-US" altLang="zh-CN" dirty="0"/>
-            </a:br>
-            <a:br>
+              <a:t>【</a:t>
+            </a:r>
+            <a:r>
+              <a:rPr lang="zh-CN" altLang="en-US" dirty="0"/>
+              <a:t>流式文件读取活动列表</a:t>
+            </a:r>
+            <a:r>
               <a:rPr lang="en-US" altLang="zh-CN" dirty="0"/>
-            </a:br>
+              <a:t>】</a:t>
+            </a:r>
+          </a:p>
+          <a:p>
+            <a:pPr marL="342900" indent="-342900">
+              <a:buFontTx/>
+              <a:buChar char="-"/>
+            </a:pPr>
             <a:r>
               <a:rPr lang="zh-CN" altLang="en-US" dirty="0"/>
-              <a:t>功能演示</a:t>
-            </a:r>
+              <a:t>完成了基本的增、查功能</a:t>
+            </a:r>
+            <a:endParaRPr lang="en-US" altLang="zh-CN" dirty="0"/>
+          </a:p>
+          <a:p>
+            <a:pPr marL="342900" indent="-342900">
+              <a:buFontTx/>
+              <a:buChar char="-"/>
+            </a:pPr>
+            <a:r>
+              <a:rPr lang="zh-CN" altLang="en-US" dirty="0"/>
+              <a:t>设计了基本的闹钟类、</a:t>
+            </a:r>
+            <a:r>
+              <a:rPr lang="en-US" altLang="zh-CN" dirty="0"/>
+              <a:t>HashMap</a:t>
+            </a:r>
+            <a:r>
+              <a:rPr lang="zh-CN" altLang="en-US" dirty="0"/>
+              <a:t>结构，正在调试</a:t>
+            </a:r>
+            <a:endParaRPr lang="en-US" altLang="zh-CN" dirty="0"/>
+          </a:p>
+          <a:p>
+            <a:endParaRPr lang="en-US" altLang="zh-CN" dirty="0"/>
+          </a:p>
+          <a:p>
+            <a:endParaRPr lang="en-US" altLang="zh-CN" dirty="0"/>
+          </a:p>
+          <a:p>
+            <a:r>
+              <a:rPr lang="en-US" altLang="zh-CN" dirty="0"/>
+              <a:t>								</a:t>
+            </a:r>
+            <a:r>
+              <a:rPr lang="zh-CN" altLang="en-US" dirty="0"/>
+              <a:t>活动类设计如右图：</a:t>
+            </a:r>
+            <a:endParaRPr lang="en-US" altLang="zh-CN" dirty="0"/>
           </a:p>
         </p:txBody>
       </p:sp>
       <p:pic>
         <p:nvPicPr>
-          <p:cNvPr id="5" name="内容占位符 4">
+          <p:cNvPr id="5" name="图片 4">
             <a:extLst>
               <a:ext uri="{FF2B5EF4-FFF2-40B4-BE49-F238E27FC236}">
-                <a16:creationId xmlns:a16="http://schemas.microsoft.com/office/drawing/2014/main" id="{70E4F388-C6C6-4BCC-A873-E7CB32C54453}"/>
+                <a16:creationId xmlns:a16="http://schemas.microsoft.com/office/drawing/2014/main" id="{D3C3705C-D042-4170-8CF3-C53804FBE047}"/>
               </a:ext>
             </a:extLst>
           </p:cNvPr>
           <p:cNvPicPr>
-            <a:picLocks noGrp="1" noChangeAspect="1"/>
+            <a:picLocks noChangeAspect="1"/>
           </p:cNvPicPr>
-          <p:nvPr>
-            <p:ph idx="1"/>
-          </p:nvPr>
+          <p:nvPr/>
         </p:nvPicPr>
         <p:blipFill>
-          <a:blip r:embed="rId2">
-            <a:extLst>
-              <a:ext uri="{28A0092B-C50C-407E-A947-70E740481C1C}">
-                <a14:useLocalDpi xmlns:a14="http://schemas.microsoft.com/office/drawing/2010/main" val="0"/>
-              </a:ext>
-            </a:extLst>
-          </a:blip>
+          <a:blip r:embed="rId2"/>
           <a:stretch>
             <a:fillRect/>
           </a:stretch>
         </p:blipFill>
         <p:spPr>
           <a:xfrm>
-            <a:off x="4213788" y="397287"/>
-            <a:ext cx="7680339" cy="6063426"/>
-          </a:xfrm>
+            <a:off x="6996025" y="1731818"/>
+            <a:ext cx="4433054" cy="4024746"/>
+          </a:xfrm>
+          <a:prstGeom prst="rect">
+            <a:avLst/>
+          </a:prstGeom>
         </p:spPr>
       </p:pic>
     </p:spTree>
     <p:extLst>
       <p:ext uri="{BB962C8B-B14F-4D97-AF65-F5344CB8AC3E}">
-        <p14:creationId xmlns:p14="http://schemas.microsoft.com/office/powerpoint/2010/main" val="2196803834"/>
+        <p14:creationId xmlns:p14="http://schemas.microsoft.com/office/powerpoint/2010/main" val="1641114051"/>
       </p:ext>
     </p:extLst>
   </p:cSld>
@@ -6304,7 +6344,7 @@
           <a:p>
             <a:r>
               <a:rPr lang="zh-CN" altLang="en-US" dirty="0"/>
-              <a:t>活动添加</a:t>
+              <a:t>活动文件读取</a:t>
             </a:r>
             <a:br>
               <a:rPr lang="en-US" altLang="zh-CN" dirty="0"/>
@@ -6321,10 +6361,10 @@
       </p:sp>
       <p:pic>
         <p:nvPicPr>
-          <p:cNvPr id="7" name="内容占位符 6">
+          <p:cNvPr id="5" name="内容占位符 4">
             <a:extLst>
               <a:ext uri="{FF2B5EF4-FFF2-40B4-BE49-F238E27FC236}">
-                <a16:creationId xmlns:a16="http://schemas.microsoft.com/office/drawing/2014/main" id="{BEA40B67-A52D-4160-B334-90AAF57C0B13}"/>
+                <a16:creationId xmlns:a16="http://schemas.microsoft.com/office/drawing/2014/main" id="{70E4F388-C6C6-4BCC-A873-E7CB32C54453}"/>
               </a:ext>
             </a:extLst>
           </p:cNvPr>
@@ -6349,15 +6389,15 @@
         </p:blipFill>
         <p:spPr>
           <a:xfrm>
-            <a:off x="4485540" y="695342"/>
-            <a:ext cx="6925266" cy="5467315"/>
+            <a:off x="4213788" y="397287"/>
+            <a:ext cx="7680339" cy="6063426"/>
           </a:xfrm>
         </p:spPr>
       </p:pic>
     </p:spTree>
     <p:extLst>
       <p:ext uri="{BB962C8B-B14F-4D97-AF65-F5344CB8AC3E}">
-        <p14:creationId xmlns:p14="http://schemas.microsoft.com/office/powerpoint/2010/main" val="420532448"/>
+        <p14:creationId xmlns:p14="http://schemas.microsoft.com/office/powerpoint/2010/main" val="2196803834"/>
       </p:ext>
     </p:extLst>
   </p:cSld>
@@ -6389,7 +6429,7 @@
           <p:cNvPr id="2" name="标题 1">
             <a:extLst>
               <a:ext uri="{FF2B5EF4-FFF2-40B4-BE49-F238E27FC236}">
-                <a16:creationId xmlns:a16="http://schemas.microsoft.com/office/drawing/2014/main" id="{8435E023-9447-4AAB-AA60-B705B383EC5F}"/>
+                <a16:creationId xmlns:a16="http://schemas.microsoft.com/office/drawing/2014/main" id="{F24ABE9B-21D5-4DD5-A3F8-44EDB7B89E7D}"/>
               </a:ext>
             </a:extLst>
           </p:cNvPr>
@@ -6402,26 +6442,72 @@
         </p:nvSpPr>
         <p:spPr>
           <a:xfrm>
-            <a:off x="1828800" y="2675466"/>
+            <a:off x="781194" y="3150368"/>
             <a:ext cx="8534400" cy="1507067"/>
           </a:xfrm>
         </p:spPr>
         <p:txBody>
-          <a:bodyPr/>
-          <a:lstStyle/>
-          <a:p>
-            <a:pPr algn="ctr"/>
+          <a:bodyPr>
+            <a:normAutofit fontScale="90000"/>
+          </a:bodyPr>
+          <a:lstStyle/>
+          <a:p>
             <a:r>
               <a:rPr lang="zh-CN" altLang="en-US" dirty="0"/>
-              <a:t>导航系统进度汇报</a:t>
-            </a:r>
-          </a:p>
-        </p:txBody>
-      </p:sp>
+              <a:t>活动添加</a:t>
+            </a:r>
+            <a:br>
+              <a:rPr lang="en-US" altLang="zh-CN" dirty="0"/>
+            </a:br>
+            <a:br>
+              <a:rPr lang="en-US" altLang="zh-CN" dirty="0"/>
+            </a:br>
+            <a:r>
+              <a:rPr lang="zh-CN" altLang="en-US" dirty="0"/>
+              <a:t>功能演示</a:t>
+            </a:r>
+          </a:p>
+        </p:txBody>
+      </p:sp>
+      <p:pic>
+        <p:nvPicPr>
+          <p:cNvPr id="7" name="内容占位符 6">
+            <a:extLst>
+              <a:ext uri="{FF2B5EF4-FFF2-40B4-BE49-F238E27FC236}">
+                <a16:creationId xmlns:a16="http://schemas.microsoft.com/office/drawing/2014/main" id="{BEA40B67-A52D-4160-B334-90AAF57C0B13}"/>
+              </a:ext>
+            </a:extLst>
+          </p:cNvPr>
+          <p:cNvPicPr>
+            <a:picLocks noGrp="1" noChangeAspect="1"/>
+          </p:cNvPicPr>
+          <p:nvPr>
+            <p:ph idx="1"/>
+          </p:nvPr>
+        </p:nvPicPr>
+        <p:blipFill>
+          <a:blip r:embed="rId2">
+            <a:extLst>
+              <a:ext uri="{28A0092B-C50C-407E-A947-70E740481C1C}">
+                <a14:useLocalDpi xmlns:a14="http://schemas.microsoft.com/office/drawing/2010/main" val="0"/>
+              </a:ext>
+            </a:extLst>
+          </a:blip>
+          <a:stretch>
+            <a:fillRect/>
+          </a:stretch>
+        </p:blipFill>
+        <p:spPr>
+          <a:xfrm>
+            <a:off x="4485540" y="695342"/>
+            <a:ext cx="6925266" cy="5467315"/>
+          </a:xfrm>
+        </p:spPr>
+      </p:pic>
     </p:spTree>
     <p:extLst>
       <p:ext uri="{BB962C8B-B14F-4D97-AF65-F5344CB8AC3E}">
-        <p14:creationId xmlns:p14="http://schemas.microsoft.com/office/powerpoint/2010/main" val="210254709"/>
+        <p14:creationId xmlns:p14="http://schemas.microsoft.com/office/powerpoint/2010/main" val="420532448"/>
       </p:ext>
     </p:extLst>
   </p:cSld>
@@ -6453,7 +6539,7 @@
           <p:cNvPr id="2" name="标题 1">
             <a:extLst>
               <a:ext uri="{FF2B5EF4-FFF2-40B4-BE49-F238E27FC236}">
-                <a16:creationId xmlns:a16="http://schemas.microsoft.com/office/drawing/2014/main" id="{88B751DC-AC7B-453E-996C-D7ECEC3A0EFB}"/>
+                <a16:creationId xmlns:a16="http://schemas.microsoft.com/office/drawing/2014/main" id="{8435E023-9447-4AAB-AA60-B705B383EC5F}"/>
               </a:ext>
             </a:extLst>
           </p:cNvPr>
@@ -6471,15 +6557,13 @@
           </a:xfrm>
         </p:spPr>
         <p:txBody>
-          <a:bodyPr>
-            <a:normAutofit/>
-          </a:bodyPr>
+          <a:bodyPr/>
           <a:lstStyle/>
           <a:p>
             <a:pPr algn="ctr"/>
             <a:r>
               <a:rPr lang="zh-CN" altLang="en-US" dirty="0"/>
-              <a:t>实机演示</a:t>
+              <a:t>导航系统进度汇报</a:t>
             </a:r>
           </a:p>
         </p:txBody>
@@ -6487,7 +6571,7 @@
     </p:spTree>
     <p:extLst>
       <p:ext uri="{BB962C8B-B14F-4D97-AF65-F5344CB8AC3E}">
-        <p14:creationId xmlns:p14="http://schemas.microsoft.com/office/powerpoint/2010/main" val="2862554187"/>
+        <p14:creationId xmlns:p14="http://schemas.microsoft.com/office/powerpoint/2010/main" val="210254709"/>
       </p:ext>
     </p:extLst>
   </p:cSld>
@@ -6562,6 +6646,507 @@
 </file>
 
 <file path=ppt/slides/slide20.xml><?xml version="1.0" encoding="utf-8"?>
+<p:sld xmlns:a="http://schemas.openxmlformats.org/drawingml/2006/main" xmlns:r="http://schemas.openxmlformats.org/officeDocument/2006/relationships" xmlns:p="http://schemas.openxmlformats.org/presentationml/2006/main">
+  <p:cSld>
+    <p:spTree>
+      <p:nvGrpSpPr>
+        <p:cNvPr id="1" name=""/>
+        <p:cNvGrpSpPr/>
+        <p:nvPr/>
+      </p:nvGrpSpPr>
+      <p:grpSpPr>
+        <a:xfrm>
+          <a:off x="0" y="0"/>
+          <a:ext cx="0" cy="0"/>
+          <a:chOff x="0" y="0"/>
+          <a:chExt cx="0" cy="0"/>
+        </a:xfrm>
+      </p:grpSpPr>
+      <p:sp>
+        <p:nvSpPr>
+          <p:cNvPr id="2" name="标题 1">
+            <a:extLst>
+              <a:ext uri="{FF2B5EF4-FFF2-40B4-BE49-F238E27FC236}">
+                <a16:creationId xmlns:a16="http://schemas.microsoft.com/office/drawing/2014/main" id="{1904082C-53C4-49D5-9496-F8E9F20E8A60}"/>
+              </a:ext>
+            </a:extLst>
+          </p:cNvPr>
+          <p:cNvSpPr>
+            <a:spLocks noGrp="1"/>
+          </p:cNvSpPr>
+          <p:nvPr>
+            <p:ph type="title"/>
+          </p:nvPr>
+        </p:nvSpPr>
+        <p:spPr/>
+        <p:txBody>
+          <a:bodyPr/>
+          <a:lstStyle/>
+          <a:p>
+            <a:endParaRPr lang="zh-CN" altLang="en-US"/>
+          </a:p>
+        </p:txBody>
+      </p:sp>
+      <p:pic>
+        <p:nvPicPr>
+          <p:cNvPr id="5" name="内容占位符 4">
+            <a:extLst>
+              <a:ext uri="{FF2B5EF4-FFF2-40B4-BE49-F238E27FC236}">
+                <a16:creationId xmlns:a16="http://schemas.microsoft.com/office/drawing/2014/main" id="{11A3A20E-F16F-48C9-B07D-949D1F1A0A56}"/>
+              </a:ext>
+            </a:extLst>
+          </p:cNvPr>
+          <p:cNvPicPr>
+            <a:picLocks noGrp="1" noChangeAspect="1"/>
+          </p:cNvPicPr>
+          <p:nvPr>
+            <p:ph idx="1"/>
+          </p:nvPr>
+        </p:nvPicPr>
+        <p:blipFill>
+          <a:blip r:embed="rId2">
+            <a:extLst>
+              <a:ext uri="{28A0092B-C50C-407E-A947-70E740481C1C}">
+                <a14:useLocalDpi xmlns:a14="http://schemas.microsoft.com/office/drawing/2010/main" val="0"/>
+              </a:ext>
+            </a:extLst>
+          </a:blip>
+          <a:stretch>
+            <a:fillRect/>
+          </a:stretch>
+        </p:blipFill>
+        <p:spPr>
+          <a:xfrm>
+            <a:off x="1340715" y="-395968"/>
+            <a:ext cx="9965192" cy="7253968"/>
+          </a:xfrm>
+        </p:spPr>
+      </p:pic>
+    </p:spTree>
+    <p:extLst>
+      <p:ext uri="{BB962C8B-B14F-4D97-AF65-F5344CB8AC3E}">
+        <p14:creationId xmlns:p14="http://schemas.microsoft.com/office/powerpoint/2010/main" val="4192708885"/>
+      </p:ext>
+    </p:extLst>
+  </p:cSld>
+  <p:clrMapOvr>
+    <a:masterClrMapping/>
+  </p:clrMapOvr>
+</p:sld>
+</file>
+
+<file path=ppt/slides/slide21.xml><?xml version="1.0" encoding="utf-8"?>
+<p:sld xmlns:a="http://schemas.openxmlformats.org/drawingml/2006/main" xmlns:r="http://schemas.openxmlformats.org/officeDocument/2006/relationships" xmlns:p="http://schemas.openxmlformats.org/presentationml/2006/main">
+  <p:cSld>
+    <p:spTree>
+      <p:nvGrpSpPr>
+        <p:cNvPr id="1" name=""/>
+        <p:cNvGrpSpPr/>
+        <p:nvPr/>
+      </p:nvGrpSpPr>
+      <p:grpSpPr>
+        <a:xfrm>
+          <a:off x="0" y="0"/>
+          <a:ext cx="0" cy="0"/>
+          <a:chOff x="0" y="0"/>
+          <a:chExt cx="0" cy="0"/>
+        </a:xfrm>
+      </p:grpSpPr>
+      <p:sp>
+        <p:nvSpPr>
+          <p:cNvPr id="2" name="标题 1">
+            <a:extLst>
+              <a:ext uri="{FF2B5EF4-FFF2-40B4-BE49-F238E27FC236}">
+                <a16:creationId xmlns:a16="http://schemas.microsoft.com/office/drawing/2014/main" id="{74FC3790-8AF1-446E-9C0A-3D19E891D516}"/>
+              </a:ext>
+            </a:extLst>
+          </p:cNvPr>
+          <p:cNvSpPr>
+            <a:spLocks noGrp="1"/>
+          </p:cNvSpPr>
+          <p:nvPr>
+            <p:ph type="title"/>
+          </p:nvPr>
+        </p:nvSpPr>
+        <p:spPr>
+          <a:xfrm>
+            <a:off x="814841" y="2860413"/>
+            <a:ext cx="8534400" cy="1507067"/>
+          </a:xfrm>
+        </p:spPr>
+        <p:txBody>
+          <a:bodyPr/>
+          <a:lstStyle/>
+          <a:p>
+            <a:r>
+              <a:rPr lang="zh-CN" altLang="en-US" dirty="0"/>
+              <a:t>地图编号</a:t>
+            </a:r>
+            <a:br>
+              <a:rPr lang="en-US" altLang="zh-CN" dirty="0"/>
+            </a:br>
+            <a:endParaRPr lang="zh-CN" altLang="en-US" dirty="0"/>
+          </a:p>
+        </p:txBody>
+      </p:sp>
+      <p:pic>
+        <p:nvPicPr>
+          <p:cNvPr id="5" name="内容占位符 4">
+            <a:extLst>
+              <a:ext uri="{FF2B5EF4-FFF2-40B4-BE49-F238E27FC236}">
+                <a16:creationId xmlns:a16="http://schemas.microsoft.com/office/drawing/2014/main" id="{8690177F-FE28-4C70-9CE6-ABFF03F88840}"/>
+              </a:ext>
+            </a:extLst>
+          </p:cNvPr>
+          <p:cNvPicPr>
+            <a:picLocks noGrp="1" noChangeAspect="1"/>
+          </p:cNvPicPr>
+          <p:nvPr>
+            <p:ph idx="1"/>
+          </p:nvPr>
+        </p:nvPicPr>
+        <p:blipFill>
+          <a:blip r:embed="rId2">
+            <a:extLst>
+              <a:ext uri="{28A0092B-C50C-407E-A947-70E740481C1C}">
+                <a14:useLocalDpi xmlns:a14="http://schemas.microsoft.com/office/drawing/2010/main" val="0"/>
+              </a:ext>
+            </a:extLst>
+          </a:blip>
+          <a:stretch>
+            <a:fillRect/>
+          </a:stretch>
+        </p:blipFill>
+        <p:spPr>
+          <a:xfrm>
+            <a:off x="5958487" y="-181098"/>
+            <a:ext cx="5549301" cy="7822806"/>
+          </a:xfrm>
+        </p:spPr>
+      </p:pic>
+    </p:spTree>
+    <p:extLst>
+      <p:ext uri="{BB962C8B-B14F-4D97-AF65-F5344CB8AC3E}">
+        <p14:creationId xmlns:p14="http://schemas.microsoft.com/office/powerpoint/2010/main" val="2491112080"/>
+      </p:ext>
+    </p:extLst>
+  </p:cSld>
+  <p:clrMapOvr>
+    <a:masterClrMapping/>
+  </p:clrMapOvr>
+</p:sld>
+</file>
+
+<file path=ppt/slides/slide22.xml><?xml version="1.0" encoding="utf-8"?>
+<p:sld xmlns:a="http://schemas.openxmlformats.org/drawingml/2006/main" xmlns:r="http://schemas.openxmlformats.org/officeDocument/2006/relationships" xmlns:p="http://schemas.openxmlformats.org/presentationml/2006/main">
+  <p:cSld>
+    <p:spTree>
+      <p:nvGrpSpPr>
+        <p:cNvPr id="1" name=""/>
+        <p:cNvGrpSpPr/>
+        <p:nvPr/>
+      </p:nvGrpSpPr>
+      <p:grpSpPr>
+        <a:xfrm>
+          <a:off x="0" y="0"/>
+          <a:ext cx="0" cy="0"/>
+          <a:chOff x="0" y="0"/>
+          <a:chExt cx="0" cy="0"/>
+        </a:xfrm>
+      </p:grpSpPr>
+      <p:sp>
+        <p:nvSpPr>
+          <p:cNvPr id="2" name="标题 1">
+            <a:extLst>
+              <a:ext uri="{FF2B5EF4-FFF2-40B4-BE49-F238E27FC236}">
+                <a16:creationId xmlns:a16="http://schemas.microsoft.com/office/drawing/2014/main" id="{A1538EAE-7C79-43B7-B84E-FC533C1C6986}"/>
+              </a:ext>
+            </a:extLst>
+          </p:cNvPr>
+          <p:cNvSpPr>
+            <a:spLocks noGrp="1"/>
+          </p:cNvSpPr>
+          <p:nvPr>
+            <p:ph type="title"/>
+          </p:nvPr>
+        </p:nvSpPr>
+        <p:spPr>
+          <a:xfrm>
+            <a:off x="684212" y="2561963"/>
+            <a:ext cx="8534400" cy="1507067"/>
+          </a:xfrm>
+        </p:spPr>
+        <p:txBody>
+          <a:bodyPr/>
+          <a:lstStyle/>
+          <a:p>
+            <a:r>
+              <a:rPr lang="zh-CN" altLang="en-US" dirty="0"/>
+              <a:t>存储实际距离</a:t>
+            </a:r>
+          </a:p>
+        </p:txBody>
+      </p:sp>
+      <p:pic>
+        <p:nvPicPr>
+          <p:cNvPr id="5" name="图片 4">
+            <a:extLst>
+              <a:ext uri="{FF2B5EF4-FFF2-40B4-BE49-F238E27FC236}">
+                <a16:creationId xmlns:a16="http://schemas.microsoft.com/office/drawing/2014/main" id="{0C03BB11-F1AC-4001-9AFC-23BFE4258601}"/>
+              </a:ext>
+            </a:extLst>
+          </p:cNvPr>
+          <p:cNvPicPr>
+            <a:picLocks noChangeAspect="1"/>
+          </p:cNvPicPr>
+          <p:nvPr/>
+        </p:nvPicPr>
+        <p:blipFill>
+          <a:blip r:embed="rId2"/>
+          <a:stretch>
+            <a:fillRect/>
+          </a:stretch>
+        </p:blipFill>
+        <p:spPr>
+          <a:xfrm>
+            <a:off x="4048429" y="706418"/>
+            <a:ext cx="7372729" cy="4756394"/>
+          </a:xfrm>
+          <a:prstGeom prst="rect">
+            <a:avLst/>
+          </a:prstGeom>
+        </p:spPr>
+      </p:pic>
+    </p:spTree>
+    <p:extLst>
+      <p:ext uri="{BB962C8B-B14F-4D97-AF65-F5344CB8AC3E}">
+        <p14:creationId xmlns:p14="http://schemas.microsoft.com/office/powerpoint/2010/main" val="3133870084"/>
+      </p:ext>
+    </p:extLst>
+  </p:cSld>
+  <p:clrMapOvr>
+    <a:masterClrMapping/>
+  </p:clrMapOvr>
+</p:sld>
+</file>
+
+<file path=ppt/slides/slide23.xml><?xml version="1.0" encoding="utf-8"?>
+<p:sld xmlns:a="http://schemas.openxmlformats.org/drawingml/2006/main" xmlns:r="http://schemas.openxmlformats.org/officeDocument/2006/relationships" xmlns:p="http://schemas.openxmlformats.org/presentationml/2006/main">
+  <p:cSld>
+    <p:spTree>
+      <p:nvGrpSpPr>
+        <p:cNvPr id="1" name=""/>
+        <p:cNvGrpSpPr/>
+        <p:nvPr/>
+      </p:nvGrpSpPr>
+      <p:grpSpPr>
+        <a:xfrm>
+          <a:off x="0" y="0"/>
+          <a:ext cx="0" cy="0"/>
+          <a:chOff x="0" y="0"/>
+          <a:chExt cx="0" cy="0"/>
+        </a:xfrm>
+      </p:grpSpPr>
+      <p:sp>
+        <p:nvSpPr>
+          <p:cNvPr id="2" name="标题 1">
+            <a:extLst>
+              <a:ext uri="{FF2B5EF4-FFF2-40B4-BE49-F238E27FC236}">
+                <a16:creationId xmlns:a16="http://schemas.microsoft.com/office/drawing/2014/main" id="{05AFBD86-7BD8-4E4C-AB0F-94FD894EF2D8}"/>
+              </a:ext>
+            </a:extLst>
+          </p:cNvPr>
+          <p:cNvSpPr>
+            <a:spLocks noGrp="1"/>
+          </p:cNvSpPr>
+          <p:nvPr>
+            <p:ph type="title"/>
+          </p:nvPr>
+        </p:nvSpPr>
+        <p:spPr>
+          <a:xfrm>
+            <a:off x="446705" y="1921933"/>
+            <a:ext cx="8534400" cy="1507067"/>
+          </a:xfrm>
+        </p:spPr>
+        <p:txBody>
+          <a:bodyPr/>
+          <a:lstStyle/>
+          <a:p>
+            <a:r>
+              <a:rPr lang="zh-CN" altLang="en-US" dirty="0"/>
+              <a:t>计算导航路径</a:t>
+            </a:r>
+          </a:p>
+        </p:txBody>
+      </p:sp>
+      <p:pic>
+        <p:nvPicPr>
+          <p:cNvPr id="5" name="图片 4">
+            <a:extLst>
+              <a:ext uri="{FF2B5EF4-FFF2-40B4-BE49-F238E27FC236}">
+                <a16:creationId xmlns:a16="http://schemas.microsoft.com/office/drawing/2014/main" id="{C0B9DCF6-01DD-49C1-BF6D-29C17E37F1AC}"/>
+              </a:ext>
+            </a:extLst>
+          </p:cNvPr>
+          <p:cNvPicPr>
+            <a:picLocks noChangeAspect="1"/>
+          </p:cNvPicPr>
+          <p:nvPr/>
+        </p:nvPicPr>
+        <p:blipFill>
+          <a:blip r:embed="rId2"/>
+          <a:stretch>
+            <a:fillRect/>
+          </a:stretch>
+        </p:blipFill>
+        <p:spPr>
+          <a:xfrm>
+            <a:off x="3739020" y="993650"/>
+            <a:ext cx="5473981" cy="4870700"/>
+          </a:xfrm>
+          <a:prstGeom prst="rect">
+            <a:avLst/>
+          </a:prstGeom>
+        </p:spPr>
+      </p:pic>
+      <p:pic>
+        <p:nvPicPr>
+          <p:cNvPr id="9" name="图片 8">
+            <a:extLst>
+              <a:ext uri="{FF2B5EF4-FFF2-40B4-BE49-F238E27FC236}">
+                <a16:creationId xmlns:a16="http://schemas.microsoft.com/office/drawing/2014/main" id="{5616E519-F664-430B-903B-F24DF4E52F38}"/>
+              </a:ext>
+            </a:extLst>
+          </p:cNvPr>
+          <p:cNvPicPr>
+            <a:picLocks noChangeAspect="1"/>
+          </p:cNvPicPr>
+          <p:nvPr/>
+        </p:nvPicPr>
+        <p:blipFill>
+          <a:blip r:embed="rId3"/>
+          <a:stretch>
+            <a:fillRect/>
+          </a:stretch>
+        </p:blipFill>
+        <p:spPr>
+          <a:xfrm>
+            <a:off x="6095999" y="993650"/>
+            <a:ext cx="5473981" cy="4870700"/>
+          </a:xfrm>
+          <a:prstGeom prst="rect">
+            <a:avLst/>
+          </a:prstGeom>
+        </p:spPr>
+      </p:pic>
+    </p:spTree>
+    <p:extLst>
+      <p:ext uri="{BB962C8B-B14F-4D97-AF65-F5344CB8AC3E}">
+        <p14:creationId xmlns:p14="http://schemas.microsoft.com/office/powerpoint/2010/main" val="2384060019"/>
+      </p:ext>
+    </p:extLst>
+  </p:cSld>
+  <p:clrMapOvr>
+    <a:masterClrMapping/>
+  </p:clrMapOvr>
+</p:sld>
+</file>
+
+<file path=ppt/slides/slide24.xml><?xml version="1.0" encoding="utf-8"?>
+<p:sld xmlns:a="http://schemas.openxmlformats.org/drawingml/2006/main" xmlns:r="http://schemas.openxmlformats.org/officeDocument/2006/relationships" xmlns:p="http://schemas.openxmlformats.org/presentationml/2006/main">
+  <p:cSld>
+    <p:spTree>
+      <p:nvGrpSpPr>
+        <p:cNvPr id="1" name=""/>
+        <p:cNvGrpSpPr/>
+        <p:nvPr/>
+      </p:nvGrpSpPr>
+      <p:grpSpPr>
+        <a:xfrm>
+          <a:off x="0" y="0"/>
+          <a:ext cx="0" cy="0"/>
+          <a:chOff x="0" y="0"/>
+          <a:chExt cx="0" cy="0"/>
+        </a:xfrm>
+      </p:grpSpPr>
+      <p:sp>
+        <p:nvSpPr>
+          <p:cNvPr id="2" name="标题 1">
+            <a:extLst>
+              <a:ext uri="{FF2B5EF4-FFF2-40B4-BE49-F238E27FC236}">
+                <a16:creationId xmlns:a16="http://schemas.microsoft.com/office/drawing/2014/main" id="{EA57C2FB-F332-4E2C-9028-000DF287DB65}"/>
+              </a:ext>
+            </a:extLst>
+          </p:cNvPr>
+          <p:cNvSpPr>
+            <a:spLocks noGrp="1"/>
+          </p:cNvSpPr>
+          <p:nvPr>
+            <p:ph type="title"/>
+          </p:nvPr>
+        </p:nvSpPr>
+        <p:spPr>
+          <a:xfrm>
+            <a:off x="850466" y="2527903"/>
+            <a:ext cx="8534400" cy="1507067"/>
+          </a:xfrm>
+        </p:spPr>
+        <p:txBody>
+          <a:bodyPr/>
+          <a:lstStyle/>
+          <a:p>
+            <a:r>
+              <a:rPr lang="zh-CN" altLang="en-US" dirty="0"/>
+              <a:t>计算导航时间</a:t>
+            </a:r>
+          </a:p>
+        </p:txBody>
+      </p:sp>
+      <p:pic>
+        <p:nvPicPr>
+          <p:cNvPr id="5" name="图片 4">
+            <a:extLst>
+              <a:ext uri="{FF2B5EF4-FFF2-40B4-BE49-F238E27FC236}">
+                <a16:creationId xmlns:a16="http://schemas.microsoft.com/office/drawing/2014/main" id="{6F880B25-0266-4EC8-8669-97AA1565C2B7}"/>
+              </a:ext>
+            </a:extLst>
+          </p:cNvPr>
+          <p:cNvPicPr>
+            <a:picLocks noChangeAspect="1"/>
+          </p:cNvPicPr>
+          <p:nvPr/>
+        </p:nvPicPr>
+        <p:blipFill>
+          <a:blip r:embed="rId2"/>
+          <a:stretch>
+            <a:fillRect/>
+          </a:stretch>
+        </p:blipFill>
+        <p:spPr>
+          <a:xfrm>
+            <a:off x="5300354" y="323904"/>
+            <a:ext cx="5394961" cy="5915063"/>
+          </a:xfrm>
+          <a:prstGeom prst="rect">
+            <a:avLst/>
+          </a:prstGeom>
+        </p:spPr>
+      </p:pic>
+    </p:spTree>
+    <p:extLst>
+      <p:ext uri="{BB962C8B-B14F-4D97-AF65-F5344CB8AC3E}">
+        <p14:creationId xmlns:p14="http://schemas.microsoft.com/office/powerpoint/2010/main" val="47670450"/>
+      </p:ext>
+    </p:extLst>
+  </p:cSld>
+  <p:clrMapOvr>
+    <a:masterClrMapping/>
+  </p:clrMapOvr>
+</p:sld>
+</file>
+
+<file path=ppt/slides/slide25.xml><?xml version="1.0" encoding="utf-8"?>
 <p:sld xmlns:a="http://schemas.openxmlformats.org/drawingml/2006/main" xmlns:r="http://schemas.openxmlformats.org/officeDocument/2006/relationships" xmlns:p="http://schemas.openxmlformats.org/presentationml/2006/main">
   <p:cSld>
     <p:spTree>
@@ -6787,7 +7372,7 @@
 </p:sld>
 </file>
 
-<file path=ppt/slides/slide21.xml><?xml version="1.0" encoding="utf-8"?>
+<file path=ppt/slides/slide26.xml><?xml version="1.0" encoding="utf-8"?>
 <p:sld xmlns:a="http://schemas.openxmlformats.org/drawingml/2006/main" xmlns:r="http://schemas.openxmlformats.org/officeDocument/2006/relationships" xmlns:p="http://schemas.openxmlformats.org/presentationml/2006/main">
   <p:cSld>
     <p:spTree>
@@ -7515,7 +8100,7 @@
           <a:p>
             <a:r>
               <a:rPr lang="zh-CN" altLang="en-US" dirty="0"/>
-              <a:t>目前已完成的内容：文件结构形成，完成初始化</a:t>
+              <a:t>目前已完成的内容：文件结构形成，完成初始化和课程表的显示</a:t>
             </a:r>
           </a:p>
         </p:txBody>

--- a/report/Mid-term check.pptx
+++ b/report/Mid-term check.pptx
@@ -17,15 +17,21 @@
     <p:sldId id="269" r:id="rId11"/>
     <p:sldId id="270" r:id="rId12"/>
     <p:sldId id="271" r:id="rId13"/>
-    <p:sldId id="268" r:id="rId14"/>
-    <p:sldId id="260" r:id="rId15"/>
-    <p:sldId id="273" r:id="rId16"/>
-    <p:sldId id="274" r:id="rId17"/>
-    <p:sldId id="275" r:id="rId18"/>
-    <p:sldId id="261" r:id="rId19"/>
-    <p:sldId id="272" r:id="rId20"/>
-    <p:sldId id="276" r:id="rId21"/>
-    <p:sldId id="258" r:id="rId22"/>
+    <p:sldId id="282" r:id="rId14"/>
+    <p:sldId id="268" r:id="rId15"/>
+    <p:sldId id="260" r:id="rId16"/>
+    <p:sldId id="273" r:id="rId17"/>
+    <p:sldId id="274" r:id="rId18"/>
+    <p:sldId id="275" r:id="rId19"/>
+    <p:sldId id="261" r:id="rId20"/>
+    <p:sldId id="277" r:id="rId21"/>
+    <p:sldId id="278" r:id="rId22"/>
+    <p:sldId id="279" r:id="rId23"/>
+    <p:sldId id="280" r:id="rId24"/>
+    <p:sldId id="281" r:id="rId25"/>
+    <p:sldId id="272" r:id="rId26"/>
+    <p:sldId id="276" r:id="rId27"/>
+    <p:sldId id="258" r:id="rId28"/>
   </p:sldIdLst>
   <p:sldSz cx="12192000" cy="6858000"/>
   <p:notesSz cx="6858000" cy="9144000"/>
@@ -149,6 +155,7 @@
             <p14:sldId id="269"/>
             <p14:sldId id="270"/>
             <p14:sldId id="271"/>
+            <p14:sldId id="282"/>
             <p14:sldId id="268"/>
           </p14:sldIdLst>
         </p14:section>
@@ -163,6 +170,11 @@
         <p14:section name="导航系统进度汇报" id="{E60B3320-F30E-4834-950C-159CE2D953AF}">
           <p14:sldIdLst>
             <p14:sldId id="261"/>
+            <p14:sldId id="277"/>
+            <p14:sldId id="278"/>
+            <p14:sldId id="279"/>
+            <p14:sldId id="280"/>
+            <p14:sldId id="281"/>
           </p14:sldIdLst>
         </p14:section>
         <p14:section name="实机演示" id="{F6DD2D8D-B924-487B-BE00-934E9356610B}">
@@ -376,7 +388,7 @@
           <a:p>
             <a:fld id="{76FF717D-8E31-4E2C-B968-E8567F519D4A}" type="datetimeFigureOut">
               <a:rPr lang="zh-CN" altLang="en-US" smtClean="0"/>
-              <a:t>2022/4/27</a:t>
+              <a:t>2022/4/28</a:t>
             </a:fld>
             <a:endParaRPr lang="zh-CN" altLang="en-US"/>
           </a:p>
@@ -812,7 +824,7 @@
           <a:p>
             <a:fld id="{76FF717D-8E31-4E2C-B968-E8567F519D4A}" type="datetimeFigureOut">
               <a:rPr lang="zh-CN" altLang="en-US" smtClean="0"/>
-              <a:t>2022/4/27</a:t>
+              <a:t>2022/4/28</a:t>
             </a:fld>
             <a:endParaRPr lang="zh-CN" altLang="en-US"/>
           </a:p>
@@ -1062,7 +1074,7 @@
           <a:p>
             <a:fld id="{76FF717D-8E31-4E2C-B968-E8567F519D4A}" type="datetimeFigureOut">
               <a:rPr lang="zh-CN" altLang="en-US" smtClean="0"/>
-              <a:t>2022/4/27</a:t>
+              <a:t>2022/4/28</a:t>
             </a:fld>
             <a:endParaRPr lang="zh-CN" altLang="en-US"/>
           </a:p>
@@ -1370,7 +1382,7 @@
           <a:p>
             <a:fld id="{76FF717D-8E31-4E2C-B968-E8567F519D4A}" type="datetimeFigureOut">
               <a:rPr lang="zh-CN" altLang="en-US" smtClean="0"/>
-              <a:t>2022/4/27</a:t>
+              <a:t>2022/4/28</a:t>
             </a:fld>
             <a:endParaRPr lang="zh-CN" altLang="en-US"/>
           </a:p>
@@ -1688,7 +1700,7 @@
           <a:p>
             <a:fld id="{76FF717D-8E31-4E2C-B968-E8567F519D4A}" type="datetimeFigureOut">
               <a:rPr lang="zh-CN" altLang="en-US" smtClean="0"/>
-              <a:t>2022/4/27</a:t>
+              <a:t>2022/4/28</a:t>
             </a:fld>
             <a:endParaRPr lang="zh-CN" altLang="en-US"/>
           </a:p>
@@ -1990,7 +2002,7 @@
           <a:p>
             <a:fld id="{76FF717D-8E31-4E2C-B968-E8567F519D4A}" type="datetimeFigureOut">
               <a:rPr lang="zh-CN" altLang="en-US" smtClean="0"/>
-              <a:t>2022/4/27</a:t>
+              <a:t>2022/4/28</a:t>
             </a:fld>
             <a:endParaRPr lang="zh-CN" altLang="en-US"/>
           </a:p>
@@ -2357,7 +2369,7 @@
           <a:p>
             <a:fld id="{76FF717D-8E31-4E2C-B968-E8567F519D4A}" type="datetimeFigureOut">
               <a:rPr lang="zh-CN" altLang="en-US" smtClean="0"/>
-              <a:t>2022/4/27</a:t>
+              <a:t>2022/4/28</a:t>
             </a:fld>
             <a:endParaRPr lang="zh-CN" altLang="en-US"/>
           </a:p>
@@ -2531,7 +2543,7 @@
           <a:p>
             <a:fld id="{76FF717D-8E31-4E2C-B968-E8567F519D4A}" type="datetimeFigureOut">
               <a:rPr lang="zh-CN" altLang="en-US" smtClean="0"/>
-              <a:t>2022/4/27</a:t>
+              <a:t>2022/4/28</a:t>
             </a:fld>
             <a:endParaRPr lang="zh-CN" altLang="en-US"/>
           </a:p>
@@ -2711,7 +2723,7 @@
           <a:p>
             <a:fld id="{76FF717D-8E31-4E2C-B968-E8567F519D4A}" type="datetimeFigureOut">
               <a:rPr lang="zh-CN" altLang="en-US" smtClean="0"/>
-              <a:t>2022/4/27</a:t>
+              <a:t>2022/4/28</a:t>
             </a:fld>
             <a:endParaRPr lang="zh-CN" altLang="en-US"/>
           </a:p>
@@ -2881,7 +2893,7 @@
           <a:p>
             <a:fld id="{76FF717D-8E31-4E2C-B968-E8567F519D4A}" type="datetimeFigureOut">
               <a:rPr lang="zh-CN" altLang="en-US" smtClean="0"/>
-              <a:t>2022/4/27</a:t>
+              <a:t>2022/4/28</a:t>
             </a:fld>
             <a:endParaRPr lang="zh-CN" altLang="en-US"/>
           </a:p>
@@ -3131,7 +3143,7 @@
           <a:p>
             <a:fld id="{76FF717D-8E31-4E2C-B968-E8567F519D4A}" type="datetimeFigureOut">
               <a:rPr lang="zh-CN" altLang="en-US" smtClean="0"/>
-              <a:t>2022/4/27</a:t>
+              <a:t>2022/4/28</a:t>
             </a:fld>
             <a:endParaRPr lang="zh-CN" altLang="en-US"/>
           </a:p>
@@ -3367,7 +3379,7 @@
           <a:p>
             <a:fld id="{76FF717D-8E31-4E2C-B968-E8567F519D4A}" type="datetimeFigureOut">
               <a:rPr lang="zh-CN" altLang="en-US" smtClean="0"/>
-              <a:t>2022/4/27</a:t>
+              <a:t>2022/4/28</a:t>
             </a:fld>
             <a:endParaRPr lang="zh-CN" altLang="en-US"/>
           </a:p>
@@ -3749,7 +3761,7 @@
           <a:p>
             <a:fld id="{76FF717D-8E31-4E2C-B968-E8567F519D4A}" type="datetimeFigureOut">
               <a:rPr lang="zh-CN" altLang="en-US" smtClean="0"/>
-              <a:t>2022/4/27</a:t>
+              <a:t>2022/4/28</a:t>
             </a:fld>
             <a:endParaRPr lang="zh-CN" altLang="en-US"/>
           </a:p>
@@ -3867,7 +3879,7 @@
           <a:p>
             <a:fld id="{76FF717D-8E31-4E2C-B968-E8567F519D4A}" type="datetimeFigureOut">
               <a:rPr lang="zh-CN" altLang="en-US" smtClean="0"/>
-              <a:t>2022/4/27</a:t>
+              <a:t>2022/4/28</a:t>
             </a:fld>
             <a:endParaRPr lang="zh-CN" altLang="en-US"/>
           </a:p>
@@ -3962,7 +3974,7 @@
           <a:p>
             <a:fld id="{76FF717D-8E31-4E2C-B968-E8567F519D4A}" type="datetimeFigureOut">
               <a:rPr lang="zh-CN" altLang="en-US" smtClean="0"/>
-              <a:t>2022/4/27</a:t>
+              <a:t>2022/4/28</a:t>
             </a:fld>
             <a:endParaRPr lang="zh-CN" altLang="en-US"/>
           </a:p>
@@ -4217,7 +4229,7 @@
           <a:p>
             <a:fld id="{76FF717D-8E31-4E2C-B968-E8567F519D4A}" type="datetimeFigureOut">
               <a:rPr lang="zh-CN" altLang="en-US" smtClean="0"/>
-              <a:t>2022/4/27</a:t>
+              <a:t>2022/4/28</a:t>
             </a:fld>
             <a:endParaRPr lang="zh-CN" altLang="en-US"/>
           </a:p>
@@ -4500,7 +4512,7 @@
           <a:p>
             <a:fld id="{76FF717D-8E31-4E2C-B968-E8567F519D4A}" type="datetimeFigureOut">
               <a:rPr lang="zh-CN" altLang="en-US" smtClean="0"/>
-              <a:t>2022/4/27</a:t>
+              <a:t>2022/4/28</a:t>
             </a:fld>
             <a:endParaRPr lang="zh-CN" altLang="en-US"/>
           </a:p>
@@ -4906,7 +4918,7 @@
           <a:p>
             <a:fld id="{76FF717D-8E31-4E2C-B968-E8567F519D4A}" type="datetimeFigureOut">
               <a:rPr lang="zh-CN" altLang="en-US" smtClean="0"/>
-              <a:t>2022/4/27</a:t>
+              <a:t>2022/4/28</a:t>
             </a:fld>
             <a:endParaRPr lang="zh-CN" altLang="en-US"/>
           </a:p>
@@ -5815,7 +5827,7 @@
           <p:cNvPr id="2" name="标题 1">
             <a:extLst>
               <a:ext uri="{FF2B5EF4-FFF2-40B4-BE49-F238E27FC236}">
-                <a16:creationId xmlns:a16="http://schemas.microsoft.com/office/drawing/2014/main" id="{26568A6B-6191-4B71-9491-9938875FCCED}"/>
+                <a16:creationId xmlns:a16="http://schemas.microsoft.com/office/drawing/2014/main" id="{0E2091A3-B0E5-4C13-B508-AD0BFA3D83E2}"/>
               </a:ext>
             </a:extLst>
           </p:cNvPr>
@@ -5826,14 +5838,23 @@
             <p:ph type="title"/>
           </p:nvPr>
         </p:nvSpPr>
-        <p:spPr/>
+        <p:spPr>
+          <a:xfrm>
+            <a:off x="684212" y="5227982"/>
+            <a:ext cx="8534400" cy="1507067"/>
+          </a:xfrm>
+        </p:spPr>
         <p:txBody>
           <a:bodyPr/>
           <a:lstStyle/>
           <a:p>
             <a:r>
+              <a:rPr lang="en-US" altLang="zh-CN" dirty="0"/>
+              <a:t>3.</a:t>
+            </a:r>
+            <a:r>
               <a:rPr lang="zh-CN" altLang="en-US" dirty="0"/>
-              <a:t>接下来的工作</a:t>
+              <a:t>导出课程表功能</a:t>
             </a:r>
           </a:p>
         </p:txBody>
@@ -5843,7 +5864,7 @@
           <p:cNvPr id="3" name="内容占位符 2">
             <a:extLst>
               <a:ext uri="{FF2B5EF4-FFF2-40B4-BE49-F238E27FC236}">
-                <a16:creationId xmlns:a16="http://schemas.microsoft.com/office/drawing/2014/main" id="{79D6071D-5EC6-47F1-9024-382514D0937B}"/>
+                <a16:creationId xmlns:a16="http://schemas.microsoft.com/office/drawing/2014/main" id="{9A6474BC-0499-436F-A3F8-7E1421365DDA}"/>
               </a:ext>
             </a:extLst>
           </p:cNvPr>
@@ -5857,34 +5878,68 @@
         <p:spPr>
           <a:xfrm>
             <a:off x="684212" y="685800"/>
-            <a:ext cx="11024084" cy="4174435"/>
-          </a:xfrm>
-        </p:spPr>
-        <p:txBody>
-          <a:bodyPr>
-            <a:normAutofit/>
-          </a:bodyPr>
-          <a:lstStyle/>
-          <a:p>
-            <a:r>
-              <a:rPr lang="zh-CN" altLang="en-US" sz="3600" dirty="0"/>
-              <a:t>完善现有功能，开发出文件压缩功能以及冲突检测功能，并与活动管理系统联动；将输出功能完善，做得更美观，并增加输出课程表的功能；尝试使用</a:t>
-            </a:r>
-            <a:r>
-              <a:rPr lang="en-US" altLang="zh-CN" sz="3600" dirty="0"/>
-              <a:t>qt</a:t>
-            </a:r>
-            <a:r>
-              <a:rPr lang="zh-CN" altLang="en-US" sz="3600" dirty="0"/>
-              <a:t>进行可视化。</a:t>
-            </a:r>
-          </a:p>
-        </p:txBody>
-      </p:sp>
+            <a:ext cx="8534400" cy="944217"/>
+          </a:xfrm>
+        </p:spPr>
+        <p:txBody>
+          <a:bodyPr/>
+          <a:lstStyle/>
+          <a:p>
+            <a:r>
+              <a:rPr lang="zh-CN" altLang="en-US" dirty="0"/>
+              <a:t>利用</a:t>
+            </a:r>
+            <a:r>
+              <a:rPr lang="en-US" altLang="zh-CN" dirty="0"/>
+              <a:t>.csv</a:t>
+            </a:r>
+            <a:r>
+              <a:rPr lang="zh-CN" altLang="en-US" dirty="0"/>
+              <a:t>文件简易的格式将课程数据导出为课程表并将其展示出来</a:t>
+            </a:r>
+          </a:p>
+        </p:txBody>
+      </p:sp>
+      <p:pic>
+        <p:nvPicPr>
+          <p:cNvPr id="5" name="图片 4">
+            <a:extLst>
+              <a:ext uri="{FF2B5EF4-FFF2-40B4-BE49-F238E27FC236}">
+                <a16:creationId xmlns:a16="http://schemas.microsoft.com/office/drawing/2014/main" id="{003C48D1-3366-47EF-8E25-8CF4221BA4AC}"/>
+              </a:ext>
+            </a:extLst>
+          </p:cNvPr>
+          <p:cNvPicPr>
+            <a:picLocks noChangeAspect="1"/>
+          </p:cNvPicPr>
+          <p:nvPr/>
+        </p:nvPicPr>
+        <p:blipFill>
+          <a:blip r:embed="rId2">
+            <a:extLst>
+              <a:ext uri="{28A0092B-C50C-407E-A947-70E740481C1C}">
+                <a14:useLocalDpi xmlns:a14="http://schemas.microsoft.com/office/drawing/2010/main" val="0"/>
+              </a:ext>
+            </a:extLst>
+          </a:blip>
+          <a:stretch>
+            <a:fillRect/>
+          </a:stretch>
+        </p:blipFill>
+        <p:spPr>
+          <a:xfrm>
+            <a:off x="3098424" y="1692427"/>
+            <a:ext cx="5995152" cy="3473145"/>
+          </a:xfrm>
+          <a:prstGeom prst="rect">
+            <a:avLst/>
+          </a:prstGeom>
+        </p:spPr>
+      </p:pic>
     </p:spTree>
     <p:extLst>
       <p:ext uri="{BB962C8B-B14F-4D97-AF65-F5344CB8AC3E}">
-        <p14:creationId xmlns:p14="http://schemas.microsoft.com/office/powerpoint/2010/main" val="2678168168"/>
+        <p14:creationId xmlns:p14="http://schemas.microsoft.com/office/powerpoint/2010/main" val="2136780617"/>
       </p:ext>
     </p:extLst>
   </p:cSld>
@@ -5916,7 +5971,7 @@
           <p:cNvPr id="2" name="标题 1">
             <a:extLst>
               <a:ext uri="{FF2B5EF4-FFF2-40B4-BE49-F238E27FC236}">
-                <a16:creationId xmlns:a16="http://schemas.microsoft.com/office/drawing/2014/main" id="{AB0482B1-7516-41F7-9695-2D201B410237}"/>
+                <a16:creationId xmlns:a16="http://schemas.microsoft.com/office/drawing/2014/main" id="{26568A6B-6191-4B71-9491-9938875FCCED}"/>
               </a:ext>
             </a:extLst>
           </p:cNvPr>
@@ -5927,20 +5982,57 @@
             <p:ph type="title"/>
           </p:nvPr>
         </p:nvSpPr>
+        <p:spPr/>
+        <p:txBody>
+          <a:bodyPr/>
+          <a:lstStyle/>
+          <a:p>
+            <a:r>
+              <a:rPr lang="zh-CN" altLang="en-US" dirty="0"/>
+              <a:t>接下来的工作</a:t>
+            </a:r>
+          </a:p>
+        </p:txBody>
+      </p:sp>
+      <p:sp>
+        <p:nvSpPr>
+          <p:cNvPr id="3" name="内容占位符 2">
+            <a:extLst>
+              <a:ext uri="{FF2B5EF4-FFF2-40B4-BE49-F238E27FC236}">
+                <a16:creationId xmlns:a16="http://schemas.microsoft.com/office/drawing/2014/main" id="{79D6071D-5EC6-47F1-9024-382514D0937B}"/>
+              </a:ext>
+            </a:extLst>
+          </p:cNvPr>
+          <p:cNvSpPr>
+            <a:spLocks noGrp="1"/>
+          </p:cNvSpPr>
+          <p:nvPr>
+            <p:ph idx="1"/>
+          </p:nvPr>
+        </p:nvSpPr>
         <p:spPr>
           <a:xfrm>
-            <a:off x="1828800" y="2675466"/>
-            <a:ext cx="8534400" cy="1507067"/>
-          </a:xfrm>
-        </p:spPr>
-        <p:txBody>
-          <a:bodyPr/>
-          <a:lstStyle/>
-          <a:p>
-            <a:pPr algn="ctr"/>
-            <a:r>
-              <a:rPr lang="zh-CN" altLang="en-US" dirty="0"/>
-              <a:t>活动管理系统进度汇报</a:t>
+            <a:off x="684212" y="685800"/>
+            <a:ext cx="11024084" cy="4174435"/>
+          </a:xfrm>
+        </p:spPr>
+        <p:txBody>
+          <a:bodyPr>
+            <a:normAutofit/>
+          </a:bodyPr>
+          <a:lstStyle/>
+          <a:p>
+            <a:r>
+              <a:rPr lang="zh-CN" altLang="en-US" sz="3600" dirty="0"/>
+              <a:t>完善现有功能，开发出文件压缩功能以及冲突检测功能，并与活动管理系统联动；将输出功能完善，做得更美观，并增加输出课程表的功能；尝试使用</a:t>
+            </a:r>
+            <a:r>
+              <a:rPr lang="en-US" altLang="zh-CN" sz="3600" dirty="0"/>
+              <a:t>qt</a:t>
+            </a:r>
+            <a:r>
+              <a:rPr lang="zh-CN" altLang="en-US" sz="3600" dirty="0"/>
+              <a:t>进行可视化。</a:t>
             </a:r>
           </a:p>
         </p:txBody>
@@ -5948,7 +6040,7 @@
     </p:spTree>
     <p:extLst>
       <p:ext uri="{BB962C8B-B14F-4D97-AF65-F5344CB8AC3E}">
-        <p14:creationId xmlns:p14="http://schemas.microsoft.com/office/powerpoint/2010/main" val="2739671691"/>
+        <p14:creationId xmlns:p14="http://schemas.microsoft.com/office/powerpoint/2010/main" val="2678168168"/>
       </p:ext>
     </p:extLst>
   </p:cSld>
@@ -5980,7 +6072,7 @@
           <p:cNvPr id="2" name="标题 1">
             <a:extLst>
               <a:ext uri="{FF2B5EF4-FFF2-40B4-BE49-F238E27FC236}">
-                <a16:creationId xmlns:a16="http://schemas.microsoft.com/office/drawing/2014/main" id="{C416872A-00CE-4B31-A593-044EE021A1A5}"/>
+                <a16:creationId xmlns:a16="http://schemas.microsoft.com/office/drawing/2014/main" id="{AB0482B1-7516-41F7-9695-2D201B410237}"/>
               </a:ext>
             </a:extLst>
           </p:cNvPr>
@@ -5988,156 +6080,31 @@
             <a:spLocks noGrp="1"/>
           </p:cNvSpPr>
           <p:nvPr>
-            <p:ph type="ctrTitle"/>
+            <p:ph type="title"/>
           </p:nvPr>
         </p:nvSpPr>
         <p:spPr>
           <a:xfrm>
-            <a:off x="684212" y="685799"/>
-            <a:ext cx="8001000" cy="1046019"/>
+            <a:off x="1828800" y="2675466"/>
+            <a:ext cx="8534400" cy="1507067"/>
           </a:xfrm>
         </p:spPr>
         <p:txBody>
           <a:bodyPr/>
           <a:lstStyle/>
           <a:p>
+            <a:pPr algn="ctr"/>
             <a:r>
               <a:rPr lang="zh-CN" altLang="en-US" dirty="0"/>
-              <a:t>进度</a:t>
-            </a:r>
-          </a:p>
-        </p:txBody>
-      </p:sp>
-      <p:sp>
-        <p:nvSpPr>
-          <p:cNvPr id="3" name="副标题 2">
-            <a:extLst>
-              <a:ext uri="{FF2B5EF4-FFF2-40B4-BE49-F238E27FC236}">
-                <a16:creationId xmlns:a16="http://schemas.microsoft.com/office/drawing/2014/main" id="{55BAF856-1CAD-4F65-B553-A200BDF5B8A4}"/>
-              </a:ext>
-            </a:extLst>
-          </p:cNvPr>
-          <p:cNvSpPr>
-            <a:spLocks noGrp="1"/>
-          </p:cNvSpPr>
-          <p:nvPr>
-            <p:ph type="subTitle" idx="1"/>
-          </p:nvPr>
-        </p:nvSpPr>
-        <p:spPr>
-          <a:xfrm>
-            <a:off x="102321" y="1918856"/>
-            <a:ext cx="11147570" cy="4253345"/>
-          </a:xfrm>
-        </p:spPr>
-        <p:txBody>
-          <a:bodyPr/>
-          <a:lstStyle/>
-          <a:p>
-            <a:pPr marL="342900" indent="-342900">
-              <a:buFontTx/>
-              <a:buChar char="-"/>
-            </a:pPr>
-            <a:r>
-              <a:rPr lang="zh-CN" altLang="en-US" dirty="0"/>
-              <a:t>完成了持久化存储</a:t>
-            </a:r>
-            <a:r>
-              <a:rPr lang="en-US" altLang="zh-CN" dirty="0"/>
-              <a:t>【</a:t>
-            </a:r>
-            <a:r>
-              <a:rPr lang="zh-CN" altLang="en-US" dirty="0"/>
-              <a:t>流式文件读取活动列表</a:t>
-            </a:r>
-            <a:r>
-              <a:rPr lang="en-US" altLang="zh-CN" dirty="0"/>
-              <a:t>】</a:t>
-            </a:r>
-          </a:p>
-          <a:p>
-            <a:pPr marL="342900" indent="-342900">
-              <a:buFontTx/>
-              <a:buChar char="-"/>
-            </a:pPr>
-            <a:r>
-              <a:rPr lang="zh-CN" altLang="en-US" dirty="0"/>
-              <a:t>完成了基本的增、查功能</a:t>
-            </a:r>
-            <a:endParaRPr lang="en-US" altLang="zh-CN" dirty="0"/>
-          </a:p>
-          <a:p>
-            <a:pPr marL="342900" indent="-342900">
-              <a:buFontTx/>
-              <a:buChar char="-"/>
-            </a:pPr>
-            <a:r>
-              <a:rPr lang="zh-CN" altLang="en-US" dirty="0"/>
-              <a:t>设计了基本的闹钟类、</a:t>
-            </a:r>
-            <a:r>
-              <a:rPr lang="en-US" altLang="zh-CN" dirty="0"/>
-              <a:t>HashMap</a:t>
-            </a:r>
-            <a:r>
-              <a:rPr lang="zh-CN" altLang="en-US" dirty="0"/>
-              <a:t>结构，正在调试</a:t>
-            </a:r>
-            <a:endParaRPr lang="en-US" altLang="zh-CN" dirty="0"/>
-          </a:p>
-          <a:p>
-            <a:endParaRPr lang="en-US" altLang="zh-CN" dirty="0"/>
-          </a:p>
-          <a:p>
-            <a:endParaRPr lang="en-US" altLang="zh-CN" dirty="0"/>
-          </a:p>
-          <a:p>
-            <a:r>
-              <a:rPr lang="en-US" altLang="zh-CN" dirty="0"/>
-              <a:t>								</a:t>
-            </a:r>
-            <a:r>
-              <a:rPr lang="zh-CN" altLang="en-US" dirty="0"/>
-              <a:t>活动类设计如右图：</a:t>
-            </a:r>
-            <a:endParaRPr lang="en-US" altLang="zh-CN" dirty="0"/>
-          </a:p>
-        </p:txBody>
-      </p:sp>
-      <p:pic>
-        <p:nvPicPr>
-          <p:cNvPr id="5" name="图片 4">
-            <a:extLst>
-              <a:ext uri="{FF2B5EF4-FFF2-40B4-BE49-F238E27FC236}">
-                <a16:creationId xmlns:a16="http://schemas.microsoft.com/office/drawing/2014/main" id="{D3C3705C-D042-4170-8CF3-C53804FBE047}"/>
-              </a:ext>
-            </a:extLst>
-          </p:cNvPr>
-          <p:cNvPicPr>
-            <a:picLocks noChangeAspect="1"/>
-          </p:cNvPicPr>
-          <p:nvPr/>
-        </p:nvPicPr>
-        <p:blipFill>
-          <a:blip r:embed="rId2"/>
-          <a:stretch>
-            <a:fillRect/>
-          </a:stretch>
-        </p:blipFill>
-        <p:spPr>
-          <a:xfrm>
-            <a:off x="6996025" y="1731818"/>
-            <a:ext cx="4433054" cy="4024746"/>
-          </a:xfrm>
-          <a:prstGeom prst="rect">
-            <a:avLst/>
-          </a:prstGeom>
-        </p:spPr>
-      </p:pic>
+              <a:t>活动管理系统进度汇报</a:t>
+            </a:r>
+          </a:p>
+        </p:txBody>
+      </p:sp>
     </p:spTree>
     <p:extLst>
       <p:ext uri="{BB962C8B-B14F-4D97-AF65-F5344CB8AC3E}">
-        <p14:creationId xmlns:p14="http://schemas.microsoft.com/office/powerpoint/2010/main" val="1641114051"/>
+        <p14:creationId xmlns:p14="http://schemas.microsoft.com/office/powerpoint/2010/main" val="2739671691"/>
       </p:ext>
     </p:extLst>
   </p:cSld>
@@ -6169,7 +6136,7 @@
           <p:cNvPr id="2" name="标题 1">
             <a:extLst>
               <a:ext uri="{FF2B5EF4-FFF2-40B4-BE49-F238E27FC236}">
-                <a16:creationId xmlns:a16="http://schemas.microsoft.com/office/drawing/2014/main" id="{F24ABE9B-21D5-4DD5-A3F8-44EDB7B89E7D}"/>
+                <a16:creationId xmlns:a16="http://schemas.microsoft.com/office/drawing/2014/main" id="{C416872A-00CE-4B31-A593-044EE021A1A5}"/>
               </a:ext>
             </a:extLst>
           </p:cNvPr>
@@ -6177,77 +6144,156 @@
             <a:spLocks noGrp="1"/>
           </p:cNvSpPr>
           <p:nvPr>
-            <p:ph type="title"/>
+            <p:ph type="ctrTitle"/>
           </p:nvPr>
         </p:nvSpPr>
         <p:spPr>
           <a:xfrm>
-            <a:off x="781194" y="3150368"/>
-            <a:ext cx="8534400" cy="1507067"/>
-          </a:xfrm>
-        </p:spPr>
-        <p:txBody>
-          <a:bodyPr>
-            <a:normAutofit fontScale="90000"/>
-          </a:bodyPr>
+            <a:off x="684212" y="685799"/>
+            <a:ext cx="8001000" cy="1046019"/>
+          </a:xfrm>
+        </p:spPr>
+        <p:txBody>
+          <a:bodyPr/>
           <a:lstStyle/>
           <a:p>
             <a:r>
               <a:rPr lang="zh-CN" altLang="en-US" dirty="0"/>
-              <a:t>活动文件读取</a:t>
-            </a:r>
-            <a:br>
+              <a:t>进度</a:t>
+            </a:r>
+          </a:p>
+        </p:txBody>
+      </p:sp>
+      <p:sp>
+        <p:nvSpPr>
+          <p:cNvPr id="3" name="副标题 2">
+            <a:extLst>
+              <a:ext uri="{FF2B5EF4-FFF2-40B4-BE49-F238E27FC236}">
+                <a16:creationId xmlns:a16="http://schemas.microsoft.com/office/drawing/2014/main" id="{55BAF856-1CAD-4F65-B553-A200BDF5B8A4}"/>
+              </a:ext>
+            </a:extLst>
+          </p:cNvPr>
+          <p:cNvSpPr>
+            <a:spLocks noGrp="1"/>
+          </p:cNvSpPr>
+          <p:nvPr>
+            <p:ph type="subTitle" idx="1"/>
+          </p:nvPr>
+        </p:nvSpPr>
+        <p:spPr>
+          <a:xfrm>
+            <a:off x="102321" y="1918856"/>
+            <a:ext cx="11147570" cy="4253345"/>
+          </a:xfrm>
+        </p:spPr>
+        <p:txBody>
+          <a:bodyPr/>
+          <a:lstStyle/>
+          <a:p>
+            <a:pPr marL="342900" indent="-342900">
+              <a:buFontTx/>
+              <a:buChar char="-"/>
+            </a:pPr>
+            <a:r>
+              <a:rPr lang="zh-CN" altLang="en-US" dirty="0"/>
+              <a:t>完成了持久化存储</a:t>
+            </a:r>
+            <a:r>
               <a:rPr lang="en-US" altLang="zh-CN" dirty="0"/>
-            </a:br>
-            <a:br>
+              <a:t>【</a:t>
+            </a:r>
+            <a:r>
+              <a:rPr lang="zh-CN" altLang="en-US" dirty="0"/>
+              <a:t>流式文件读取活动列表</a:t>
+            </a:r>
+            <a:r>
               <a:rPr lang="en-US" altLang="zh-CN" dirty="0"/>
-            </a:br>
+              <a:t>】</a:t>
+            </a:r>
+          </a:p>
+          <a:p>
+            <a:pPr marL="342900" indent="-342900">
+              <a:buFontTx/>
+              <a:buChar char="-"/>
+            </a:pPr>
             <a:r>
               <a:rPr lang="zh-CN" altLang="en-US" dirty="0"/>
-              <a:t>功能演示</a:t>
-            </a:r>
+              <a:t>完成了基本的增、查功能</a:t>
+            </a:r>
+            <a:endParaRPr lang="en-US" altLang="zh-CN" dirty="0"/>
+          </a:p>
+          <a:p>
+            <a:pPr marL="342900" indent="-342900">
+              <a:buFontTx/>
+              <a:buChar char="-"/>
+            </a:pPr>
+            <a:r>
+              <a:rPr lang="zh-CN" altLang="en-US" dirty="0"/>
+              <a:t>设计了基本的闹钟类、</a:t>
+            </a:r>
+            <a:r>
+              <a:rPr lang="en-US" altLang="zh-CN" dirty="0"/>
+              <a:t>HashMap</a:t>
+            </a:r>
+            <a:r>
+              <a:rPr lang="zh-CN" altLang="en-US" dirty="0"/>
+              <a:t>结构，正在调试</a:t>
+            </a:r>
+            <a:endParaRPr lang="en-US" altLang="zh-CN" dirty="0"/>
+          </a:p>
+          <a:p>
+            <a:endParaRPr lang="en-US" altLang="zh-CN" dirty="0"/>
+          </a:p>
+          <a:p>
+            <a:endParaRPr lang="en-US" altLang="zh-CN" dirty="0"/>
+          </a:p>
+          <a:p>
+            <a:r>
+              <a:rPr lang="en-US" altLang="zh-CN" dirty="0"/>
+              <a:t>								</a:t>
+            </a:r>
+            <a:r>
+              <a:rPr lang="zh-CN" altLang="en-US" dirty="0"/>
+              <a:t>活动类设计如右图：</a:t>
+            </a:r>
+            <a:endParaRPr lang="en-US" altLang="zh-CN" dirty="0"/>
           </a:p>
         </p:txBody>
       </p:sp>
       <p:pic>
         <p:nvPicPr>
-          <p:cNvPr id="5" name="内容占位符 4">
+          <p:cNvPr id="5" name="图片 4">
             <a:extLst>
               <a:ext uri="{FF2B5EF4-FFF2-40B4-BE49-F238E27FC236}">
-                <a16:creationId xmlns:a16="http://schemas.microsoft.com/office/drawing/2014/main" id="{70E4F388-C6C6-4BCC-A873-E7CB32C54453}"/>
+                <a16:creationId xmlns:a16="http://schemas.microsoft.com/office/drawing/2014/main" id="{D3C3705C-D042-4170-8CF3-C53804FBE047}"/>
               </a:ext>
             </a:extLst>
           </p:cNvPr>
           <p:cNvPicPr>
-            <a:picLocks noGrp="1" noChangeAspect="1"/>
+            <a:picLocks noChangeAspect="1"/>
           </p:cNvPicPr>
-          <p:nvPr>
-            <p:ph idx="1"/>
-          </p:nvPr>
+          <p:nvPr/>
         </p:nvPicPr>
         <p:blipFill>
-          <a:blip r:embed="rId2">
-            <a:extLst>
-              <a:ext uri="{28A0092B-C50C-407E-A947-70E740481C1C}">
-                <a14:useLocalDpi xmlns:a14="http://schemas.microsoft.com/office/drawing/2010/main" val="0"/>
-              </a:ext>
-            </a:extLst>
-          </a:blip>
+          <a:blip r:embed="rId2"/>
           <a:stretch>
             <a:fillRect/>
           </a:stretch>
         </p:blipFill>
         <p:spPr>
           <a:xfrm>
-            <a:off x="4213788" y="397287"/>
-            <a:ext cx="7680339" cy="6063426"/>
-          </a:xfrm>
+            <a:off x="6996025" y="1731818"/>
+            <a:ext cx="4433054" cy="4024746"/>
+          </a:xfrm>
+          <a:prstGeom prst="rect">
+            <a:avLst/>
+          </a:prstGeom>
         </p:spPr>
       </p:pic>
     </p:spTree>
     <p:extLst>
       <p:ext uri="{BB962C8B-B14F-4D97-AF65-F5344CB8AC3E}">
-        <p14:creationId xmlns:p14="http://schemas.microsoft.com/office/powerpoint/2010/main" val="2196803834"/>
+        <p14:creationId xmlns:p14="http://schemas.microsoft.com/office/powerpoint/2010/main" val="1641114051"/>
       </p:ext>
     </p:extLst>
   </p:cSld>
@@ -6304,7 +6350,7 @@
           <a:p>
             <a:r>
               <a:rPr lang="zh-CN" altLang="en-US" dirty="0"/>
-              <a:t>活动添加</a:t>
+              <a:t>活动文件读取</a:t>
             </a:r>
             <a:br>
               <a:rPr lang="en-US" altLang="zh-CN" dirty="0"/>
@@ -6321,10 +6367,10 @@
       </p:sp>
       <p:pic>
         <p:nvPicPr>
-          <p:cNvPr id="7" name="内容占位符 6">
+          <p:cNvPr id="5" name="内容占位符 4">
             <a:extLst>
               <a:ext uri="{FF2B5EF4-FFF2-40B4-BE49-F238E27FC236}">
-                <a16:creationId xmlns:a16="http://schemas.microsoft.com/office/drawing/2014/main" id="{BEA40B67-A52D-4160-B334-90AAF57C0B13}"/>
+                <a16:creationId xmlns:a16="http://schemas.microsoft.com/office/drawing/2014/main" id="{70E4F388-C6C6-4BCC-A873-E7CB32C54453}"/>
               </a:ext>
             </a:extLst>
           </p:cNvPr>
@@ -6349,15 +6395,15 @@
         </p:blipFill>
         <p:spPr>
           <a:xfrm>
-            <a:off x="4485540" y="695342"/>
-            <a:ext cx="6925266" cy="5467315"/>
+            <a:off x="4213788" y="397287"/>
+            <a:ext cx="7680339" cy="6063426"/>
           </a:xfrm>
         </p:spPr>
       </p:pic>
     </p:spTree>
     <p:extLst>
       <p:ext uri="{BB962C8B-B14F-4D97-AF65-F5344CB8AC3E}">
-        <p14:creationId xmlns:p14="http://schemas.microsoft.com/office/powerpoint/2010/main" val="420532448"/>
+        <p14:creationId xmlns:p14="http://schemas.microsoft.com/office/powerpoint/2010/main" val="2196803834"/>
       </p:ext>
     </p:extLst>
   </p:cSld>
@@ -6389,7 +6435,7 @@
           <p:cNvPr id="2" name="标题 1">
             <a:extLst>
               <a:ext uri="{FF2B5EF4-FFF2-40B4-BE49-F238E27FC236}">
-                <a16:creationId xmlns:a16="http://schemas.microsoft.com/office/drawing/2014/main" id="{8435E023-9447-4AAB-AA60-B705B383EC5F}"/>
+                <a16:creationId xmlns:a16="http://schemas.microsoft.com/office/drawing/2014/main" id="{F24ABE9B-21D5-4DD5-A3F8-44EDB7B89E7D}"/>
               </a:ext>
             </a:extLst>
           </p:cNvPr>
@@ -6402,26 +6448,72 @@
         </p:nvSpPr>
         <p:spPr>
           <a:xfrm>
-            <a:off x="1828800" y="2675466"/>
+            <a:off x="781194" y="3150368"/>
             <a:ext cx="8534400" cy="1507067"/>
           </a:xfrm>
         </p:spPr>
         <p:txBody>
-          <a:bodyPr/>
-          <a:lstStyle/>
-          <a:p>
-            <a:pPr algn="ctr"/>
+          <a:bodyPr>
+            <a:normAutofit fontScale="90000"/>
+          </a:bodyPr>
+          <a:lstStyle/>
+          <a:p>
             <a:r>
               <a:rPr lang="zh-CN" altLang="en-US" dirty="0"/>
-              <a:t>导航系统进度汇报</a:t>
-            </a:r>
-          </a:p>
-        </p:txBody>
-      </p:sp>
+              <a:t>活动添加</a:t>
+            </a:r>
+            <a:br>
+              <a:rPr lang="en-US" altLang="zh-CN" dirty="0"/>
+            </a:br>
+            <a:br>
+              <a:rPr lang="en-US" altLang="zh-CN" dirty="0"/>
+            </a:br>
+            <a:r>
+              <a:rPr lang="zh-CN" altLang="en-US" dirty="0"/>
+              <a:t>功能演示</a:t>
+            </a:r>
+          </a:p>
+        </p:txBody>
+      </p:sp>
+      <p:pic>
+        <p:nvPicPr>
+          <p:cNvPr id="7" name="内容占位符 6">
+            <a:extLst>
+              <a:ext uri="{FF2B5EF4-FFF2-40B4-BE49-F238E27FC236}">
+                <a16:creationId xmlns:a16="http://schemas.microsoft.com/office/drawing/2014/main" id="{BEA40B67-A52D-4160-B334-90AAF57C0B13}"/>
+              </a:ext>
+            </a:extLst>
+          </p:cNvPr>
+          <p:cNvPicPr>
+            <a:picLocks noGrp="1" noChangeAspect="1"/>
+          </p:cNvPicPr>
+          <p:nvPr>
+            <p:ph idx="1"/>
+          </p:nvPr>
+        </p:nvPicPr>
+        <p:blipFill>
+          <a:blip r:embed="rId2">
+            <a:extLst>
+              <a:ext uri="{28A0092B-C50C-407E-A947-70E740481C1C}">
+                <a14:useLocalDpi xmlns:a14="http://schemas.microsoft.com/office/drawing/2010/main" val="0"/>
+              </a:ext>
+            </a:extLst>
+          </a:blip>
+          <a:stretch>
+            <a:fillRect/>
+          </a:stretch>
+        </p:blipFill>
+        <p:spPr>
+          <a:xfrm>
+            <a:off x="4485540" y="695342"/>
+            <a:ext cx="6925266" cy="5467315"/>
+          </a:xfrm>
+        </p:spPr>
+      </p:pic>
     </p:spTree>
     <p:extLst>
       <p:ext uri="{BB962C8B-B14F-4D97-AF65-F5344CB8AC3E}">
-        <p14:creationId xmlns:p14="http://schemas.microsoft.com/office/powerpoint/2010/main" val="210254709"/>
+        <p14:creationId xmlns:p14="http://schemas.microsoft.com/office/powerpoint/2010/main" val="420532448"/>
       </p:ext>
     </p:extLst>
   </p:cSld>
@@ -6453,7 +6545,7 @@
           <p:cNvPr id="2" name="标题 1">
             <a:extLst>
               <a:ext uri="{FF2B5EF4-FFF2-40B4-BE49-F238E27FC236}">
-                <a16:creationId xmlns:a16="http://schemas.microsoft.com/office/drawing/2014/main" id="{88B751DC-AC7B-453E-996C-D7ECEC3A0EFB}"/>
+                <a16:creationId xmlns:a16="http://schemas.microsoft.com/office/drawing/2014/main" id="{8435E023-9447-4AAB-AA60-B705B383EC5F}"/>
               </a:ext>
             </a:extLst>
           </p:cNvPr>
@@ -6471,15 +6563,13 @@
           </a:xfrm>
         </p:spPr>
         <p:txBody>
-          <a:bodyPr>
-            <a:normAutofit/>
-          </a:bodyPr>
+          <a:bodyPr/>
           <a:lstStyle/>
           <a:p>
             <a:pPr algn="ctr"/>
             <a:r>
               <a:rPr lang="zh-CN" altLang="en-US" dirty="0"/>
-              <a:t>实机演示</a:t>
+              <a:t>导航系统进度汇报</a:t>
             </a:r>
           </a:p>
         </p:txBody>
@@ -6487,7 +6577,7 @@
     </p:spTree>
     <p:extLst>
       <p:ext uri="{BB962C8B-B14F-4D97-AF65-F5344CB8AC3E}">
-        <p14:creationId xmlns:p14="http://schemas.microsoft.com/office/powerpoint/2010/main" val="2862554187"/>
+        <p14:creationId xmlns:p14="http://schemas.microsoft.com/office/powerpoint/2010/main" val="210254709"/>
       </p:ext>
     </p:extLst>
   </p:cSld>
@@ -6562,6 +6652,573 @@
 </file>
 
 <file path=ppt/slides/slide20.xml><?xml version="1.0" encoding="utf-8"?>
+<p:sld xmlns:a="http://schemas.openxmlformats.org/drawingml/2006/main" xmlns:r="http://schemas.openxmlformats.org/officeDocument/2006/relationships" xmlns:p="http://schemas.openxmlformats.org/presentationml/2006/main">
+  <p:cSld>
+    <p:spTree>
+      <p:nvGrpSpPr>
+        <p:cNvPr id="1" name=""/>
+        <p:cNvGrpSpPr/>
+        <p:nvPr/>
+      </p:nvGrpSpPr>
+      <p:grpSpPr>
+        <a:xfrm>
+          <a:off x="0" y="0"/>
+          <a:ext cx="0" cy="0"/>
+          <a:chOff x="0" y="0"/>
+          <a:chExt cx="0" cy="0"/>
+        </a:xfrm>
+      </p:grpSpPr>
+      <p:sp>
+        <p:nvSpPr>
+          <p:cNvPr id="2" name="标题 1">
+            <a:extLst>
+              <a:ext uri="{FF2B5EF4-FFF2-40B4-BE49-F238E27FC236}">
+                <a16:creationId xmlns:a16="http://schemas.microsoft.com/office/drawing/2014/main" id="{1904082C-53C4-49D5-9496-F8E9F20E8A60}"/>
+              </a:ext>
+            </a:extLst>
+          </p:cNvPr>
+          <p:cNvSpPr>
+            <a:spLocks noGrp="1"/>
+          </p:cNvSpPr>
+          <p:nvPr>
+            <p:ph type="title"/>
+          </p:nvPr>
+        </p:nvSpPr>
+        <p:spPr/>
+        <p:txBody>
+          <a:bodyPr/>
+          <a:lstStyle/>
+          <a:p>
+            <a:endParaRPr lang="zh-CN" altLang="en-US"/>
+          </a:p>
+        </p:txBody>
+      </p:sp>
+      <p:pic>
+        <p:nvPicPr>
+          <p:cNvPr id="5" name="内容占位符 4">
+            <a:extLst>
+              <a:ext uri="{FF2B5EF4-FFF2-40B4-BE49-F238E27FC236}">
+                <a16:creationId xmlns:a16="http://schemas.microsoft.com/office/drawing/2014/main" id="{11A3A20E-F16F-48C9-B07D-949D1F1A0A56}"/>
+              </a:ext>
+            </a:extLst>
+          </p:cNvPr>
+          <p:cNvPicPr>
+            <a:picLocks noGrp="1" noChangeAspect="1"/>
+          </p:cNvPicPr>
+          <p:nvPr>
+            <p:ph idx="1"/>
+          </p:nvPr>
+        </p:nvPicPr>
+        <p:blipFill>
+          <a:blip r:embed="rId2">
+            <a:extLst>
+              <a:ext uri="{28A0092B-C50C-407E-A947-70E740481C1C}">
+                <a14:useLocalDpi xmlns:a14="http://schemas.microsoft.com/office/drawing/2010/main" val="0"/>
+              </a:ext>
+            </a:extLst>
+          </a:blip>
+          <a:stretch>
+            <a:fillRect/>
+          </a:stretch>
+        </p:blipFill>
+        <p:spPr>
+          <a:xfrm>
+            <a:off x="1340715" y="-395968"/>
+            <a:ext cx="9965192" cy="7253968"/>
+          </a:xfrm>
+        </p:spPr>
+      </p:pic>
+    </p:spTree>
+    <p:extLst>
+      <p:ext uri="{BB962C8B-B14F-4D97-AF65-F5344CB8AC3E}">
+        <p14:creationId xmlns:p14="http://schemas.microsoft.com/office/powerpoint/2010/main" val="4192708885"/>
+      </p:ext>
+    </p:extLst>
+  </p:cSld>
+  <p:clrMapOvr>
+    <a:masterClrMapping/>
+  </p:clrMapOvr>
+</p:sld>
+</file>
+
+<file path=ppt/slides/slide21.xml><?xml version="1.0" encoding="utf-8"?>
+<p:sld xmlns:a="http://schemas.openxmlformats.org/drawingml/2006/main" xmlns:r="http://schemas.openxmlformats.org/officeDocument/2006/relationships" xmlns:p="http://schemas.openxmlformats.org/presentationml/2006/main">
+  <p:cSld>
+    <p:spTree>
+      <p:nvGrpSpPr>
+        <p:cNvPr id="1" name=""/>
+        <p:cNvGrpSpPr/>
+        <p:nvPr/>
+      </p:nvGrpSpPr>
+      <p:grpSpPr>
+        <a:xfrm>
+          <a:off x="0" y="0"/>
+          <a:ext cx="0" cy="0"/>
+          <a:chOff x="0" y="0"/>
+          <a:chExt cx="0" cy="0"/>
+        </a:xfrm>
+      </p:grpSpPr>
+      <p:sp>
+        <p:nvSpPr>
+          <p:cNvPr id="2" name="标题 1">
+            <a:extLst>
+              <a:ext uri="{FF2B5EF4-FFF2-40B4-BE49-F238E27FC236}">
+                <a16:creationId xmlns:a16="http://schemas.microsoft.com/office/drawing/2014/main" id="{74FC3790-8AF1-446E-9C0A-3D19E891D516}"/>
+              </a:ext>
+            </a:extLst>
+          </p:cNvPr>
+          <p:cNvSpPr>
+            <a:spLocks noGrp="1"/>
+          </p:cNvSpPr>
+          <p:nvPr>
+            <p:ph type="title"/>
+          </p:nvPr>
+        </p:nvSpPr>
+        <p:spPr>
+          <a:xfrm>
+            <a:off x="814841" y="2860413"/>
+            <a:ext cx="8534400" cy="1507067"/>
+          </a:xfrm>
+        </p:spPr>
+        <p:txBody>
+          <a:bodyPr/>
+          <a:lstStyle/>
+          <a:p>
+            <a:r>
+              <a:rPr lang="zh-CN" altLang="en-US" dirty="0"/>
+              <a:t>地图编号</a:t>
+            </a:r>
+            <a:br>
+              <a:rPr lang="en-US" altLang="zh-CN" dirty="0"/>
+            </a:br>
+            <a:endParaRPr lang="zh-CN" altLang="en-US" dirty="0"/>
+          </a:p>
+        </p:txBody>
+      </p:sp>
+      <p:pic>
+        <p:nvPicPr>
+          <p:cNvPr id="5" name="内容占位符 4">
+            <a:extLst>
+              <a:ext uri="{FF2B5EF4-FFF2-40B4-BE49-F238E27FC236}">
+                <a16:creationId xmlns:a16="http://schemas.microsoft.com/office/drawing/2014/main" id="{8690177F-FE28-4C70-9CE6-ABFF03F88840}"/>
+              </a:ext>
+            </a:extLst>
+          </p:cNvPr>
+          <p:cNvPicPr>
+            <a:picLocks noGrp="1" noChangeAspect="1"/>
+          </p:cNvPicPr>
+          <p:nvPr>
+            <p:ph idx="1"/>
+          </p:nvPr>
+        </p:nvPicPr>
+        <p:blipFill>
+          <a:blip r:embed="rId2">
+            <a:extLst>
+              <a:ext uri="{28A0092B-C50C-407E-A947-70E740481C1C}">
+                <a14:useLocalDpi xmlns:a14="http://schemas.microsoft.com/office/drawing/2010/main" val="0"/>
+              </a:ext>
+            </a:extLst>
+          </a:blip>
+          <a:stretch>
+            <a:fillRect/>
+          </a:stretch>
+        </p:blipFill>
+        <p:spPr>
+          <a:xfrm>
+            <a:off x="5958487" y="-181098"/>
+            <a:ext cx="5549301" cy="7822806"/>
+          </a:xfrm>
+        </p:spPr>
+      </p:pic>
+    </p:spTree>
+    <p:extLst>
+      <p:ext uri="{BB962C8B-B14F-4D97-AF65-F5344CB8AC3E}">
+        <p14:creationId xmlns:p14="http://schemas.microsoft.com/office/powerpoint/2010/main" val="2491112080"/>
+      </p:ext>
+    </p:extLst>
+  </p:cSld>
+  <p:clrMapOvr>
+    <a:masterClrMapping/>
+  </p:clrMapOvr>
+</p:sld>
+</file>
+
+<file path=ppt/slides/slide22.xml><?xml version="1.0" encoding="utf-8"?>
+<p:sld xmlns:a="http://schemas.openxmlformats.org/drawingml/2006/main" xmlns:r="http://schemas.openxmlformats.org/officeDocument/2006/relationships" xmlns:p="http://schemas.openxmlformats.org/presentationml/2006/main">
+  <p:cSld>
+    <p:spTree>
+      <p:nvGrpSpPr>
+        <p:cNvPr id="1" name=""/>
+        <p:cNvGrpSpPr/>
+        <p:nvPr/>
+      </p:nvGrpSpPr>
+      <p:grpSpPr>
+        <a:xfrm>
+          <a:off x="0" y="0"/>
+          <a:ext cx="0" cy="0"/>
+          <a:chOff x="0" y="0"/>
+          <a:chExt cx="0" cy="0"/>
+        </a:xfrm>
+      </p:grpSpPr>
+      <p:sp>
+        <p:nvSpPr>
+          <p:cNvPr id="2" name="标题 1">
+            <a:extLst>
+              <a:ext uri="{FF2B5EF4-FFF2-40B4-BE49-F238E27FC236}">
+                <a16:creationId xmlns:a16="http://schemas.microsoft.com/office/drawing/2014/main" id="{A1538EAE-7C79-43B7-B84E-FC533C1C6986}"/>
+              </a:ext>
+            </a:extLst>
+          </p:cNvPr>
+          <p:cNvSpPr>
+            <a:spLocks noGrp="1"/>
+          </p:cNvSpPr>
+          <p:nvPr>
+            <p:ph type="title"/>
+          </p:nvPr>
+        </p:nvSpPr>
+        <p:spPr>
+          <a:xfrm>
+            <a:off x="684212" y="2561963"/>
+            <a:ext cx="8534400" cy="1507067"/>
+          </a:xfrm>
+        </p:spPr>
+        <p:txBody>
+          <a:bodyPr/>
+          <a:lstStyle/>
+          <a:p>
+            <a:r>
+              <a:rPr lang="zh-CN" altLang="en-US" dirty="0"/>
+              <a:t>存储实际距离</a:t>
+            </a:r>
+          </a:p>
+        </p:txBody>
+      </p:sp>
+      <p:pic>
+        <p:nvPicPr>
+          <p:cNvPr id="5" name="图片 4">
+            <a:extLst>
+              <a:ext uri="{FF2B5EF4-FFF2-40B4-BE49-F238E27FC236}">
+                <a16:creationId xmlns:a16="http://schemas.microsoft.com/office/drawing/2014/main" id="{0C03BB11-F1AC-4001-9AFC-23BFE4258601}"/>
+              </a:ext>
+            </a:extLst>
+          </p:cNvPr>
+          <p:cNvPicPr>
+            <a:picLocks noChangeAspect="1"/>
+          </p:cNvPicPr>
+          <p:nvPr/>
+        </p:nvPicPr>
+        <p:blipFill>
+          <a:blip r:embed="rId2"/>
+          <a:stretch>
+            <a:fillRect/>
+          </a:stretch>
+        </p:blipFill>
+        <p:spPr>
+          <a:xfrm>
+            <a:off x="4048429" y="706418"/>
+            <a:ext cx="7372729" cy="4756394"/>
+          </a:xfrm>
+          <a:prstGeom prst="rect">
+            <a:avLst/>
+          </a:prstGeom>
+        </p:spPr>
+      </p:pic>
+    </p:spTree>
+    <p:extLst>
+      <p:ext uri="{BB962C8B-B14F-4D97-AF65-F5344CB8AC3E}">
+        <p14:creationId xmlns:p14="http://schemas.microsoft.com/office/powerpoint/2010/main" val="3133870084"/>
+      </p:ext>
+    </p:extLst>
+  </p:cSld>
+  <p:clrMapOvr>
+    <a:masterClrMapping/>
+  </p:clrMapOvr>
+</p:sld>
+</file>
+
+<file path=ppt/slides/slide23.xml><?xml version="1.0" encoding="utf-8"?>
+<p:sld xmlns:a="http://schemas.openxmlformats.org/drawingml/2006/main" xmlns:r="http://schemas.openxmlformats.org/officeDocument/2006/relationships" xmlns:p="http://schemas.openxmlformats.org/presentationml/2006/main">
+  <p:cSld>
+    <p:spTree>
+      <p:nvGrpSpPr>
+        <p:cNvPr id="1" name=""/>
+        <p:cNvGrpSpPr/>
+        <p:nvPr/>
+      </p:nvGrpSpPr>
+      <p:grpSpPr>
+        <a:xfrm>
+          <a:off x="0" y="0"/>
+          <a:ext cx="0" cy="0"/>
+          <a:chOff x="0" y="0"/>
+          <a:chExt cx="0" cy="0"/>
+        </a:xfrm>
+      </p:grpSpPr>
+      <p:sp>
+        <p:nvSpPr>
+          <p:cNvPr id="2" name="标题 1">
+            <a:extLst>
+              <a:ext uri="{FF2B5EF4-FFF2-40B4-BE49-F238E27FC236}">
+                <a16:creationId xmlns:a16="http://schemas.microsoft.com/office/drawing/2014/main" id="{05AFBD86-7BD8-4E4C-AB0F-94FD894EF2D8}"/>
+              </a:ext>
+            </a:extLst>
+          </p:cNvPr>
+          <p:cNvSpPr>
+            <a:spLocks noGrp="1"/>
+          </p:cNvSpPr>
+          <p:nvPr>
+            <p:ph type="title"/>
+          </p:nvPr>
+        </p:nvSpPr>
+        <p:spPr>
+          <a:xfrm>
+            <a:off x="446705" y="1921933"/>
+            <a:ext cx="8534400" cy="1507067"/>
+          </a:xfrm>
+        </p:spPr>
+        <p:txBody>
+          <a:bodyPr/>
+          <a:lstStyle/>
+          <a:p>
+            <a:r>
+              <a:rPr lang="zh-CN" altLang="en-US" dirty="0"/>
+              <a:t>计算导航路径</a:t>
+            </a:r>
+          </a:p>
+        </p:txBody>
+      </p:sp>
+      <p:pic>
+        <p:nvPicPr>
+          <p:cNvPr id="5" name="图片 4">
+            <a:extLst>
+              <a:ext uri="{FF2B5EF4-FFF2-40B4-BE49-F238E27FC236}">
+                <a16:creationId xmlns:a16="http://schemas.microsoft.com/office/drawing/2014/main" id="{C0B9DCF6-01DD-49C1-BF6D-29C17E37F1AC}"/>
+              </a:ext>
+            </a:extLst>
+          </p:cNvPr>
+          <p:cNvPicPr>
+            <a:picLocks noChangeAspect="1"/>
+          </p:cNvPicPr>
+          <p:nvPr/>
+        </p:nvPicPr>
+        <p:blipFill>
+          <a:blip r:embed="rId2"/>
+          <a:stretch>
+            <a:fillRect/>
+          </a:stretch>
+        </p:blipFill>
+        <p:spPr>
+          <a:xfrm>
+            <a:off x="3739020" y="993650"/>
+            <a:ext cx="5473981" cy="4870700"/>
+          </a:xfrm>
+          <a:prstGeom prst="rect">
+            <a:avLst/>
+          </a:prstGeom>
+        </p:spPr>
+      </p:pic>
+      <p:pic>
+        <p:nvPicPr>
+          <p:cNvPr id="9" name="图片 8">
+            <a:extLst>
+              <a:ext uri="{FF2B5EF4-FFF2-40B4-BE49-F238E27FC236}">
+                <a16:creationId xmlns:a16="http://schemas.microsoft.com/office/drawing/2014/main" id="{5616E519-F664-430B-903B-F24DF4E52F38}"/>
+              </a:ext>
+            </a:extLst>
+          </p:cNvPr>
+          <p:cNvPicPr>
+            <a:picLocks noChangeAspect="1"/>
+          </p:cNvPicPr>
+          <p:nvPr/>
+        </p:nvPicPr>
+        <p:blipFill>
+          <a:blip r:embed="rId3"/>
+          <a:stretch>
+            <a:fillRect/>
+          </a:stretch>
+        </p:blipFill>
+        <p:spPr>
+          <a:xfrm>
+            <a:off x="6095999" y="993650"/>
+            <a:ext cx="5473981" cy="4870700"/>
+          </a:xfrm>
+          <a:prstGeom prst="rect">
+            <a:avLst/>
+          </a:prstGeom>
+        </p:spPr>
+      </p:pic>
+    </p:spTree>
+    <p:extLst>
+      <p:ext uri="{BB962C8B-B14F-4D97-AF65-F5344CB8AC3E}">
+        <p14:creationId xmlns:p14="http://schemas.microsoft.com/office/powerpoint/2010/main" val="2384060019"/>
+      </p:ext>
+    </p:extLst>
+  </p:cSld>
+  <p:clrMapOvr>
+    <a:masterClrMapping/>
+  </p:clrMapOvr>
+</p:sld>
+</file>
+
+<file path=ppt/slides/slide24.xml><?xml version="1.0" encoding="utf-8"?>
+<p:sld xmlns:a="http://schemas.openxmlformats.org/drawingml/2006/main" xmlns:r="http://schemas.openxmlformats.org/officeDocument/2006/relationships" xmlns:p="http://schemas.openxmlformats.org/presentationml/2006/main">
+  <p:cSld>
+    <p:spTree>
+      <p:nvGrpSpPr>
+        <p:cNvPr id="1" name=""/>
+        <p:cNvGrpSpPr/>
+        <p:nvPr/>
+      </p:nvGrpSpPr>
+      <p:grpSpPr>
+        <a:xfrm>
+          <a:off x="0" y="0"/>
+          <a:ext cx="0" cy="0"/>
+          <a:chOff x="0" y="0"/>
+          <a:chExt cx="0" cy="0"/>
+        </a:xfrm>
+      </p:grpSpPr>
+      <p:sp>
+        <p:nvSpPr>
+          <p:cNvPr id="2" name="标题 1">
+            <a:extLst>
+              <a:ext uri="{FF2B5EF4-FFF2-40B4-BE49-F238E27FC236}">
+                <a16:creationId xmlns:a16="http://schemas.microsoft.com/office/drawing/2014/main" id="{EA57C2FB-F332-4E2C-9028-000DF287DB65}"/>
+              </a:ext>
+            </a:extLst>
+          </p:cNvPr>
+          <p:cNvSpPr>
+            <a:spLocks noGrp="1"/>
+          </p:cNvSpPr>
+          <p:nvPr>
+            <p:ph type="title"/>
+          </p:nvPr>
+        </p:nvSpPr>
+        <p:spPr>
+          <a:xfrm>
+            <a:off x="850466" y="2527903"/>
+            <a:ext cx="8534400" cy="1507067"/>
+          </a:xfrm>
+        </p:spPr>
+        <p:txBody>
+          <a:bodyPr/>
+          <a:lstStyle/>
+          <a:p>
+            <a:r>
+              <a:rPr lang="zh-CN" altLang="en-US" dirty="0"/>
+              <a:t>计算导航时间</a:t>
+            </a:r>
+          </a:p>
+        </p:txBody>
+      </p:sp>
+      <p:pic>
+        <p:nvPicPr>
+          <p:cNvPr id="5" name="图片 4">
+            <a:extLst>
+              <a:ext uri="{FF2B5EF4-FFF2-40B4-BE49-F238E27FC236}">
+                <a16:creationId xmlns:a16="http://schemas.microsoft.com/office/drawing/2014/main" id="{6F880B25-0266-4EC8-8669-97AA1565C2B7}"/>
+              </a:ext>
+            </a:extLst>
+          </p:cNvPr>
+          <p:cNvPicPr>
+            <a:picLocks noChangeAspect="1"/>
+          </p:cNvPicPr>
+          <p:nvPr/>
+        </p:nvPicPr>
+        <p:blipFill>
+          <a:blip r:embed="rId2"/>
+          <a:stretch>
+            <a:fillRect/>
+          </a:stretch>
+        </p:blipFill>
+        <p:spPr>
+          <a:xfrm>
+            <a:off x="5300354" y="323904"/>
+            <a:ext cx="5394961" cy="5915063"/>
+          </a:xfrm>
+          <a:prstGeom prst="rect">
+            <a:avLst/>
+          </a:prstGeom>
+        </p:spPr>
+      </p:pic>
+    </p:spTree>
+    <p:extLst>
+      <p:ext uri="{BB962C8B-B14F-4D97-AF65-F5344CB8AC3E}">
+        <p14:creationId xmlns:p14="http://schemas.microsoft.com/office/powerpoint/2010/main" val="47670450"/>
+      </p:ext>
+    </p:extLst>
+  </p:cSld>
+  <p:clrMapOvr>
+    <a:masterClrMapping/>
+  </p:clrMapOvr>
+</p:sld>
+</file>
+
+<file path=ppt/slides/slide25.xml><?xml version="1.0" encoding="utf-8"?>
+<p:sld xmlns:a="http://schemas.openxmlformats.org/drawingml/2006/main" xmlns:r="http://schemas.openxmlformats.org/officeDocument/2006/relationships" xmlns:p="http://schemas.openxmlformats.org/presentationml/2006/main">
+  <p:cSld>
+    <p:spTree>
+      <p:nvGrpSpPr>
+        <p:cNvPr id="1" name=""/>
+        <p:cNvGrpSpPr/>
+        <p:nvPr/>
+      </p:nvGrpSpPr>
+      <p:grpSpPr>
+        <a:xfrm>
+          <a:off x="0" y="0"/>
+          <a:ext cx="0" cy="0"/>
+          <a:chOff x="0" y="0"/>
+          <a:chExt cx="0" cy="0"/>
+        </a:xfrm>
+      </p:grpSpPr>
+      <p:sp>
+        <p:nvSpPr>
+          <p:cNvPr id="2" name="标题 1">
+            <a:extLst>
+              <a:ext uri="{FF2B5EF4-FFF2-40B4-BE49-F238E27FC236}">
+                <a16:creationId xmlns:a16="http://schemas.microsoft.com/office/drawing/2014/main" id="{88B751DC-AC7B-453E-996C-D7ECEC3A0EFB}"/>
+              </a:ext>
+            </a:extLst>
+          </p:cNvPr>
+          <p:cNvSpPr>
+            <a:spLocks noGrp="1"/>
+          </p:cNvSpPr>
+          <p:nvPr>
+            <p:ph type="title"/>
+          </p:nvPr>
+        </p:nvSpPr>
+        <p:spPr>
+          <a:xfrm>
+            <a:off x="1828800" y="2675466"/>
+            <a:ext cx="8534400" cy="1507067"/>
+          </a:xfrm>
+        </p:spPr>
+        <p:txBody>
+          <a:bodyPr>
+            <a:normAutofit/>
+          </a:bodyPr>
+          <a:lstStyle/>
+          <a:p>
+            <a:pPr algn="ctr"/>
+            <a:r>
+              <a:rPr lang="zh-CN" altLang="en-US" dirty="0"/>
+              <a:t>实机演示</a:t>
+            </a:r>
+          </a:p>
+        </p:txBody>
+      </p:sp>
+    </p:spTree>
+    <p:extLst>
+      <p:ext uri="{BB962C8B-B14F-4D97-AF65-F5344CB8AC3E}">
+        <p14:creationId xmlns:p14="http://schemas.microsoft.com/office/powerpoint/2010/main" val="2862554187"/>
+      </p:ext>
+    </p:extLst>
+  </p:cSld>
+  <p:clrMapOvr>
+    <a:masterClrMapping/>
+  </p:clrMapOvr>
+</p:sld>
+</file>
+
+<file path=ppt/slides/slide26.xml><?xml version="1.0" encoding="utf-8"?>
 <p:sld xmlns:a="http://schemas.openxmlformats.org/drawingml/2006/main" xmlns:r="http://schemas.openxmlformats.org/officeDocument/2006/relationships" xmlns:p="http://schemas.openxmlformats.org/presentationml/2006/main">
   <p:cSld>
     <p:spTree>
@@ -6787,7 +7444,7 @@
 </p:sld>
 </file>
 
-<file path=ppt/slides/slide21.xml><?xml version="1.0" encoding="utf-8"?>
+<file path=ppt/slides/slide27.xml><?xml version="1.0" encoding="utf-8"?>
 <p:sld xmlns:a="http://schemas.openxmlformats.org/drawingml/2006/main" xmlns:r="http://schemas.openxmlformats.org/officeDocument/2006/relationships" xmlns:p="http://schemas.openxmlformats.org/presentationml/2006/main">
   <p:cSld>
     <p:spTree>
